--- a/Août/MOLS_FORK_VFORK_CLONE/Documents/MOLS_FORK_VFORK_CLONE.pptx
+++ b/Août/MOLS_FORK_VFORK_CLONE/Documents/MOLS_FORK_VFORK_CLONE.pptx
@@ -36,7 +36,6 @@
     <p:sldId id="281" r:id="rId33"/>
     <p:sldId id="282" r:id="rId34"/>
     <p:sldId id="283" r:id="rId35"/>
-    <p:sldId id="284" r:id="rId36"/>
   </p:sldIdLst>
   <p:sldSz cx="9144000" cy="5143500"/>
   <p:notesSz cx="6858000" cy="9144000"/>
@@ -1639,8 +1638,8 @@
         </p:nvSpPr>
         <p:spPr>
           <a:xfrm>
-            <a:off x="1962450" y="67"/>
-            <a:ext cx="2721800" cy="387286"/>
+            <a:off x="1962449" y="67"/>
+            <a:ext cx="2721801" cy="387286"/>
           </a:xfrm>
           <a:prstGeom prst="rect">
             <a:avLst/>
@@ -1972,8 +1971,8 @@
         </p:nvSpPr>
         <p:spPr>
           <a:xfrm>
-            <a:off x="1160341" y="4983665"/>
-            <a:ext cx="2152689" cy="159845"/>
+            <a:off x="1160340" y="4983665"/>
+            <a:ext cx="2152690" cy="159845"/>
           </a:xfrm>
           <a:prstGeom prst="rect">
             <a:avLst/>
@@ -2007,8 +2006,8 @@
         </p:nvSpPr>
         <p:spPr>
           <a:xfrm>
-            <a:off x="1805332" y="4452017"/>
-            <a:ext cx="3750857" cy="160668"/>
+            <a:off x="1805333" y="4452017"/>
+            <a:ext cx="3750856" cy="160668"/>
           </a:xfrm>
           <a:prstGeom prst="rect">
             <a:avLst/>
@@ -2387,8 +2386,8 @@
         </p:nvSpPr>
         <p:spPr>
           <a:xfrm>
-            <a:off x="3511524" y="783784"/>
-            <a:ext cx="5632332" cy="2353699"/>
+            <a:off x="3511524" y="783785"/>
+            <a:ext cx="5632332" cy="2353698"/>
           </a:xfrm>
           <a:prstGeom prst="rect">
             <a:avLst/>
@@ -2458,8 +2457,8 @@
         </p:nvSpPr>
         <p:spPr>
           <a:xfrm>
-            <a:off x="5865072" y="3429580"/>
-            <a:ext cx="1215345" cy="259604"/>
+            <a:off x="5865073" y="3429580"/>
+            <a:ext cx="1215344" cy="259604"/>
           </a:xfrm>
           <a:prstGeom prst="rect">
             <a:avLst/>
@@ -2744,8 +2743,8 @@
         </p:nvSpPr>
         <p:spPr>
           <a:xfrm rot="10800000">
-            <a:off x="2751806" y="4243802"/>
-            <a:ext cx="6390891" cy="904548"/>
+            <a:off x="2751806" y="4243801"/>
+            <a:ext cx="6390891" cy="904549"/>
           </a:xfrm>
           <a:prstGeom prst="rect">
             <a:avLst/>
@@ -2925,8 +2924,8 @@
         </p:nvSpPr>
         <p:spPr>
           <a:xfrm rot="10800000">
-            <a:off x="7173252" y="912515"/>
-            <a:ext cx="1970502" cy="355189"/>
+            <a:off x="7173252" y="912516"/>
+            <a:ext cx="1970502" cy="355188"/>
           </a:xfrm>
           <a:prstGeom prst="rect">
             <a:avLst/>
@@ -2960,8 +2959,8 @@
         </p:nvSpPr>
         <p:spPr>
           <a:xfrm rot="10800000">
-            <a:off x="1814476" y="912515"/>
-            <a:ext cx="1600012" cy="355189"/>
+            <a:off x="1814476" y="912516"/>
+            <a:ext cx="1600012" cy="355188"/>
           </a:xfrm>
           <a:prstGeom prst="rect">
             <a:avLst/>
@@ -2995,8 +2994,8 @@
         </p:nvSpPr>
         <p:spPr>
           <a:xfrm rot="10800000">
-            <a:off x="4523684" y="323047"/>
-            <a:ext cx="2095392" cy="356726"/>
+            <a:off x="4523683" y="323047"/>
+            <a:ext cx="2095393" cy="356726"/>
           </a:xfrm>
           <a:prstGeom prst="rect">
             <a:avLst/>
@@ -3030,7 +3029,7 @@
         </p:nvSpPr>
         <p:spPr>
           <a:xfrm rot="10800000">
-            <a:off x="7381058" y="3345805"/>
+            <a:off x="7381057" y="3345805"/>
             <a:ext cx="1762839" cy="355195"/>
           </a:xfrm>
           <a:prstGeom prst="rect">
@@ -3267,8 +3266,8 @@
         </p:nvGrpSpPr>
         <p:grpSpPr>
           <a:xfrm>
-            <a:off x="-28" y="2816318"/>
-            <a:ext cx="9144050" cy="948287"/>
+            <a:off x="-27" y="2816318"/>
+            <a:ext cx="9144049" cy="948287"/>
             <a:chOff x="0" y="0"/>
             <a:chExt cx="9144048" cy="948286"/>
           </a:xfrm>
@@ -3364,7 +3363,7 @@
           <p:spPr>
             <a:xfrm>
               <a:off x="4574621" y="544439"/>
-              <a:ext cx="1353803" cy="131820"/>
+              <a:ext cx="1353804" cy="131820"/>
             </a:xfrm>
             <a:prstGeom prst="rect">
               <a:avLst/>
@@ -3405,7 +3404,7 @@
           <p:spPr>
             <a:xfrm>
               <a:off x="5129369" y="0"/>
-              <a:ext cx="1148796" cy="131436"/>
+              <a:ext cx="1148795" cy="131436"/>
             </a:xfrm>
             <a:prstGeom prst="rect">
               <a:avLst/>
@@ -3568,7 +3567,7 @@
           </p:nvSpPr>
           <p:spPr>
             <a:xfrm>
-              <a:off x="3723874" y="272027"/>
+              <a:off x="3723875" y="272027"/>
               <a:ext cx="366175" cy="131820"/>
             </a:xfrm>
             <a:prstGeom prst="rect">
@@ -3855,7 +3854,7 @@
           </p:nvSpPr>
           <p:spPr>
             <a:xfrm>
-              <a:off x="8756445" y="816467"/>
+              <a:off x="8756446" y="816467"/>
               <a:ext cx="142125" cy="131820"/>
             </a:xfrm>
             <a:prstGeom prst="rect">
@@ -4068,7 +4067,7 @@
         <p:txBody>
           <a:bodyPr lIns="0" tIns="0" rIns="0" bIns="0"/>
           <a:lstStyle>
-            <a:lvl1pPr marL="0" indent="114300">
+            <a:lvl1pPr marL="0" indent="0">
               <a:lnSpc>
                 <a:spcPct val="115000"/>
               </a:lnSpc>
@@ -4077,7 +4076,7 @@
               <a:buNone/>
               <a:defRPr sz="1600"/>
             </a:lvl1pPr>
-            <a:lvl2pPr marL="0" indent="114300">
+            <a:lvl2pPr marL="0" indent="0">
               <a:lnSpc>
                 <a:spcPct val="115000"/>
               </a:lnSpc>
@@ -4086,7 +4085,7 @@
               <a:buNone/>
               <a:defRPr sz="1600"/>
             </a:lvl2pPr>
-            <a:lvl3pPr marL="0" indent="114300">
+            <a:lvl3pPr marL="0" indent="0">
               <a:lnSpc>
                 <a:spcPct val="115000"/>
               </a:lnSpc>
@@ -4095,7 +4094,7 @@
               <a:buNone/>
               <a:defRPr sz="1600"/>
             </a:lvl3pPr>
-            <a:lvl4pPr marL="0" indent="114300">
+            <a:lvl4pPr marL="0" indent="0">
               <a:lnSpc>
                 <a:spcPct val="115000"/>
               </a:lnSpc>
@@ -4104,7 +4103,7 @@
               <a:buNone/>
               <a:defRPr sz="1600"/>
             </a:lvl4pPr>
-            <a:lvl5pPr marL="0" indent="114300">
+            <a:lvl5pPr marL="0" indent="0">
               <a:lnSpc>
                 <a:spcPct val="115000"/>
               </a:lnSpc>
@@ -5148,8 +5147,8 @@
         </p:nvSpPr>
         <p:spPr>
           <a:xfrm flipH="1">
-            <a:off x="1229530" y="1500449"/>
-            <a:ext cx="1104095" cy="356745"/>
+            <a:off x="1229529" y="1500449"/>
+            <a:ext cx="1104096" cy="356745"/>
           </a:xfrm>
           <a:prstGeom prst="rect">
             <a:avLst/>
@@ -5548,7 +5547,7 @@
         <p:spPr>
           <a:xfrm>
             <a:off x="1817725" y="0"/>
-            <a:ext cx="7326302" cy="390600"/>
+            <a:ext cx="7326301" cy="390600"/>
           </a:xfrm>
           <a:prstGeom prst="rect">
             <a:avLst/>
@@ -5731,7 +5730,7 @@
         <p:spPr>
           <a:xfrm>
             <a:off x="2107985" y="2156652"/>
-            <a:ext cx="1115525" cy="128750"/>
+            <a:ext cx="1115524" cy="128750"/>
           </a:xfrm>
           <a:prstGeom prst="rect">
             <a:avLst/>
@@ -5766,7 +5765,7 @@
         <p:spPr>
           <a:xfrm>
             <a:off x="430906" y="2369871"/>
-            <a:ext cx="1645012" cy="128735"/>
+            <a:ext cx="1645013" cy="128735"/>
           </a:xfrm>
           <a:prstGeom prst="rect">
             <a:avLst/>
@@ -6725,7 +6724,7 @@
         <p:spPr>
           <a:xfrm>
             <a:off x="812313" y="3435572"/>
-            <a:ext cx="1562769" cy="128735"/>
+            <a:ext cx="1562768" cy="128735"/>
           </a:xfrm>
           <a:prstGeom prst="rect">
             <a:avLst/>
@@ -7148,7 +7147,7 @@
         <p:spPr>
           <a:xfrm>
             <a:off x="8017623" y="1161101"/>
-            <a:ext cx="1125474" cy="384834"/>
+            <a:ext cx="1125473" cy="384834"/>
           </a:xfrm>
           <a:prstGeom prst="rect">
             <a:avLst/>
@@ -8174,31 +8173,31 @@
         <p:txBody>
           <a:bodyPr/>
           <a:lstStyle>
-            <a:lvl1pPr marL="0" indent="114300">
+            <a:lvl1pPr marL="0" indent="0">
               <a:buClrTx/>
               <a:buSzTx/>
               <a:buNone/>
               <a:defRPr sz="1600"/>
             </a:lvl1pPr>
-            <a:lvl2pPr marL="0" indent="114300">
+            <a:lvl2pPr marL="0" indent="0">
               <a:buClrTx/>
               <a:buSzTx/>
               <a:buNone/>
               <a:defRPr sz="1600"/>
             </a:lvl2pPr>
-            <a:lvl3pPr marL="0" indent="114300">
+            <a:lvl3pPr marL="0" indent="0">
               <a:buClrTx/>
               <a:buSzTx/>
               <a:buNone/>
               <a:defRPr sz="1600"/>
             </a:lvl3pPr>
-            <a:lvl4pPr marL="0" indent="114300">
+            <a:lvl4pPr marL="0" indent="0">
               <a:buClrTx/>
               <a:buSzTx/>
               <a:buNone/>
               <a:defRPr sz="1600"/>
             </a:lvl4pPr>
-            <a:lvl5pPr marL="0" indent="114300">
+            <a:lvl5pPr marL="0" indent="0">
               <a:buClrTx/>
               <a:buSzTx/>
               <a:buNone/>
@@ -8597,31 +8596,31 @@
         <p:txBody>
           <a:bodyPr lIns="0" tIns="0" rIns="0" bIns="0"/>
           <a:lstStyle>
-            <a:lvl1pPr marL="0" indent="114300">
+            <a:lvl1pPr marL="0" indent="0">
               <a:buClrTx/>
               <a:buSzTx/>
               <a:buNone/>
               <a:defRPr sz="1600"/>
             </a:lvl1pPr>
-            <a:lvl2pPr marL="0" indent="114300">
+            <a:lvl2pPr marL="0" indent="0">
               <a:buClrTx/>
               <a:buSzTx/>
               <a:buNone/>
               <a:defRPr sz="1600"/>
             </a:lvl2pPr>
-            <a:lvl3pPr marL="0" indent="114300">
+            <a:lvl3pPr marL="0" indent="0">
               <a:buClrTx/>
               <a:buSzTx/>
               <a:buNone/>
               <a:defRPr sz="1600"/>
             </a:lvl3pPr>
-            <a:lvl4pPr marL="0" indent="114300">
+            <a:lvl4pPr marL="0" indent="0">
               <a:buClrTx/>
               <a:buSzTx/>
               <a:buNone/>
               <a:defRPr sz="1600"/>
             </a:lvl4pPr>
-            <a:lvl5pPr marL="0" indent="114300">
+            <a:lvl5pPr marL="0" indent="0">
               <a:buClrTx/>
               <a:buSzTx/>
               <a:buNone/>
@@ -9213,8 +9212,8 @@
         </p:nvSpPr>
         <p:spPr>
           <a:xfrm>
-            <a:off x="7173252" y="912515"/>
-            <a:ext cx="1970502" cy="355189"/>
+            <a:off x="7173252" y="912516"/>
+            <a:ext cx="1970502" cy="355188"/>
           </a:xfrm>
           <a:prstGeom prst="rect">
             <a:avLst/>
@@ -9752,8 +9751,8 @@
         </p:nvSpPr>
         <p:spPr>
           <a:xfrm>
-            <a:off x="1577071" y="4446327"/>
-            <a:ext cx="3118587" cy="356724"/>
+            <a:off x="1577070" y="4446327"/>
+            <a:ext cx="3118588" cy="356724"/>
           </a:xfrm>
           <a:prstGeom prst="rect">
             <a:avLst/>
@@ -10128,31 +10127,31 @@
         <p:txBody>
           <a:bodyPr/>
           <a:lstStyle>
-            <a:lvl1pPr marL="0" indent="114300">
+            <a:lvl1pPr marL="0" indent="0">
               <a:buClrTx/>
               <a:buSzTx/>
               <a:buNone/>
               <a:defRPr sz="1600"/>
             </a:lvl1pPr>
-            <a:lvl2pPr marL="0" indent="114300">
+            <a:lvl2pPr marL="0" indent="0">
               <a:buClrTx/>
               <a:buSzTx/>
               <a:buNone/>
               <a:defRPr sz="1600"/>
             </a:lvl2pPr>
-            <a:lvl3pPr marL="0" indent="114300">
+            <a:lvl3pPr marL="0" indent="0">
               <a:buClrTx/>
               <a:buSzTx/>
               <a:buNone/>
               <a:defRPr sz="1600"/>
             </a:lvl3pPr>
-            <a:lvl4pPr marL="0" indent="114300">
+            <a:lvl4pPr marL="0" indent="0">
               <a:buClrTx/>
               <a:buSzTx/>
               <a:buNone/>
               <a:defRPr sz="1600"/>
             </a:lvl4pPr>
-            <a:lvl5pPr marL="0" indent="114300">
+            <a:lvl5pPr marL="0" indent="0">
               <a:buClrTx/>
               <a:buSzTx/>
               <a:buNone/>
@@ -10731,8 +10730,8 @@
         </p:nvSpPr>
         <p:spPr>
           <a:xfrm flipH="1">
-            <a:off x="1229530" y="1500449"/>
-            <a:ext cx="1104095" cy="356745"/>
+            <a:off x="1229529" y="1500449"/>
+            <a:ext cx="1104096" cy="356745"/>
           </a:xfrm>
           <a:prstGeom prst="rect">
             <a:avLst/>
@@ -10988,8 +10987,8 @@
         </p:nvSpPr>
         <p:spPr>
           <a:xfrm flipH="1">
-            <a:off x="7488715" y="2679427"/>
-            <a:ext cx="1655078" cy="355195"/>
+            <a:off x="7488714" y="2679427"/>
+            <a:ext cx="1655079" cy="355195"/>
           </a:xfrm>
           <a:prstGeom prst="rect">
             <a:avLst/>
@@ -11171,8 +11170,8 @@
         </p:nvSpPr>
         <p:spPr>
           <a:xfrm flipH="1">
-            <a:off x="3895730" y="323024"/>
-            <a:ext cx="4819379" cy="355196"/>
+            <a:off x="3895730" y="323025"/>
+            <a:ext cx="4819379" cy="355195"/>
           </a:xfrm>
           <a:prstGeom prst="rect">
             <a:avLst/>
@@ -13018,7 +13017,7 @@
           <a:bodyPr/>
           <a:lstStyle>
             <a:lvl1pPr marL="0" indent="0">
-              <a:defRPr>
+              <a:defRPr sz="2600">
                 <a:solidFill>
                   <a:schemeClr val="accent2"/>
                 </a:solidFill>
@@ -13028,7 +13027,7 @@
           <a:p>
             <a:pPr/>
             <a:r>
-              <a:t>Création de processus</a:t>
+              <a:t>Création de process</a:t>
             </a:r>
           </a:p>
         </p:txBody>
@@ -13112,21 +13111,21 @@
           <a:bodyPr/>
           <a:lstStyle/>
           <a:p>
-            <a:pPr indent="0" defTabSz="499901">
-              <a:defRPr sz="1633"/>
-            </a:pPr>
-            <a:r>
-              <a:t>Au vu du fait que fork duplique l’espace d’adressage et d’autres fonctionnement du parent, cela peut vite remplir la mémoire, ralentir l’ordinateur et empêcher la création de nouveaux processus.</a:t>
-            </a:r>
-          </a:p>
-          <a:p>
-            <a:pPr indent="0" defTabSz="499901">
-              <a:defRPr sz="1633"/>
-            </a:pPr>
-          </a:p>
-          <a:p>
-            <a:pPr indent="69430" algn="ctr" defTabSz="499901">
-              <a:defRPr sz="1633">
+            <a:pPr defTabSz="513983">
+              <a:defRPr sz="1679"/>
+            </a:pPr>
+            <a:r>
+              <a:t>Au vu du fait que fork duplique l’espace d’adressage et d’autres fonctionnement du père, cela peut vite remplir la mémoire, ralentir l’ordinateur et empêcher la création de nouveaux process.</a:t>
+            </a:r>
+          </a:p>
+          <a:p>
+            <a:pPr defTabSz="513983">
+              <a:defRPr sz="1679"/>
+            </a:pPr>
+          </a:p>
+          <a:p>
+            <a:pPr indent="71385" algn="ctr" defTabSz="513983">
+              <a:defRPr sz="1679">
                 <a:latin typeface="XCharter"/>
                 <a:ea typeface="XCharter"/>
                 <a:cs typeface="XCharter"/>
@@ -13214,8 +13213,8 @@
         </p:nvSpPr>
         <p:spPr>
           <a:xfrm>
-            <a:off x="1874367" y="1951175"/>
-            <a:ext cx="5394963" cy="2257627"/>
+            <a:off x="1874366" y="1951175"/>
+            <a:ext cx="5394964" cy="2257627"/>
           </a:xfrm>
           <a:prstGeom prst="rect">
             <a:avLst/>
@@ -13225,16 +13224,16 @@
           <a:bodyPr/>
           <a:lstStyle/>
           <a:p>
-            <a:pPr indent="0"/>
-            <a:r>
-              <a:t>fork1(), forkall(), forkx(), forkallx() acceptent un argument flags composé d’un OU inclusif ou de plusieurs drapeaux, qui sont définis dans l’en-tête sys/fork.h </a:t>
-            </a:r>
-          </a:p>
-          <a:p>
-            <a:pPr indent="0"/>
-          </a:p>
-          <a:p>
-            <a:pPr indent="0"/>
+            <a:pPr/>
+            <a:r>
+              <a:t>forkall(), forkx(), forkallx() acceptent un argument : flags composé d’un OU inclusif : |, ou de plusieurs flags, qui sont définis dans l’en-tête sys/fork.h </a:t>
+            </a:r>
+          </a:p>
+          <a:p>
+            <a:pPr/>
+          </a:p>
+          <a:p>
+            <a:pPr/>
             <a:r>
               <a:t>Si l’argument ‘flag’ est 0, forkx() est identique à fork() et forkallx() est identique à forkall().</a:t>
             </a:r>
@@ -13391,8 +13390,8 @@
         </p:nvSpPr>
         <p:spPr>
           <a:xfrm flipH="1">
-            <a:off x="7903723" y="1829923"/>
-            <a:ext cx="407860" cy="179700"/>
+            <a:off x="7903722" y="1829923"/>
+            <a:ext cx="407861" cy="179700"/>
           </a:xfrm>
           <a:prstGeom prst="rect">
             <a:avLst/>
@@ -13429,7 +13428,7 @@
         <p:spPr>
           <a:xfrm flipH="1">
             <a:off x="1187624" y="3498425"/>
-            <a:ext cx="218364" cy="179600"/>
+            <a:ext cx="218364" cy="179601"/>
           </a:xfrm>
           <a:prstGeom prst="rect">
             <a:avLst/>
@@ -13466,7 +13465,7 @@
         <p:spPr>
           <a:xfrm flipH="1">
             <a:off x="1082119" y="2126825"/>
-            <a:ext cx="323908" cy="179600"/>
+            <a:ext cx="323908" cy="179601"/>
           </a:xfrm>
           <a:prstGeom prst="rect">
             <a:avLst/>
@@ -13501,7 +13500,7 @@
         <p:spPr>
           <a:xfrm>
             <a:off x="7737378" y="3498425"/>
-            <a:ext cx="407812" cy="179600"/>
+            <a:ext cx="407812" cy="179601"/>
           </a:xfrm>
           <a:prstGeom prst="rect">
             <a:avLst/>
@@ -13538,7 +13537,7 @@
         <p:spPr>
           <a:xfrm flipH="1">
             <a:off x="7734273" y="2126825"/>
-            <a:ext cx="218406" cy="179600"/>
+            <a:ext cx="218406" cy="179601"/>
           </a:xfrm>
           <a:prstGeom prst="rect">
             <a:avLst/>
@@ -13757,7 +13756,7 @@
               <a:defRPr sz="1000"/>
             </a:pPr>
             <a:r>
-              <a:t>Linux : =fork j-&gt; noyau 2.2.0-pre-</a:t>
+              <a:t>Linux : vfork = fork j-&gt;</a:t>
             </a:r>
           </a:p>
           <a:p>
@@ -13765,7 +13764,7 @@
               <a:defRPr sz="1000"/>
             </a:pPr>
             <a:r>
-              <a:t>2003 avec BSD3.0</a:t>
+              <a:t>BSD3.0 (noyau 2.2.0-pre-2003) </a:t>
             </a:r>
           </a:p>
           <a:p>
@@ -13883,7 +13882,7 @@
               </a:defRPr>
             </a:pPr>
             <a:r>
-              <a:t>_1, 0 ou PID du fils</a:t>
+              <a:t>-1, 0 ou PID du fils (dans le père)</a:t>
             </a:r>
           </a:p>
         </p:txBody>
@@ -13977,7 +13976,7 @@
               </a:defRPr>
             </a:pPr>
             <a:r>
-              <a:t>Fils = même mémoire que père</a:t>
+              <a:t>Fils = même espace adressage que père</a:t>
             </a:r>
           </a:p>
           <a:p>
@@ -14252,7 +14251,7 @@
         <p:spPr>
           <a:xfrm flipH="1">
             <a:off x="514320" y="3498425"/>
-            <a:ext cx="570156" cy="179600"/>
+            <a:ext cx="570156" cy="179601"/>
           </a:xfrm>
           <a:prstGeom prst="rect">
             <a:avLst/>
@@ -14392,7 +14391,7 @@
         <p:spPr>
           <a:xfrm flipH="1">
             <a:off x="8071052" y="2126825"/>
-            <a:ext cx="570068" cy="179600"/>
+            <a:ext cx="570068" cy="179601"/>
           </a:xfrm>
           <a:prstGeom prst="rect">
             <a:avLst/>
@@ -14498,7 +14497,7 @@
           <a:p>
             <a:pPr/>
             <a:r>
-              <a:t>Création avec mêmes attributs et espace que parent</a:t>
+              <a:t>Création avec mêmes attributs et espace que le père</a:t>
             </a:r>
           </a:p>
         </p:txBody>
@@ -15043,7 +15042,7 @@
           <p:spPr>
             <a:xfrm>
               <a:off x="4" y="313466"/>
-              <a:ext cx="142397" cy="142291"/>
+              <a:ext cx="142397" cy="142292"/>
             </a:xfrm>
             <a:custGeom>
               <a:avLst/>
@@ -15672,7 +15671,7 @@
             <a:off x="7190733" y="1989700"/>
             <a:ext cx="431785" cy="457168"/>
             <a:chOff x="0" y="0"/>
-            <a:chExt cx="431784" cy="457167"/>
+            <a:chExt cx="431783" cy="457167"/>
           </a:xfrm>
         </p:grpSpPr>
         <p:sp>
@@ -16183,7 +16182,7 @@
           <p:spPr>
             <a:xfrm>
               <a:off x="133811" y="235969"/>
-              <a:ext cx="297974" cy="199573"/>
+              <a:ext cx="297973" cy="199573"/>
             </a:xfrm>
             <a:custGeom>
               <a:avLst/>
@@ -16376,8 +16375,8 @@
         </p:nvSpPr>
         <p:spPr>
           <a:xfrm>
-            <a:off x="2881869" y="1847987"/>
-            <a:ext cx="3380261" cy="2257626"/>
+            <a:off x="2881870" y="1847987"/>
+            <a:ext cx="3380260" cy="2257626"/>
           </a:xfrm>
           <a:prstGeom prst="rect">
             <a:avLst/>
@@ -16387,24 +16386,33 @@
           <a:bodyPr/>
           <a:lstStyle/>
           <a:p>
-            <a:pPr indent="0"/>
+            <a:pPr/>
             <a:r>
               <a:t>#include &lt;sys/types.h&gt;</a:t>
             </a:r>
           </a:p>
           <a:p>
-            <a:pPr indent="0"/>
+            <a:pPr/>
             <a:r>
               <a:t>#include &lt;unistd.h&gt;</a:t>
             </a:r>
           </a:p>
           <a:p>
-            <a:pPr indent="0"/>
-          </a:p>
-          <a:p>
-            <a:pPr indent="0"/>
+            <a:pPr/>
+          </a:p>
+          <a:p>
+            <a:pPr/>
             <a:r>
               <a:t>pid_t vfork(void);</a:t>
+            </a:r>
+          </a:p>
+          <a:p>
+            <a:pPr/>
+          </a:p>
+          <a:p>
+            <a:pPr/>
+            <a:r>
+              <a:t>(pid_t n’a pas besoin de cast pour être utilisé comme un int)</a:t>
             </a:r>
           </a:p>
         </p:txBody>
@@ -16457,7 +16465,7 @@
         <p:spPr>
           <a:xfrm>
             <a:off x="363435" y="1280481"/>
-            <a:ext cx="6915254" cy="3117805"/>
+            <a:ext cx="7522855" cy="3519485"/>
           </a:xfrm>
           <a:prstGeom prst="rect">
             <a:avLst/>
@@ -16467,91 +16475,147 @@
           <a:bodyPr/>
           <a:lstStyle/>
           <a:p>
-            <a:pPr marL="0" indent="104139" defTabSz="749808">
+            <a:pPr marL="0" indent="103097" defTabSz="742309">
               <a:buSzTx/>
               <a:buNone/>
-              <a:defRPr sz="1400"/>
-            </a:pPr>
-            <a:r>
-              <a:t>vfork() fournit une valeur de retour entière qui peut être utilisée pour différencier le père du fils ou indiquer une erreur.</a:t>
-            </a:r>
-          </a:p>
-          <a:p>
-            <a:pPr marL="0" indent="104139" defTabSz="749808">
+              <a:defRPr sz="1485"/>
+            </a:pPr>
+            <a:r>
+              <a:t>return pid_t -&gt; int -&gt; aussi utilisée pour ≠ père - fils ou indiquer une erreur.</a:t>
+            </a:r>
+          </a:p>
+          <a:p>
+            <a:pPr marL="0" indent="103097" defTabSz="742309">
               <a:buSzTx/>
               <a:buNone/>
-              <a:defRPr sz="1400"/>
-            </a:pPr>
-          </a:p>
-          <a:p>
-            <a:pPr marL="0" indent="104139" defTabSz="749808">
+              <a:defRPr sz="1485"/>
+            </a:pPr>
+          </a:p>
+          <a:p>
+            <a:pPr marL="0" indent="103097" defTabSz="742309">
               <a:buSzTx/>
               <a:buNone/>
-              <a:defRPr sz="1400" u="sng"/>
-            </a:pPr>
+              <a:defRPr sz="1485" u="sng"/>
+            </a:pPr>
+            <a:r>
+              <a:t>vfork()</a:t>
+            </a:r>
+            <a:r>
+              <a:rPr u="none"/>
+              <a:t> (introduit par </a:t>
+            </a:r>
             <a:r>
               <a:t>BSD</a:t>
             </a:r>
             <a:r>
               <a:rPr u="none"/>
-              <a:t> a introduit un </a:t>
-            </a:r>
-            <a:r>
-              <a:t>appel système vfork()</a:t>
+              <a:t>) emprunte au </a:t>
+            </a:r>
+            <a:r>
+              <a:t>père son espace d’adressage</a:t>
             </a:r>
             <a:r>
               <a:rPr u="none"/>
-              <a:t> qui emprunte au </a:t>
-            </a:r>
-            <a:r>
-              <a:t>père son espace d’adressage et son fils contrôle jusqu’à un appel à une fonction de la famille exec() ou _exit).</a:t>
-            </a:r>
-          </a:p>
-          <a:p>
-            <a:pPr marL="0" indent="104139" defTabSz="749808">
+              <a:t> et </a:t>
+            </a:r>
+            <a:r>
+              <a:t>son fils prend le contrôle</a:t>
+            </a:r>
+            <a:r>
+              <a:rPr u="none"/>
+              <a:t> jusqu’à un </a:t>
+            </a:r>
+            <a:r>
+              <a:t>appel</a:t>
+            </a:r>
+            <a:r>
+              <a:rPr u="none"/>
+              <a:t> à une fonction de la famille </a:t>
+            </a:r>
+            <a:r>
+              <a:t>exec()</a:t>
+            </a:r>
+            <a:r>
+              <a:rPr u="none"/>
+              <a:t> </a:t>
+            </a:r>
+            <a:r>
+              <a:t>ou</a:t>
+            </a:r>
+            <a:r>
+              <a:rPr u="none"/>
+              <a:t> </a:t>
+            </a:r>
+            <a:r>
+              <a:t>_exit</a:t>
+            </a:r>
+            <a:r>
+              <a:rPr u="none"/>
+              <a:t>.</a:t>
+            </a:r>
+          </a:p>
+          <a:p>
+            <a:pPr marL="0" indent="103097" defTabSz="742309">
               <a:buSzTx/>
               <a:buNone/>
-              <a:defRPr sz="1400"/>
-            </a:pPr>
-            <a:r>
-              <a:t>Process père suspendu.</a:t>
-            </a:r>
-          </a:p>
-          <a:p>
-            <a:pPr marL="0" indent="104139" defTabSz="749808">
+              <a:defRPr sz="1485"/>
+            </a:pPr>
+            <a:r>
+              <a:t>Process père est donc suspendu durant l’exécution du fils.</a:t>
+            </a:r>
+          </a:p>
+          <a:p>
+            <a:pPr marL="0" indent="103097" defTabSz="742309">
               <a:buSzTx/>
               <a:buNone/>
-              <a:defRPr sz="1400"/>
-            </a:pPr>
-            <a:r>
-              <a:t>Difficile à implémenter car, pour éviter de modifier les données du processus père, il faut être capable de déterminer quelles variables se trouvent dans des registres du processeur.</a:t>
-            </a:r>
-          </a:p>
-          <a:p>
-            <a:pPr marL="0" indent="104139" defTabSz="749808">
+              <a:defRPr sz="1485"/>
+            </a:pPr>
+            <a:r>
+              <a:t>Difficile à implémenter car, pour éviter de modifier les données du process père, il faut être capable de déterminer quelles variables se trouvent dans quels registres du processeur et à quels process elles sont associées.</a:t>
+            </a:r>
+          </a:p>
+          <a:p>
+            <a:pPr marL="0" indent="103097" defTabSz="742309">
               <a:buSzTx/>
               <a:buNone/>
-              <a:defRPr sz="1400"/>
-            </a:pPr>
-          </a:p>
-          <a:p>
-            <a:pPr marL="0" indent="104139" defTabSz="749808">
+              <a:defRPr sz="1485"/>
+            </a:pPr>
+          </a:p>
+          <a:p>
+            <a:pPr marL="0" indent="103097" defTabSz="742309">
               <a:buSzTx/>
               <a:buNone/>
-              <a:defRPr sz="1400"/>
+              <a:defRPr sz="1485"/>
             </a:pPr>
             <a:r>
               <a:t>Un fils peut se terminer de plusieurs manières.</a:t>
             </a:r>
           </a:p>
           <a:p>
-            <a:pPr marL="0" indent="104139" defTabSz="749808">
+            <a:pPr marL="0" indent="103097" defTabSz="742309">
               <a:buSzTx/>
               <a:buNone/>
-              <a:defRPr sz="1400"/>
-            </a:pPr>
-            <a:r>
-              <a:t>Fils peut pas devenir zombie 🧟‍♂️😵 -&gt; il utilise pid_t wait(int *ptr_state).</a:t>
+              <a:defRPr sz="1485"/>
+            </a:pPr>
+            <a:r>
+              <a:t>Pr perfs et conventions, fils peut pas devenir zombie 🧟‍♂️😵 -&gt; il utilise pid_t wait(int *ptr_state) pour attendre son fils et éviter d’en créer un 🧟‍♂️</a:t>
+            </a:r>
+          </a:p>
+          <a:p>
+            <a:pPr marL="0" indent="103097" defTabSz="742309">
+              <a:buSzTx/>
+              <a:buNone/>
+              <a:defRPr sz="1485"/>
+            </a:pPr>
+          </a:p>
+          <a:p>
+            <a:pPr marL="0" indent="108127" defTabSz="778520">
+              <a:buSzTx/>
+              <a:buNone/>
+              <a:defRPr sz="1485"/>
+            </a:pPr>
+            <a:r>
+              <a:t>Si le fils en devient un, il sera récupéré par init pour la suite de sa gestion.</a:t>
             </a:r>
           </a:p>
         </p:txBody>
@@ -16718,7 +16782,7 @@
               <a:defRPr sz="1300"/>
             </a:pPr>
             <a:r>
-              <a:t>∗ Le process enfant a un ID de process (PID) unique, qui ne correspond à aucun ID de groupe de process actif</a:t>
+              <a:t>∗ Le process fils a un ID de process (PID) unique</a:t>
             </a:r>
           </a:p>
           <a:p>
@@ -16728,7 +16792,7 @@
               <a:defRPr sz="1300"/>
             </a:pPr>
             <a:r>
-              <a:t>∗ L’enfant n’hérite pas des threads de son père et n’en crée pas de nouveaux</a:t>
+              <a:t>∗ Le fils n’hérite pas des threads de son père et n’en crée pas de nouveaux</a:t>
             </a:r>
           </a:p>
           <a:p>
@@ -16755,7 +16819,7 @@
               <a:defRPr sz="1300"/>
             </a:pPr>
             <a:r>
-              <a:t>Le process parent est arrêté jusqu’à ce que l’enfant quitte/exécute, mais cela est antérieur aux threads.</a:t>
+              <a:t>Le process père est arrêté jusqu’à ce que le fils _exit() / exec(), mais cela est antérieur aux threads.</a:t>
             </a:r>
           </a:p>
           <a:p>
@@ -16765,7 +16829,7 @@
               <a:defRPr sz="1300"/>
             </a:pPr>
             <a:r>
-              <a:t>Linux, par exemple, n’arrête que le seul thread du parent qui a appelé vfork(), pas tous les threads du père.</a:t>
+              <a:t>Linux, par exemple, n’arrête que le seul thread du père qui a appelé vfork(), pas tous les threads du père.</a:t>
             </a:r>
           </a:p>
         </p:txBody>
@@ -16926,7 +16990,7 @@
         <p:spPr>
           <a:xfrm>
             <a:off x="103187" y="2101206"/>
-            <a:ext cx="8937626" cy="669002"/>
+            <a:ext cx="8937626" cy="669001"/>
           </a:xfrm>
           <a:prstGeom prst="rect">
             <a:avLst/>
@@ -17055,53 +17119,58 @@
           <a:bodyPr/>
           <a:lstStyle/>
           <a:p>
-            <a:pPr indent="0" defTabSz="850391">
-              <a:defRPr sz="1400"/>
-            </a:pPr>
-            <a:r>
-              <a:t>La page de manuel de BSD indique que cet appel système sera supprimé quand des mécanismes de partage appropriés seront implémentés, et qu’il ne faut pas essayer de tirer profit du partage mémoire induit par vfork(), car dans ce cas, il sera rendu synonyme de fork(2) (cfr. problèmes sur PopOS Intel sur VM, MacOS Intel, MacOS Intel OpenSUSE VM, MacOS ARM OpenSUSE VM)</a:t>
-            </a:r>
-          </a:p>
-          <a:p>
-            <a:pPr indent="0" defTabSz="850391">
-              <a:defRPr sz="1400"/>
-            </a:pPr>
-          </a:p>
-          <a:p>
-            <a:pPr indent="0" defTabSz="850391">
-              <a:defRPr sz="1400"/>
-            </a:pPr>
-            <a:r>
-              <a:t>Les détails de la gestion des signaux sont compliqués, et varient suivant les systèmes</a:t>
-            </a:r>
-          </a:p>
-          <a:p>
-            <a:pPr indent="0" defTabSz="850391">
-              <a:defRPr sz="1400"/>
+            <a:pPr defTabSz="790863">
+              <a:defRPr sz="1302"/>
+            </a:pPr>
+            <a:r>
+              <a:t>BSD indique que cet appel système sera supprimé quand des mécanismes de partage appropriés seront implémentés, et qu’il ne faut pas essayer de tirer profit du partage mémoire induit par vfork(), car dans ce cas, il sera rendu synonyme de fork(2) (cfr. problèmes sur PopOS Intel sur VM, MacOS Intel, MacOS Intel OpenSUSE VM, MacOS ARM OpenSUSE VM)</a:t>
+            </a:r>
+          </a:p>
+          <a:p>
+            <a:pPr defTabSz="790863">
+              <a:defRPr sz="1302"/>
+            </a:pPr>
+          </a:p>
+          <a:p>
+            <a:pPr defTabSz="790863">
+              <a:defRPr sz="1302"/>
+            </a:pPr>
+            <a:r>
+              <a:t>Les détails de la gestion des signaux sont compliqués, et varient suivant les systèmes.</a:t>
+            </a:r>
+          </a:p>
+          <a:p>
+            <a:pPr defTabSz="790863">
+              <a:defRPr sz="1302"/>
+            </a:pPr>
+          </a:p>
+          <a:p>
+            <a:pPr defTabSz="790863">
+              <a:defRPr sz="1302"/>
             </a:pPr>
             <a:r>
               <a:t>Lors de l’utilisation de vfork(), il arrive souvent que ce message apparaisse lors</a:t>
             </a:r>
           </a:p>
           <a:p>
-            <a:pPr indent="0" defTabSz="850391">
-              <a:defRPr sz="1400"/>
+            <a:pPr defTabSz="790863">
+              <a:defRPr sz="1302"/>
             </a:pPr>
             <a:r>
               <a:t>de la compilation, ce qui montre, par exemple, que l’exécution diffère d’un système</a:t>
             </a:r>
           </a:p>
           <a:p>
-            <a:pPr indent="0" defTabSz="850391">
-              <a:defRPr sz="1400"/>
+            <a:pPr defTabSz="790863">
+              <a:defRPr sz="1302"/>
             </a:pPr>
             <a:r>
               <a:t>à un autre :</a:t>
             </a:r>
           </a:p>
           <a:p>
-            <a:pPr indent="0" defTabSz="850391">
-              <a:defRPr sz="1400">
+            <a:pPr defTabSz="790863">
+              <a:defRPr sz="1302">
                 <a:solidFill>
                   <a:srgbClr val="FBE600"/>
                 </a:solidFill>
@@ -17112,8 +17181,8 @@
             </a:r>
           </a:p>
           <a:p>
-            <a:pPr indent="0" defTabSz="850391">
-              <a:defRPr sz="1400">
+            <a:pPr defTabSz="790863">
+              <a:defRPr sz="1302">
                 <a:solidFill>
                   <a:srgbClr val="FBE600"/>
                 </a:solidFill>
@@ -17124,8 +17193,8 @@
             </a:r>
           </a:p>
           <a:p>
-            <a:pPr indent="0" defTabSz="850391">
-              <a:defRPr sz="1400">
+            <a:pPr defTabSz="790863">
+              <a:defRPr sz="1302">
                 <a:solidFill>
                   <a:srgbClr val="FBE600"/>
                 </a:solidFill>
@@ -17136,8 +17205,8 @@
             </a:r>
           </a:p>
           <a:p>
-            <a:pPr indent="0" defTabSz="850391">
-              <a:defRPr sz="1400">
+            <a:pPr defTabSz="790863">
+              <a:defRPr sz="1302">
                 <a:solidFill>
                   <a:schemeClr val="accent2"/>
                 </a:solidFill>
@@ -17145,35 +17214,40 @@
             </a:pPr>
           </a:p>
           <a:p>
-            <a:pPr indent="0" defTabSz="850391">
-              <a:defRPr sz="1400"/>
+            <a:pPr defTabSz="790863">
+              <a:defRPr sz="1302"/>
             </a:pPr>
             <a:r>
               <a:t>Mais vfork() a les avantages de fork, et aucun de ses inconvénients !</a:t>
             </a:r>
           </a:p>
           <a:p>
-            <a:pPr indent="0" defTabSz="850391">
-              <a:defRPr sz="1400"/>
-            </a:pPr>
-            <a:r>
-              <a:t>vfork() a un inconvénient : que le parent (en particulier : le thread dans le parent qui appelle</a:t>
-            </a:r>
-          </a:p>
-          <a:p>
-            <a:pPr indent="0" defTabSz="850391">
-              <a:defRPr sz="1400"/>
-            </a:pPr>
-            <a:r>
-              <a:t>vfork()) et l’enfant partagent une pile, ce qui nécessite que le thread du parent ayant appelé vfork soit arrêté jusqu’à ce que l’enfant exec()s ou _exit( ).</a:t>
-            </a:r>
-          </a:p>
-          <a:p>
-            <a:pPr indent="0" defTabSz="850391">
-              <a:defRPr sz="1400"/>
-            </a:pPr>
-            <a:r>
-              <a:t>Solution pour threads : utiliser nouvelle pile.</a:t>
+            <a:pPr defTabSz="790863">
+              <a:defRPr sz="1302"/>
+            </a:pPr>
+            <a:r>
+              <a:t>vfork() a un inconvénient : que le père (en particulier : le thread dans le père qui appelle</a:t>
+            </a:r>
+          </a:p>
+          <a:p>
+            <a:pPr defTabSz="790863">
+              <a:defRPr sz="1302"/>
+            </a:pPr>
+            <a:r>
+              <a:t>vfork()) et le fils partagent l’espace d’adressage (une pile), ce qui nécessite que le thread du père ayant appelé vfork soit arrêté jusqu’à ce que le fils exec() ou _exit( ).</a:t>
+            </a:r>
+          </a:p>
+          <a:p>
+            <a:pPr defTabSz="790863">
+              <a:defRPr sz="1302"/>
+            </a:pPr>
+          </a:p>
+          <a:p>
+            <a:pPr defTabSz="790863">
+              <a:defRPr sz="1302"/>
+            </a:pPr>
+            <a:r>
+              <a:t>Solution pour threads : utiliser nouvelle pile (cfr fork() ou posix_spawn(3)).</a:t>
             </a:r>
           </a:p>
         </p:txBody>
@@ -17353,8 +17427,8 @@
         </p:nvSpPr>
         <p:spPr>
           <a:xfrm flipH="1">
-            <a:off x="7903723" y="1829923"/>
-            <a:ext cx="407860" cy="179700"/>
+            <a:off x="7903722" y="1829923"/>
+            <a:ext cx="407861" cy="179700"/>
           </a:xfrm>
           <a:prstGeom prst="rect">
             <a:avLst/>
@@ -17391,7 +17465,7 @@
         <p:spPr>
           <a:xfrm flipH="1">
             <a:off x="1187624" y="3498425"/>
-            <a:ext cx="218364" cy="179600"/>
+            <a:ext cx="218364" cy="179601"/>
           </a:xfrm>
           <a:prstGeom prst="rect">
             <a:avLst/>
@@ -17428,7 +17502,7 @@
         <p:spPr>
           <a:xfrm flipH="1">
             <a:off x="1082119" y="2126825"/>
-            <a:ext cx="323908" cy="179600"/>
+            <a:ext cx="323908" cy="179601"/>
           </a:xfrm>
           <a:prstGeom prst="rect">
             <a:avLst/>
@@ -17463,7 +17537,7 @@
         <p:spPr>
           <a:xfrm>
             <a:off x="7737378" y="3498425"/>
-            <a:ext cx="407812" cy="179600"/>
+            <a:ext cx="407812" cy="179601"/>
           </a:xfrm>
           <a:prstGeom prst="rect">
             <a:avLst/>
@@ -17500,7 +17574,7 @@
         <p:spPr>
           <a:xfrm flipH="1">
             <a:off x="7734273" y="2126825"/>
-            <a:ext cx="218406" cy="179600"/>
+            <a:ext cx="218406" cy="179601"/>
           </a:xfrm>
           <a:prstGeom prst="rect">
             <a:avLst/>
@@ -17815,7 +17889,7 @@
               </a:defRPr>
             </a:pPr>
             <a:r>
-              <a:t>-1 ou PID de l’enfant pour le père</a:t>
+              <a:t>-1, 0 ou PID du fils pour le père.</a:t>
             </a:r>
           </a:p>
           <a:p>
@@ -17831,7 +17905,7 @@
               </a:defRPr>
             </a:pPr>
             <a:r>
-              <a:t>Clone() point vers fn qui retourne un int utilisé par l’enfant comme val de return</a:t>
+              <a:t>Clone() pointe vers 1 fct (fn) qui retourne un int utilisé par le fils comme val de return</a:t>
             </a:r>
           </a:p>
         </p:txBody>
@@ -18186,7 +18260,7 @@
         <p:spPr>
           <a:xfrm flipH="1">
             <a:off x="514320" y="3498425"/>
-            <a:ext cx="570156" cy="179600"/>
+            <a:ext cx="570156" cy="179601"/>
           </a:xfrm>
           <a:prstGeom prst="rect">
             <a:avLst/>
@@ -18326,7 +18400,7 @@
         <p:spPr>
           <a:xfrm flipH="1">
             <a:off x="8071052" y="2126825"/>
-            <a:ext cx="570068" cy="179600"/>
+            <a:ext cx="570068" cy="179601"/>
           </a:xfrm>
           <a:prstGeom prst="rect">
             <a:avLst/>
@@ -18398,7 +18472,7 @@
         <p:spPr>
           <a:xfrm>
             <a:off x="2357433" y="2208196"/>
-            <a:ext cx="1981052" cy="321677"/>
+            <a:ext cx="1981052" cy="460814"/>
           </a:xfrm>
           <a:prstGeom prst="rect">
             <a:avLst/>
@@ -18432,7 +18506,7 @@
           <a:p>
             <a:pPr/>
             <a:r>
-              <a:t>Création avec duplication ou non des attributs et espaces que le parent</a:t>
+              <a:t>Création de process avec duplication ou non des attributs et espaces du père</a:t>
             </a:r>
           </a:p>
         </p:txBody>
@@ -18977,7 +19051,7 @@
           <p:spPr>
             <a:xfrm>
               <a:off x="4" y="313466"/>
-              <a:ext cx="142397" cy="142291"/>
+              <a:ext cx="142397" cy="142292"/>
             </a:xfrm>
             <a:custGeom>
               <a:avLst/>
@@ -19606,7 +19680,7 @@
             <a:off x="7190733" y="1989700"/>
             <a:ext cx="431785" cy="457168"/>
             <a:chOff x="0" y="0"/>
-            <a:chExt cx="431784" cy="457167"/>
+            <a:chExt cx="431783" cy="457167"/>
           </a:xfrm>
         </p:grpSpPr>
         <p:sp>
@@ -20117,7 +20191,7 @@
           <p:spPr>
             <a:xfrm>
               <a:off x="133811" y="235969"/>
-              <a:ext cx="297974" cy="199573"/>
+              <a:ext cx="297973" cy="199573"/>
             </a:xfrm>
             <a:custGeom>
               <a:avLst/>
@@ -20362,8 +20436,8 @@
         </p:nvSpPr>
         <p:spPr>
           <a:xfrm>
-            <a:off x="2189800" y="2162324"/>
-            <a:ext cx="2163903" cy="426600"/>
+            <a:off x="2189801" y="2162324"/>
+            <a:ext cx="2163902" cy="426600"/>
           </a:xfrm>
           <a:prstGeom prst="rect">
             <a:avLst/>
@@ -20613,629 +20687,7 @@
       </p:grpSpPr>
       <p:sp>
         <p:nvSpPr>
-          <p:cNvPr id="628" name="Google Shape;361;p30"/>
-          <p:cNvSpPr txBox="1"/>
-          <p:nvPr>
-            <p:ph type="body" idx="1"/>
-          </p:nvPr>
-        </p:nvSpPr>
-        <p:spPr>
-          <a:xfrm>
-            <a:off x="320624" y="1615075"/>
-            <a:ext cx="8502751" cy="3454360"/>
-          </a:xfrm>
-          <a:prstGeom prst="rect">
-            <a:avLst/>
-          </a:prstGeom>
-        </p:spPr>
-        <p:txBody>
-          <a:bodyPr/>
-          <a:lstStyle/>
-          <a:p>
-            <a:pPr marL="0" indent="0" defTabSz="804672">
-              <a:buSzTx/>
-              <a:buNone/>
-              <a:defRPr sz="1200"/>
-            </a:pPr>
-            <a:r>
-              <a:t>Quand le process fils est créé, avec clone(), il exécute la fonction </a:t>
-            </a:r>
-            <a:r>
-              <a:rPr>
-                <a:solidFill>
-                  <a:srgbClr val="FEFF00"/>
-                </a:solidFill>
-              </a:rPr>
-              <a:t>fn(arg)</a:t>
-            </a:r>
-            <a:r>
-              <a:t> de l'application. (Ceci est différe de fork(2) avec lequel l'exécution continue dans le fils au point de l'appel fork(2)) L'argument </a:t>
-            </a:r>
-            <a:r>
-              <a:rPr>
-                <a:solidFill>
-                  <a:srgbClr val="FFE700"/>
-                </a:solidFill>
-              </a:rPr>
-              <a:t>arg </a:t>
-            </a:r>
-            <a:r>
-              <a:t>de fn est un </a:t>
-            </a:r>
-            <a:r>
-              <a:rPr>
-                <a:solidFill>
-                  <a:srgbClr val="FFE500"/>
-                </a:solidFill>
-              </a:rPr>
-              <a:t>pointeur</a:t>
-            </a:r>
-            <a:r>
-              <a:t> sur la fonction appelée par le </a:t>
-            </a:r>
-            <a:r>
-              <a:rPr>
-                <a:solidFill>
-                  <a:srgbClr val="FFF000"/>
-                </a:solidFill>
-              </a:rPr>
-              <a:t>process fils</a:t>
-            </a:r>
-            <a:r>
-              <a:t> lors de </a:t>
-            </a:r>
-            <a:r>
-              <a:rPr>
-                <a:solidFill>
-                  <a:srgbClr val="FFF900"/>
-                </a:solidFill>
-              </a:rPr>
-              <a:t>son démarrage</a:t>
-            </a:r>
-            <a:r>
-              <a:t>. </a:t>
-            </a:r>
-            <a:r>
-              <a:rPr>
-                <a:solidFill>
-                  <a:srgbClr val="FFF400"/>
-                </a:solidFill>
-              </a:rPr>
-              <a:t>arg</a:t>
-            </a:r>
-            <a:r>
-              <a:t> est transmis à la fonction fn lors de son invocation.</a:t>
-            </a:r>
-          </a:p>
-          <a:p>
-            <a:pPr marL="0" indent="0" defTabSz="804672">
-              <a:buSzTx/>
-              <a:buNone/>
-              <a:defRPr sz="1200"/>
-            </a:pPr>
-          </a:p>
-          <a:p>
-            <a:pPr marL="0" indent="0" defTabSz="804672">
-              <a:buSzTx/>
-              <a:buNone/>
-              <a:defRPr sz="1200"/>
-            </a:pPr>
-            <a:r>
-              <a:t>Quand la fonction </a:t>
-            </a:r>
-            <a:r>
-              <a:rPr>
-                <a:solidFill>
-                  <a:srgbClr val="FFF000"/>
-                </a:solidFill>
-              </a:rPr>
-              <a:t>fn(arg) retourne</a:t>
-            </a:r>
-            <a:r>
-              <a:t>, le processus </a:t>
-            </a:r>
-            <a:r>
-              <a:rPr>
-                <a:solidFill>
-                  <a:srgbClr val="FFF400"/>
-                </a:solidFill>
-              </a:rPr>
-              <a:t>enfant</a:t>
-            </a:r>
-            <a:r>
-              <a:t> se </a:t>
-            </a:r>
-            <a:r>
-              <a:rPr>
-                <a:solidFill>
-                  <a:srgbClr val="FFEE00"/>
-                </a:solidFill>
-              </a:rPr>
-              <a:t>termine</a:t>
-            </a:r>
-            <a:r>
-              <a:t>. L’</a:t>
-            </a:r>
-            <a:r>
-              <a:rPr>
-                <a:solidFill>
-                  <a:srgbClr val="FFF400"/>
-                </a:solidFill>
-              </a:rPr>
-              <a:t>entier</a:t>
-            </a:r>
-            <a:r>
-              <a:t> renvoyé par fn est utilisé comme </a:t>
-            </a:r>
-            <a:r>
-              <a:rPr>
-                <a:solidFill>
-                  <a:srgbClr val="FFF400"/>
-                </a:solidFill>
-              </a:rPr>
-              <a:t>code de retour</a:t>
-            </a:r>
-            <a:r>
-              <a:t> du processus </a:t>
-            </a:r>
-            <a:r>
-              <a:rPr>
-                <a:solidFill>
-                  <a:srgbClr val="FFEE00"/>
-                </a:solidFill>
-              </a:rPr>
-              <a:t>enfant</a:t>
-            </a:r>
-            <a:r>
-              <a:t>. L’enfant peut aussi se terminer explicitement en appelant </a:t>
-            </a:r>
-            <a:r>
-              <a:rPr>
-                <a:solidFill>
-                  <a:srgbClr val="FFE200"/>
-                </a:solidFill>
-              </a:rPr>
-              <a:t>exec()</a:t>
-            </a:r>
-          </a:p>
-          <a:p>
-            <a:pPr marL="0" indent="0" defTabSz="804672">
-              <a:buSzTx/>
-              <a:buNone/>
-              <a:defRPr sz="1200">
-                <a:solidFill>
-                  <a:srgbClr val="FFE900"/>
-                </a:solidFill>
-              </a:defRPr>
-            </a:pPr>
-            <a:r>
-              <a:t>exit()</a:t>
-            </a:r>
-            <a:r>
-              <a:rPr>
-                <a:solidFill>
-                  <a:srgbClr val="FFFFFF"/>
-                </a:solidFill>
-              </a:rPr>
-              <a:t> ou après la réception d’un </a:t>
-            </a:r>
-            <a:r>
-              <a:rPr>
-                <a:solidFill>
-                  <a:srgbClr val="FFDA00"/>
-                </a:solidFill>
-              </a:rPr>
-              <a:t>signal fatal</a:t>
-            </a:r>
-            <a:r>
-              <a:rPr>
-                <a:solidFill>
-                  <a:srgbClr val="FFFFFF"/>
-                </a:solidFill>
-              </a:rPr>
-              <a:t>.</a:t>
-            </a:r>
-          </a:p>
-          <a:p>
-            <a:pPr marL="0" indent="0" defTabSz="804672">
-              <a:buSzTx/>
-              <a:buNone/>
-              <a:defRPr sz="1200"/>
-            </a:pPr>
-          </a:p>
-          <a:p>
-            <a:pPr marL="0" indent="0" defTabSz="804672">
-              <a:buSzTx/>
-              <a:buNone/>
-              <a:defRPr sz="1200"/>
-            </a:pPr>
-            <a:r>
-              <a:t>L'argument </a:t>
-            </a:r>
-            <a:r>
-              <a:rPr>
-                <a:solidFill>
-                  <a:srgbClr val="FFE200"/>
-                </a:solidFill>
-              </a:rPr>
-              <a:t>*stack</a:t>
-            </a:r>
-            <a:r>
-              <a:t> indique l'</a:t>
-            </a:r>
-            <a:r>
-              <a:rPr>
-                <a:solidFill>
-                  <a:srgbClr val="FFF400"/>
-                </a:solidFill>
-              </a:rPr>
-              <a:t>emplacement de la pile</a:t>
-            </a:r>
-            <a:r>
-              <a:t> utilisée par le process </a:t>
-            </a:r>
-            <a:r>
-              <a:rPr>
-                <a:solidFill>
-                  <a:srgbClr val="FFE500"/>
-                </a:solidFill>
-              </a:rPr>
-              <a:t>enfant</a:t>
-            </a:r>
-            <a:r>
-              <a:t>.</a:t>
-            </a:r>
-          </a:p>
-          <a:p>
-            <a:pPr marL="0" indent="0" defTabSz="804672">
-              <a:buSzTx/>
-              <a:buNone/>
-              <a:defRPr sz="1200"/>
-            </a:pPr>
-            <a:r>
-              <a:t>Comme les process </a:t>
-            </a:r>
-            <a:r>
-              <a:rPr>
-                <a:solidFill>
-                  <a:srgbClr val="FFE900"/>
-                </a:solidFill>
-              </a:rPr>
-              <a:t>enfant</a:t>
-            </a:r>
-            <a:r>
-              <a:t> et </a:t>
-            </a:r>
-            <a:r>
-              <a:rPr>
-                <a:solidFill>
-                  <a:srgbClr val="FFE900"/>
-                </a:solidFill>
-              </a:rPr>
-              <a:t>appelant</a:t>
-            </a:r>
-            <a:r>
-              <a:t> peuvent </a:t>
-            </a:r>
-            <a:r>
-              <a:rPr>
-                <a:solidFill>
-                  <a:srgbClr val="FFE900"/>
-                </a:solidFill>
-              </a:rPr>
-              <a:t>partager de la mémoire</a:t>
-            </a:r>
-            <a:r>
-              <a:t>, il n'est généralement</a:t>
-            </a:r>
-          </a:p>
-          <a:p>
-            <a:pPr marL="0" indent="0" defTabSz="804672">
-              <a:buSzTx/>
-              <a:buNone/>
-              <a:defRPr sz="1200">
-                <a:solidFill>
-                  <a:srgbClr val="FFE900"/>
-                </a:solidFill>
-              </a:defRPr>
-            </a:pPr>
-            <a:r>
-              <a:t>pas</a:t>
-            </a:r>
-            <a:r>
-              <a:rPr>
-                <a:solidFill>
-                  <a:srgbClr val="FFFFFF"/>
-                </a:solidFill>
-              </a:rPr>
-              <a:t> possible pour le fils d'utiliser la </a:t>
-            </a:r>
-            <a:r>
-              <a:t>même pile</a:t>
-            </a:r>
-            <a:r>
-              <a:rPr>
-                <a:solidFill>
-                  <a:srgbClr val="FFFFFF"/>
-                </a:solidFill>
-              </a:rPr>
-              <a:t> que son </a:t>
-            </a:r>
-            <a:r>
-              <a:t>père</a:t>
-            </a:r>
-            <a:r>
-              <a:rPr>
-                <a:solidFill>
-                  <a:srgbClr val="FFFFFF"/>
-                </a:solidFill>
-              </a:rPr>
-              <a:t>.</a:t>
-            </a:r>
-          </a:p>
-          <a:p>
-            <a:pPr marL="0" indent="0" defTabSz="804672">
-              <a:buSzTx/>
-              <a:buNone/>
-              <a:defRPr sz="1200"/>
-            </a:pPr>
-            <a:r>
-              <a:t>Le </a:t>
-            </a:r>
-            <a:r>
-              <a:rPr>
-                <a:solidFill>
-                  <a:srgbClr val="FFE900"/>
-                </a:solidFill>
-              </a:rPr>
-              <a:t>père</a:t>
-            </a:r>
-            <a:r>
-              <a:t> doit donc </a:t>
-            </a:r>
-            <a:r>
-              <a:rPr>
-                <a:solidFill>
-                  <a:srgbClr val="FFE900"/>
-                </a:solidFill>
-              </a:rPr>
-              <a:t>préparer</a:t>
-            </a:r>
-            <a:r>
-              <a:t> un </a:t>
-            </a:r>
-            <a:r>
-              <a:rPr>
-                <a:solidFill>
-                  <a:srgbClr val="FFE900"/>
-                </a:solidFill>
-              </a:rPr>
-              <a:t>espace mémoire</a:t>
-            </a:r>
-            <a:r>
-              <a:t> pour stocker la pile de son fils,</a:t>
-            </a:r>
-          </a:p>
-          <a:p>
-            <a:pPr marL="0" indent="0" defTabSz="804672">
-              <a:buSzTx/>
-              <a:buNone/>
-              <a:defRPr sz="1200"/>
-            </a:pPr>
-            <a:r>
-              <a:t>et </a:t>
-            </a:r>
-            <a:r>
-              <a:rPr>
-                <a:solidFill>
-                  <a:srgbClr val="FFE900"/>
-                </a:solidFill>
-              </a:rPr>
-              <a:t>transmettre</a:t>
-            </a:r>
-            <a:r>
-              <a:t> à </a:t>
-            </a:r>
-            <a:r>
-              <a:rPr>
-                <a:solidFill>
-                  <a:srgbClr val="FFE900"/>
-                </a:solidFill>
-              </a:rPr>
-              <a:t>clone</a:t>
-            </a:r>
-            <a:r>
-              <a:t>() un </a:t>
-            </a:r>
-            <a:r>
-              <a:rPr>
-                <a:solidFill>
-                  <a:srgbClr val="FFE900"/>
-                </a:solidFill>
-              </a:rPr>
-              <a:t>pointeur</a:t>
-            </a:r>
-            <a:r>
-              <a:t> </a:t>
-            </a:r>
-            <a:r>
-              <a:rPr>
-                <a:solidFill>
-                  <a:srgbClr val="FFE900"/>
-                </a:solidFill>
-              </a:rPr>
-              <a:t>sur cet emplacement</a:t>
-            </a:r>
-            <a:r>
-              <a:t>. Les piles croissent vers le bas sur</a:t>
-            </a:r>
-          </a:p>
-          <a:p>
-            <a:pPr marL="0" indent="0" defTabSz="804672">
-              <a:buSzTx/>
-              <a:buNone/>
-              <a:defRPr sz="1200"/>
-            </a:pPr>
-            <a:r>
-              <a:t>tous les processeurs implémentant Linux (sauf le HP PA), donc </a:t>
-            </a:r>
-            <a:r>
-              <a:rPr>
-                <a:solidFill>
-                  <a:srgbClr val="FFE900"/>
-                </a:solidFill>
-              </a:rPr>
-              <a:t>*stack</a:t>
-            </a:r>
-            <a:r>
-              <a:t> doit </a:t>
-            </a:r>
-            <a:r>
-              <a:rPr>
-                <a:solidFill>
-                  <a:srgbClr val="FFE900"/>
-                </a:solidFill>
-              </a:rPr>
-              <a:t>pointer</a:t>
-            </a:r>
-            <a:r>
-              <a:t> sur la </a:t>
-            </a:r>
-            <a:r>
-              <a:rPr>
-                <a:solidFill>
-                  <a:srgbClr val="FFE900"/>
-                </a:solidFill>
-              </a:rPr>
-              <a:t>plus</a:t>
-            </a:r>
-            <a:endParaRPr>
-              <a:solidFill>
-                <a:srgbClr val="FFE900"/>
-              </a:solidFill>
-            </a:endParaRPr>
-          </a:p>
-          <a:p>
-            <a:pPr marL="0" indent="0" defTabSz="804672">
-              <a:buSzTx/>
-              <a:buNone/>
-              <a:defRPr sz="1200">
-                <a:solidFill>
-                  <a:srgbClr val="FFE900"/>
-                </a:solidFill>
-              </a:defRPr>
-            </a:pPr>
-            <a:r>
-              <a:t>haute adresse</a:t>
-            </a:r>
-            <a:r>
-              <a:rPr>
-                <a:solidFill>
-                  <a:srgbClr val="FFFFFF"/>
-                </a:solidFill>
-              </a:rPr>
-              <a:t> de l'espace mémoire prévu pour la pile du process fils.</a:t>
-            </a:r>
-          </a:p>
-          <a:p>
-            <a:pPr marL="0" indent="0" defTabSz="804672">
-              <a:buSzTx/>
-              <a:buNone/>
-              <a:defRPr sz="1200"/>
-            </a:pPr>
-          </a:p>
-          <a:p>
-            <a:pPr marL="0" indent="0" defTabSz="804672">
-              <a:buSzTx/>
-              <a:buNone/>
-              <a:defRPr sz="1200"/>
-            </a:pPr>
-            <a:r>
-              <a:t>Les </a:t>
-            </a:r>
-            <a:r>
-              <a:rPr>
-                <a:solidFill>
-                  <a:srgbClr val="FFE900"/>
-                </a:solidFill>
-              </a:rPr>
-              <a:t>flags</a:t>
-            </a:r>
-            <a:r>
-              <a:t> permettent également de </a:t>
-            </a:r>
-            <a:r>
-              <a:rPr>
-                <a:solidFill>
-                  <a:srgbClr val="FFE900"/>
-                </a:solidFill>
-              </a:rPr>
-              <a:t>préciser</a:t>
-            </a:r>
-            <a:r>
-              <a:t> </a:t>
-            </a:r>
-            <a:r>
-              <a:rPr>
-                <a:solidFill>
-                  <a:srgbClr val="FFE900"/>
-                </a:solidFill>
-              </a:rPr>
-              <a:t>ce qui sera partagé</a:t>
-            </a:r>
-            <a:r>
-              <a:t> entre le </a:t>
-            </a:r>
-            <a:r>
-              <a:rPr>
-                <a:solidFill>
-                  <a:srgbClr val="FFE900"/>
-                </a:solidFill>
-              </a:rPr>
-              <a:t>père</a:t>
-            </a:r>
-            <a:r>
-              <a:t> et le </a:t>
-            </a:r>
-            <a:r>
-              <a:rPr>
-                <a:solidFill>
-                  <a:srgbClr val="FFE900"/>
-                </a:solidFill>
-              </a:rPr>
-              <a:t>fils</a:t>
-            </a:r>
-            <a:r>
-              <a:t>, en effectuant un </a:t>
-            </a:r>
-            <a:r>
-              <a:rPr>
-                <a:solidFill>
-                  <a:srgbClr val="FFE900"/>
-                </a:solidFill>
-              </a:rPr>
-              <a:t>OU binaire</a:t>
-            </a:r>
-            <a:r>
-              <a:t> entre zéro ou plusieurs de ces </a:t>
-            </a:r>
-            <a:r>
-              <a:rPr>
-                <a:solidFill>
-                  <a:srgbClr val="FFE900"/>
-                </a:solidFill>
-              </a:rPr>
-              <a:t>flags</a:t>
-            </a:r>
-            <a:r>
-              <a:t>.</a:t>
-            </a:r>
-          </a:p>
-        </p:txBody>
-      </p:sp>
-      <p:sp>
-        <p:nvSpPr>
-          <p:cNvPr id="629" name="Google Shape;362;p30"/>
+          <p:cNvPr id="628" name="Google Shape;452;p36"/>
           <p:cNvSpPr txBox="1"/>
           <p:nvPr>
             <p:ph type="title"/>
@@ -21243,8 +20695,8 @@
         </p:nvSpPr>
         <p:spPr>
           <a:xfrm>
-            <a:off x="544950" y="485700"/>
-            <a:ext cx="5614550" cy="669001"/>
+            <a:off x="3034705" y="863263"/>
+            <a:ext cx="3074591" cy="367052"/>
           </a:xfrm>
           <a:prstGeom prst="rect">
             <a:avLst/>
@@ -21252,47 +20704,74 @@
         </p:spPr>
         <p:txBody>
           <a:bodyPr/>
-          <a:lstStyle/>
+          <a:lstStyle>
+            <a:lvl1pPr defTabSz="512062">
+              <a:defRPr sz="1200"/>
+            </a:lvl1pPr>
+          </a:lstStyle>
           <a:p>
             <a:pPr/>
             <a:r>
-              <a:t>Fonctionnement</a:t>
-            </a:r>
-          </a:p>
-        </p:txBody>
-      </p:sp>
-      <p:sp>
-        <p:nvSpPr>
-          <p:cNvPr id="630" name="Google Shape;363;p30"/>
-          <p:cNvSpPr/>
-          <p:nvPr/>
+              <a:t>Déclaration de clone(2)</a:t>
+            </a:r>
+          </a:p>
+        </p:txBody>
+      </p:sp>
+      <p:sp>
+        <p:nvSpPr>
+          <p:cNvPr id="629" name="Google Shape;453;p36"/>
+          <p:cNvSpPr txBox="1"/>
+          <p:nvPr>
+            <p:ph type="body" sz="half" idx="1"/>
+          </p:nvPr>
         </p:nvSpPr>
         <p:spPr>
           <a:xfrm>
-            <a:off x="7524760" y="3887591"/>
-            <a:ext cx="1619277" cy="241322"/>
-          </a:xfrm>
-          <a:prstGeom prst="rect">
-            <a:avLst/>
-          </a:prstGeom>
-          <a:solidFill>
-            <a:schemeClr val="accent2"/>
-          </a:solidFill>
-          <a:ln w="12700">
-            <a:miter lim="400000"/>
-          </a:ln>
-        </p:spPr>
-        <p:txBody>
-          <a:bodyPr lIns="45718" tIns="45718" rIns="45718" bIns="45718" anchor="ctr"/>
-          <a:lstStyle/>
-          <a:p>
-            <a:pPr>
-              <a:defRPr sz="1400">
-                <a:solidFill>
-                  <a:srgbClr val="000000"/>
-                </a:solidFill>
-              </a:defRPr>
-            </a:pPr>
+            <a:off x="1762681" y="1752737"/>
+            <a:ext cx="5531882" cy="2257626"/>
+          </a:xfrm>
+          <a:prstGeom prst="rect">
+            <a:avLst/>
+          </a:prstGeom>
+        </p:spPr>
+        <p:txBody>
+          <a:bodyPr/>
+          <a:lstStyle/>
+          <a:p>
+            <a:pPr/>
+            <a:r>
+              <a:t>#define _GNU_SOURCE</a:t>
+            </a:r>
+          </a:p>
+          <a:p>
+            <a:pPr/>
+            <a:r>
+              <a:t>#include &lt;sched.h&gt;</a:t>
+            </a:r>
+          </a:p>
+          <a:p>
+            <a:pPr/>
+          </a:p>
+          <a:p>
+            <a:pPr/>
+            <a:r>
+              <a:t>int clone(int (*fn)(void *), void *stack, int flags, void *arg, ...</a:t>
+            </a:r>
+          </a:p>
+          <a:p>
+            <a:pPr/>
+            <a:r>
+              <a:t>/* pid_t *parent_tid, void *tls, pid_t *child_tid */ );</a:t>
+            </a:r>
+          </a:p>
+          <a:p>
+            <a:pPr/>
+          </a:p>
+          <a:p>
+            <a:pPr/>
+            <a:r>
+              <a:t>-&gt; arguments optionnels</a:t>
+            </a:r>
           </a:p>
         </p:txBody>
       </p:sp>
@@ -21335,7 +20814,758 @@
       </p:grpSpPr>
       <p:sp>
         <p:nvSpPr>
-          <p:cNvPr id="632" name="Google Shape;452;p36"/>
+          <p:cNvPr id="631" name="Google Shape;361;p30"/>
+          <p:cNvSpPr txBox="1"/>
+          <p:nvPr>
+            <p:ph type="body" idx="1"/>
+          </p:nvPr>
+        </p:nvSpPr>
+        <p:spPr>
+          <a:xfrm>
+            <a:off x="130889" y="911220"/>
+            <a:ext cx="8882222" cy="4050628"/>
+          </a:xfrm>
+          <a:prstGeom prst="rect">
+            <a:avLst/>
+          </a:prstGeom>
+        </p:spPr>
+        <p:txBody>
+          <a:bodyPr/>
+          <a:lstStyle/>
+          <a:p>
+            <a:pPr marL="0" indent="0" defTabSz="724204">
+              <a:buSzTx/>
+              <a:buNone/>
+              <a:defRPr sz="1350"/>
+            </a:pPr>
+            <a:r>
+              <a:t>Quand le process fils est créé, avec clone(), il exécute la fonction </a:t>
+            </a:r>
+            <a:r>
+              <a:rPr>
+                <a:solidFill>
+                  <a:srgbClr val="FFE200"/>
+                </a:solidFill>
+              </a:rPr>
+              <a:t>fn(arg)</a:t>
+            </a:r>
+            <a:r>
+              <a:t> de l'application. (Ceci est diffère de fork(2) avec lequel l'exécution continue dans le fils au point de l'appel fork(2)) L'argument </a:t>
+            </a:r>
+            <a:r>
+              <a:rPr>
+                <a:solidFill>
+                  <a:srgbClr val="FFE200"/>
+                </a:solidFill>
+              </a:rPr>
+              <a:t>arg</a:t>
+            </a:r>
+            <a:r>
+              <a:rPr>
+                <a:solidFill>
+                  <a:srgbClr val="FFE700"/>
+                </a:solidFill>
+              </a:rPr>
+              <a:t> </a:t>
+            </a:r>
+            <a:r>
+              <a:t>de fn est un </a:t>
+            </a:r>
+            <a:r>
+              <a:rPr>
+                <a:solidFill>
+                  <a:srgbClr val="FFDA00"/>
+                </a:solidFill>
+              </a:rPr>
+              <a:t>pointeur</a:t>
+            </a:r>
+            <a:r>
+              <a:t> sur la fonction appelée par le </a:t>
+            </a:r>
+            <a:r>
+              <a:rPr>
+                <a:solidFill>
+                  <a:srgbClr val="FFDA00"/>
+                </a:solidFill>
+              </a:rPr>
+              <a:t>process</a:t>
+            </a:r>
+            <a:r>
+              <a:rPr>
+                <a:solidFill>
+                  <a:srgbClr val="FFF000"/>
+                </a:solidFill>
+              </a:rPr>
+              <a:t> </a:t>
+            </a:r>
+            <a:r>
+              <a:rPr>
+                <a:solidFill>
+                  <a:srgbClr val="FFDA00"/>
+                </a:solidFill>
+              </a:rPr>
+              <a:t>fils</a:t>
+            </a:r>
+            <a:r>
+              <a:t> lors de </a:t>
+            </a:r>
+            <a:r>
+              <a:rPr>
+                <a:solidFill>
+                  <a:srgbClr val="FFDA00"/>
+                </a:solidFill>
+              </a:rPr>
+              <a:t>son</a:t>
+            </a:r>
+            <a:r>
+              <a:rPr>
+                <a:solidFill>
+                  <a:srgbClr val="FFF900"/>
+                </a:solidFill>
+              </a:rPr>
+              <a:t> </a:t>
+            </a:r>
+            <a:r>
+              <a:rPr>
+                <a:solidFill>
+                  <a:srgbClr val="FFDA00"/>
+                </a:solidFill>
+              </a:rPr>
+              <a:t>démarrage</a:t>
+            </a:r>
+            <a:r>
+              <a:t>. </a:t>
+            </a:r>
+            <a:r>
+              <a:rPr>
+                <a:solidFill>
+                  <a:srgbClr val="FFDA00"/>
+                </a:solidFill>
+              </a:rPr>
+              <a:t>arg</a:t>
+            </a:r>
+            <a:r>
+              <a:t> est transmis à la fonction fn lors de son invocation.</a:t>
+            </a:r>
+          </a:p>
+          <a:p>
+            <a:pPr marL="0" indent="0" defTabSz="724204">
+              <a:buSzTx/>
+              <a:buNone/>
+              <a:defRPr sz="1350"/>
+            </a:pPr>
+          </a:p>
+          <a:p>
+            <a:pPr marL="0" indent="0" defTabSz="724204">
+              <a:buSzTx/>
+              <a:buNone/>
+              <a:defRPr sz="1350"/>
+            </a:pPr>
+            <a:r>
+              <a:t>Quand la fonction </a:t>
+            </a:r>
+            <a:r>
+              <a:rPr>
+                <a:solidFill>
+                  <a:srgbClr val="FFDA00"/>
+                </a:solidFill>
+              </a:rPr>
+              <a:t>fn</a:t>
+            </a:r>
+            <a:r>
+              <a:rPr>
+                <a:solidFill>
+                  <a:srgbClr val="FFF000"/>
+                </a:solidFill>
+              </a:rPr>
+              <a:t>(</a:t>
+            </a:r>
+            <a:r>
+              <a:rPr>
+                <a:solidFill>
+                  <a:srgbClr val="FFDA00"/>
+                </a:solidFill>
+              </a:rPr>
+              <a:t>arg</a:t>
+            </a:r>
+            <a:r>
+              <a:rPr>
+                <a:solidFill>
+                  <a:srgbClr val="FFF000"/>
+                </a:solidFill>
+              </a:rPr>
+              <a:t>) </a:t>
+            </a:r>
+            <a:r>
+              <a:rPr>
+                <a:solidFill>
+                  <a:srgbClr val="FFDA00"/>
+                </a:solidFill>
+              </a:rPr>
+              <a:t>retourne</a:t>
+            </a:r>
+            <a:r>
+              <a:t>, le process </a:t>
+            </a:r>
+            <a:r>
+              <a:rPr>
+                <a:solidFill>
+                  <a:srgbClr val="FFDA00"/>
+                </a:solidFill>
+              </a:rPr>
+              <a:t>fils</a:t>
+            </a:r>
+            <a:r>
+              <a:t> se </a:t>
+            </a:r>
+            <a:r>
+              <a:rPr>
+                <a:solidFill>
+                  <a:srgbClr val="FFDA00"/>
+                </a:solidFill>
+              </a:rPr>
+              <a:t>termine</a:t>
+            </a:r>
+            <a:r>
+              <a:t>. L’</a:t>
+            </a:r>
+            <a:r>
+              <a:rPr>
+                <a:solidFill>
+                  <a:srgbClr val="FFDA00"/>
+                </a:solidFill>
+              </a:rPr>
+              <a:t>entier</a:t>
+            </a:r>
+            <a:r>
+              <a:t> renvoyé par la fct fn est utilisé comme </a:t>
+            </a:r>
+            <a:r>
+              <a:rPr>
+                <a:solidFill>
+                  <a:srgbClr val="FFE200"/>
+                </a:solidFill>
+              </a:rPr>
+              <a:t>code</a:t>
+            </a:r>
+            <a:r>
+              <a:rPr>
+                <a:solidFill>
+                  <a:srgbClr val="FFF400"/>
+                </a:solidFill>
+              </a:rPr>
+              <a:t> </a:t>
+            </a:r>
+            <a:r>
+              <a:rPr>
+                <a:solidFill>
+                  <a:srgbClr val="FFE200"/>
+                </a:solidFill>
+              </a:rPr>
+              <a:t>de</a:t>
+            </a:r>
+            <a:r>
+              <a:rPr>
+                <a:solidFill>
+                  <a:srgbClr val="FFF400"/>
+                </a:solidFill>
+              </a:rPr>
+              <a:t> </a:t>
+            </a:r>
+            <a:r>
+              <a:rPr>
+                <a:solidFill>
+                  <a:srgbClr val="FFE200"/>
+                </a:solidFill>
+              </a:rPr>
+              <a:t>retour</a:t>
+            </a:r>
+            <a:r>
+              <a:t> du process </a:t>
+            </a:r>
+            <a:r>
+              <a:rPr>
+                <a:solidFill>
+                  <a:srgbClr val="FFDA00"/>
+                </a:solidFill>
+              </a:rPr>
+              <a:t>fils</a:t>
+            </a:r>
+            <a:r>
+              <a:t>. Le </a:t>
+            </a:r>
+            <a:r>
+              <a:rPr>
+                <a:solidFill>
+                  <a:srgbClr val="FFDA00"/>
+                </a:solidFill>
+              </a:rPr>
+              <a:t>fils</a:t>
+            </a:r>
+            <a:r>
+              <a:t> peut aussi se terminer explicitement en appelant une fct de la famille </a:t>
+            </a:r>
+            <a:r>
+              <a:rPr>
+                <a:solidFill>
+                  <a:srgbClr val="FFE200"/>
+                </a:solidFill>
+              </a:rPr>
+              <a:t>exec()</a:t>
+            </a:r>
+            <a:r>
+              <a:t>,</a:t>
+            </a:r>
+          </a:p>
+          <a:p>
+            <a:pPr marL="0" indent="0" defTabSz="724204">
+              <a:buSzTx/>
+              <a:buNone/>
+              <a:defRPr sz="1350">
+                <a:solidFill>
+                  <a:srgbClr val="FFE900"/>
+                </a:solidFill>
+              </a:defRPr>
+            </a:pPr>
+            <a:r>
+              <a:t>exit()</a:t>
+            </a:r>
+            <a:r>
+              <a:rPr>
+                <a:solidFill>
+                  <a:srgbClr val="FFFFFF"/>
+                </a:solidFill>
+              </a:rPr>
+              <a:t> ou après la réception d’un </a:t>
+            </a:r>
+            <a:r>
+              <a:rPr>
+                <a:solidFill>
+                  <a:srgbClr val="FFDA00"/>
+                </a:solidFill>
+              </a:rPr>
+              <a:t>signal fatal</a:t>
+            </a:r>
+            <a:r>
+              <a:rPr>
+                <a:solidFill>
+                  <a:srgbClr val="FFFFFF"/>
+                </a:solidFill>
+              </a:rPr>
+              <a:t>.</a:t>
+            </a:r>
+          </a:p>
+          <a:p>
+            <a:pPr marL="0" indent="0" defTabSz="724204">
+              <a:buSzTx/>
+              <a:buNone/>
+              <a:defRPr sz="1350"/>
+            </a:pPr>
+          </a:p>
+          <a:p>
+            <a:pPr marL="0" indent="0" defTabSz="724204">
+              <a:buSzTx/>
+              <a:buNone/>
+              <a:defRPr sz="1350"/>
+            </a:pPr>
+            <a:r>
+              <a:t>L'argument </a:t>
+            </a:r>
+            <a:r>
+              <a:rPr>
+                <a:solidFill>
+                  <a:srgbClr val="FFE200"/>
+                </a:solidFill>
+              </a:rPr>
+              <a:t>*stack</a:t>
+            </a:r>
+            <a:r>
+              <a:t> indique l'</a:t>
+            </a:r>
+            <a:r>
+              <a:rPr>
+                <a:solidFill>
+                  <a:srgbClr val="FFDA00"/>
+                </a:solidFill>
+              </a:rPr>
+              <a:t>emplacement de la pile</a:t>
+            </a:r>
+            <a:r>
+              <a:t> utilisée par le process </a:t>
+            </a:r>
+            <a:r>
+              <a:rPr>
+                <a:solidFill>
+                  <a:srgbClr val="FFE500"/>
+                </a:solidFill>
+              </a:rPr>
+              <a:t>fils</a:t>
+            </a:r>
+            <a:r>
+              <a:t>.</a:t>
+            </a:r>
+          </a:p>
+          <a:p>
+            <a:pPr marL="0" indent="0" defTabSz="724204">
+              <a:buSzTx/>
+              <a:buNone/>
+              <a:defRPr sz="1350"/>
+            </a:pPr>
+            <a:r>
+              <a:t>Comme les process </a:t>
+            </a:r>
+            <a:r>
+              <a:rPr>
+                <a:solidFill>
+                  <a:srgbClr val="FFE900"/>
+                </a:solidFill>
+              </a:rPr>
+              <a:t>fils</a:t>
+            </a:r>
+            <a:r>
+              <a:t> et </a:t>
+            </a:r>
+            <a:r>
+              <a:rPr>
+                <a:solidFill>
+                  <a:srgbClr val="FFE900"/>
+                </a:solidFill>
+              </a:rPr>
+              <a:t>père</a:t>
+            </a:r>
+            <a:r>
+              <a:t> peuvent </a:t>
+            </a:r>
+            <a:r>
+              <a:rPr>
+                <a:solidFill>
+                  <a:srgbClr val="FFE900"/>
+                </a:solidFill>
+              </a:rPr>
+              <a:t>partager de la mémoire</a:t>
+            </a:r>
+            <a:r>
+              <a:t>, il n'est généralement</a:t>
+            </a:r>
+          </a:p>
+          <a:p>
+            <a:pPr marL="0" indent="0" defTabSz="724204">
+              <a:buSzTx/>
+              <a:buNone/>
+              <a:defRPr sz="1350">
+                <a:solidFill>
+                  <a:srgbClr val="FFE900"/>
+                </a:solidFill>
+              </a:defRPr>
+            </a:pPr>
+            <a:r>
+              <a:t>pas</a:t>
+            </a:r>
+            <a:r>
+              <a:rPr>
+                <a:solidFill>
+                  <a:srgbClr val="FFFFFF"/>
+                </a:solidFill>
+              </a:rPr>
+              <a:t> possible pour le fils d'utiliser la </a:t>
+            </a:r>
+            <a:r>
+              <a:t>même pile</a:t>
+            </a:r>
+            <a:r>
+              <a:rPr>
+                <a:solidFill>
+                  <a:srgbClr val="FFFFFF"/>
+                </a:solidFill>
+              </a:rPr>
+              <a:t> que son </a:t>
+            </a:r>
+            <a:r>
+              <a:t>père</a:t>
+            </a:r>
+            <a:r>
+              <a:rPr>
+                <a:solidFill>
+                  <a:srgbClr val="FFFFFF"/>
+                </a:solidFill>
+              </a:rPr>
+              <a:t>.</a:t>
+            </a:r>
+          </a:p>
+          <a:p>
+            <a:pPr marL="0" indent="0" defTabSz="724204">
+              <a:buSzTx/>
+              <a:buNone/>
+              <a:defRPr sz="1350"/>
+            </a:pPr>
+            <a:r>
+              <a:t>Le </a:t>
+            </a:r>
+            <a:r>
+              <a:rPr>
+                <a:solidFill>
+                  <a:srgbClr val="FFE900"/>
+                </a:solidFill>
+              </a:rPr>
+              <a:t>père</a:t>
+            </a:r>
+            <a:r>
+              <a:t> doit donc </a:t>
+            </a:r>
+            <a:r>
+              <a:rPr>
+                <a:solidFill>
+                  <a:srgbClr val="FFE900"/>
+                </a:solidFill>
+              </a:rPr>
+              <a:t>préparer</a:t>
+            </a:r>
+            <a:r>
+              <a:t> un </a:t>
+            </a:r>
+            <a:r>
+              <a:rPr>
+                <a:solidFill>
+                  <a:srgbClr val="FFE900"/>
+                </a:solidFill>
+              </a:rPr>
+              <a:t>espace mémoire</a:t>
+            </a:r>
+            <a:r>
+              <a:t> pour stocker la pile de son fils,</a:t>
+            </a:r>
+          </a:p>
+          <a:p>
+            <a:pPr marL="0" indent="0" defTabSz="724204">
+              <a:buSzTx/>
+              <a:buNone/>
+              <a:defRPr sz="1350"/>
+            </a:pPr>
+            <a:r>
+              <a:t>et </a:t>
+            </a:r>
+            <a:r>
+              <a:rPr>
+                <a:solidFill>
+                  <a:srgbClr val="FFE900"/>
+                </a:solidFill>
+              </a:rPr>
+              <a:t>transmettre</a:t>
+            </a:r>
+            <a:r>
+              <a:t> à </a:t>
+            </a:r>
+            <a:r>
+              <a:rPr>
+                <a:solidFill>
+                  <a:srgbClr val="FFE900"/>
+                </a:solidFill>
+              </a:rPr>
+              <a:t>clone</a:t>
+            </a:r>
+            <a:r>
+              <a:t>() un </a:t>
+            </a:r>
+            <a:r>
+              <a:rPr>
+                <a:solidFill>
+                  <a:srgbClr val="FFE900"/>
+                </a:solidFill>
+              </a:rPr>
+              <a:t>pointeur</a:t>
+            </a:r>
+            <a:r>
+              <a:t> </a:t>
+            </a:r>
+            <a:r>
+              <a:rPr>
+                <a:solidFill>
+                  <a:srgbClr val="FFE900"/>
+                </a:solidFill>
+              </a:rPr>
+              <a:t>sur cet emplacement</a:t>
+            </a:r>
+            <a:r>
+              <a:t>. Les piles croissent vers le bas sur</a:t>
+            </a:r>
+          </a:p>
+          <a:p>
+            <a:pPr marL="0" indent="0" defTabSz="724204">
+              <a:buSzTx/>
+              <a:buNone/>
+              <a:defRPr sz="1350"/>
+            </a:pPr>
+            <a:r>
+              <a:t>tous les processeurs implémentant Linux (sauf le HP PA), donc, </a:t>
+            </a:r>
+            <a:r>
+              <a:rPr>
+                <a:solidFill>
+                  <a:srgbClr val="FFE900"/>
+                </a:solidFill>
+              </a:rPr>
+              <a:t>*stack</a:t>
+            </a:r>
+            <a:r>
+              <a:t> doit </a:t>
+            </a:r>
+            <a:r>
+              <a:rPr>
+                <a:solidFill>
+                  <a:srgbClr val="FFE900"/>
+                </a:solidFill>
+              </a:rPr>
+              <a:t>pointer</a:t>
+            </a:r>
+            <a:r>
+              <a:t> sur la </a:t>
+            </a:r>
+            <a:r>
+              <a:rPr>
+                <a:solidFill>
+                  <a:srgbClr val="FFE900"/>
+                </a:solidFill>
+              </a:rPr>
+              <a:t>plus</a:t>
+            </a:r>
+            <a:endParaRPr>
+              <a:solidFill>
+                <a:srgbClr val="FFE900"/>
+              </a:solidFill>
+            </a:endParaRPr>
+          </a:p>
+          <a:p>
+            <a:pPr marL="0" indent="0" defTabSz="724204">
+              <a:buSzTx/>
+              <a:buNone/>
+              <a:defRPr sz="1350">
+                <a:solidFill>
+                  <a:srgbClr val="FFE900"/>
+                </a:solidFill>
+              </a:defRPr>
+            </a:pPr>
+            <a:r>
+              <a:t>haute adresse</a:t>
+            </a:r>
+            <a:r>
+              <a:rPr>
+                <a:solidFill>
+                  <a:srgbClr val="FFFFFF"/>
+                </a:solidFill>
+              </a:rPr>
+              <a:t> de l'espace mémoire prévu pour la pile du process fils.</a:t>
+            </a:r>
+          </a:p>
+          <a:p>
+            <a:pPr marL="0" indent="0" defTabSz="724204">
+              <a:buSzTx/>
+              <a:buNone/>
+              <a:defRPr sz="1350"/>
+            </a:pPr>
+          </a:p>
+          <a:p>
+            <a:pPr marL="0" indent="0" defTabSz="724204">
+              <a:buSzTx/>
+              <a:buNone/>
+              <a:defRPr sz="1350"/>
+            </a:pPr>
+            <a:r>
+              <a:t>Les </a:t>
+            </a:r>
+            <a:r>
+              <a:rPr>
+                <a:solidFill>
+                  <a:srgbClr val="FFE900"/>
+                </a:solidFill>
+              </a:rPr>
+              <a:t>flags</a:t>
+            </a:r>
+            <a:r>
+              <a:t> permettent également de </a:t>
+            </a:r>
+            <a:r>
+              <a:rPr>
+                <a:solidFill>
+                  <a:srgbClr val="FFE900"/>
+                </a:solidFill>
+              </a:rPr>
+              <a:t>préciser</a:t>
+            </a:r>
+            <a:r>
+              <a:t> </a:t>
+            </a:r>
+            <a:r>
+              <a:rPr>
+                <a:solidFill>
+                  <a:srgbClr val="FFE900"/>
+                </a:solidFill>
+              </a:rPr>
+              <a:t>ce qui sera partagé</a:t>
+            </a:r>
+            <a:r>
+              <a:t> entre le </a:t>
+            </a:r>
+            <a:r>
+              <a:rPr>
+                <a:solidFill>
+                  <a:srgbClr val="FFE900"/>
+                </a:solidFill>
+              </a:rPr>
+              <a:t>père</a:t>
+            </a:r>
+            <a:r>
+              <a:t> et le </a:t>
+            </a:r>
+            <a:r>
+              <a:rPr>
+                <a:solidFill>
+                  <a:srgbClr val="FFE900"/>
+                </a:solidFill>
+              </a:rPr>
+              <a:t>fils</a:t>
+            </a:r>
+            <a:r>
+              <a:t>, en effectuant un </a:t>
+            </a:r>
+            <a:r>
+              <a:rPr>
+                <a:solidFill>
+                  <a:srgbClr val="FFE900"/>
+                </a:solidFill>
+              </a:rPr>
+              <a:t>OU inclusif</a:t>
+            </a:r>
+            <a:r>
+              <a:t> : </a:t>
+            </a:r>
+            <a:r>
+              <a:rPr>
+                <a:solidFill>
+                  <a:srgbClr val="FFE900"/>
+                </a:solidFill>
+              </a:rPr>
+              <a:t>|</a:t>
+            </a:r>
+            <a:r>
+              <a:t> entre zéro ou plusieurs de ces </a:t>
+            </a:r>
+            <a:r>
+              <a:rPr>
+                <a:solidFill>
+                  <a:srgbClr val="FFE900"/>
+                </a:solidFill>
+              </a:rPr>
+              <a:t>flags</a:t>
+            </a:r>
+            <a:r>
+              <a:t>.</a:t>
+            </a:r>
+          </a:p>
+        </p:txBody>
+      </p:sp>
+      <p:sp>
+        <p:nvSpPr>
+          <p:cNvPr id="632" name="Google Shape;362;p30"/>
           <p:cNvSpPr txBox="1"/>
           <p:nvPr>
             <p:ph type="title"/>
@@ -21343,8 +21573,8 @@
         </p:nvSpPr>
         <p:spPr>
           <a:xfrm>
-            <a:off x="3164287" y="396400"/>
-            <a:ext cx="2688127" cy="538302"/>
+            <a:off x="526588" y="314326"/>
+            <a:ext cx="5614551" cy="669002"/>
           </a:xfrm>
           <a:prstGeom prst="rect">
             <a:avLst/>
@@ -21356,303 +21586,43 @@
           <a:p>
             <a:pPr/>
             <a:r>
-              <a:t>Particularités</a:t>
-            </a:r>
-          </a:p>
-        </p:txBody>
-      </p:sp>
-      <p:sp>
-        <p:nvSpPr>
-          <p:cNvPr id="633" name="Google Shape;453;p36"/>
-          <p:cNvSpPr txBox="1"/>
-          <p:nvPr>
-            <p:ph type="body" sz="half" idx="1"/>
-          </p:nvPr>
+              <a:t>Fonctionnement</a:t>
+            </a:r>
+          </a:p>
+        </p:txBody>
+      </p:sp>
+      <p:sp>
+        <p:nvSpPr>
+          <p:cNvPr id="633" name="Google Shape;363;p30"/>
+          <p:cNvSpPr/>
+          <p:nvPr/>
         </p:nvSpPr>
         <p:spPr>
           <a:xfrm>
-            <a:off x="1874516" y="1593987"/>
-            <a:ext cx="5394966" cy="2257626"/>
-          </a:xfrm>
-          <a:prstGeom prst="rect">
-            <a:avLst/>
-          </a:prstGeom>
-        </p:spPr>
-        <p:txBody>
-          <a:bodyPr/>
-          <a:lstStyle/>
-          <a:p>
-            <a:pPr indent="102868" defTabSz="822958">
+            <a:off x="7524760" y="3887591"/>
+            <a:ext cx="1619277" cy="241322"/>
+          </a:xfrm>
+          <a:prstGeom prst="rect">
+            <a:avLst/>
+          </a:prstGeom>
+          <a:solidFill>
+            <a:schemeClr val="accent2"/>
+          </a:solidFill>
+          <a:ln w="12700">
+            <a:miter lim="400000"/>
+          </a:ln>
+        </p:spPr>
+        <p:txBody>
+          <a:bodyPr lIns="45718" tIns="45718" rIns="45718" bIns="45718" anchor="ctr"/>
+          <a:lstStyle/>
+          <a:p>
+            <a:pPr>
               <a:defRPr sz="1400">
-                <a:latin typeface="+mj-lt"/>
-                <a:ea typeface="+mj-ea"/>
-                <a:cs typeface="+mj-cs"/>
-                <a:sym typeface="Helvetica"/>
-              </a:defRPr>
-            </a:pPr>
-            <a:r>
-              <a:t>L’appel système </a:t>
-            </a:r>
-            <a:r>
-              <a:rPr>
-                <a:solidFill>
-                  <a:srgbClr val="FFE900"/>
-                </a:solidFill>
-                <a:latin typeface="XCharter"/>
-                <a:ea typeface="XCharter"/>
-                <a:cs typeface="XCharter"/>
-                <a:sym typeface="XCharter"/>
-              </a:rPr>
-              <a:t>clone3</a:t>
-            </a:r>
-            <a:r>
-              <a:t>() fournit un </a:t>
-            </a:r>
-            <a:r>
-              <a:rPr sz="1200">
-                <a:solidFill>
-                  <a:srgbClr val="FFE900"/>
-                </a:solidFill>
-                <a:latin typeface="XCharter"/>
-                <a:ea typeface="XCharter"/>
-                <a:cs typeface="XCharter"/>
-                <a:sym typeface="XCharter"/>
-              </a:rPr>
-              <a:t>sur-</a:t>
-            </a:r>
-            <a:r>
-              <a:rPr>
-                <a:solidFill>
-                  <a:srgbClr val="FFE900"/>
-                </a:solidFill>
-                <a:latin typeface="XCharter"/>
-                <a:ea typeface="XCharter"/>
-                <a:cs typeface="XCharter"/>
-                <a:sym typeface="XCharter"/>
-              </a:rPr>
-              <a:t>ensemble</a:t>
-            </a:r>
-            <a:r>
-              <a:t> de la fonctionnalité de l’ancienne interface de </a:t>
-            </a:r>
-            <a:r>
-              <a:rPr>
-                <a:solidFill>
-                  <a:srgbClr val="FFE900"/>
-                </a:solidFill>
-                <a:latin typeface="XCharter"/>
-                <a:ea typeface="XCharter"/>
-                <a:cs typeface="XCharter"/>
-                <a:sym typeface="XCharter"/>
-              </a:rPr>
-              <a:t>clone</a:t>
-            </a:r>
-            <a:r>
-              <a:t>(). Il offre également un certain nombre </a:t>
-            </a:r>
-            <a:r>
-              <a:rPr>
-                <a:solidFill>
-                  <a:srgbClr val="FFE900"/>
-                </a:solidFill>
-                <a:latin typeface="XCharter"/>
-                <a:ea typeface="XCharter"/>
-                <a:cs typeface="XCharter"/>
-                <a:sym typeface="XCharter"/>
-              </a:rPr>
-              <a:t>d’améliorations</a:t>
-            </a:r>
-            <a:r>
-              <a:t> de l’</a:t>
-            </a:r>
-            <a:r>
-              <a:rPr>
-                <a:solidFill>
-                  <a:srgbClr val="FFE900"/>
-                </a:solidFill>
-                <a:latin typeface="XCharter"/>
-                <a:ea typeface="XCharter"/>
-                <a:cs typeface="XCharter"/>
-                <a:sym typeface="XCharter"/>
-              </a:rPr>
-              <a:t>API</a:t>
-            </a:r>
-            <a:r>
-              <a:t> dont : un espace pour des bits d’attributs supplémentaires, une séparation plus propre dans l’utilisation de plusieurs paramètres et la possibilité d’indiquer la </a:t>
-            </a:r>
-            <a:r>
-              <a:rPr>
-                <a:solidFill>
-                  <a:srgbClr val="FFE900"/>
-                </a:solidFill>
-                <a:latin typeface="XCharter"/>
-                <a:ea typeface="XCharter"/>
-                <a:cs typeface="XCharter"/>
-                <a:sym typeface="XCharter"/>
-              </a:rPr>
-              <a:t>taille de la zone de la pile de l’enfant</a:t>
-            </a:r>
-            <a:r>
-              <a:t>.</a:t>
-            </a:r>
-          </a:p>
-          <a:p>
-            <a:pPr indent="102868" defTabSz="822958">
-              <a:defRPr sz="1400">
-                <a:latin typeface="+mj-lt"/>
-                <a:ea typeface="+mj-ea"/>
-                <a:cs typeface="+mj-cs"/>
-                <a:sym typeface="Helvetica"/>
-              </a:defRPr>
-            </a:pPr>
-          </a:p>
-          <a:p>
-            <a:pPr indent="102868" defTabSz="822958">
-              <a:defRPr sz="1400">
-                <a:latin typeface="+mj-lt"/>
-                <a:ea typeface="+mj-ea"/>
-                <a:cs typeface="+mj-cs"/>
-                <a:sym typeface="Helvetica"/>
-              </a:defRPr>
-            </a:pPr>
-            <a:r>
-              <a:t>Comme avec </a:t>
-            </a:r>
-            <a:r>
-              <a:rPr>
-                <a:solidFill>
-                  <a:srgbClr val="FFE900"/>
-                </a:solidFill>
-                <a:latin typeface="XCharter"/>
-                <a:ea typeface="XCharter"/>
-                <a:cs typeface="XCharter"/>
-                <a:sym typeface="XCharter"/>
-              </a:rPr>
-              <a:t>fork</a:t>
-            </a:r>
-            <a:r>
-              <a:t>(2), </a:t>
-            </a:r>
-            <a:r>
-              <a:rPr>
-                <a:solidFill>
-                  <a:srgbClr val="FFE900"/>
-                </a:solidFill>
-                <a:latin typeface="XCharter"/>
-                <a:ea typeface="XCharter"/>
-                <a:cs typeface="XCharter"/>
-                <a:sym typeface="XCharter"/>
-              </a:rPr>
-              <a:t>clone3</a:t>
-            </a:r>
-            <a:r>
-              <a:t>() </a:t>
-            </a:r>
-            <a:r>
-              <a:rPr>
-                <a:solidFill>
-                  <a:srgbClr val="FFE900"/>
-                </a:solidFill>
-                <a:latin typeface="XCharter"/>
-                <a:ea typeface="XCharter"/>
-                <a:cs typeface="XCharter"/>
-                <a:sym typeface="XCharter"/>
-              </a:rPr>
-              <a:t>renvoie</a:t>
-            </a:r>
-            <a:r>
-              <a:t> à la fois au </a:t>
-            </a:r>
-            <a:r>
-              <a:rPr>
-                <a:solidFill>
-                  <a:srgbClr val="FFE900"/>
-                </a:solidFill>
-                <a:latin typeface="XCharter"/>
-                <a:ea typeface="XCharter"/>
-                <a:cs typeface="XCharter"/>
-                <a:sym typeface="XCharter"/>
-              </a:rPr>
-              <a:t>parent</a:t>
-            </a:r>
-            <a:r>
-              <a:t> et à l’</a:t>
-            </a:r>
-            <a:r>
-              <a:rPr>
-                <a:solidFill>
-                  <a:srgbClr val="FFE900"/>
-                </a:solidFill>
-                <a:latin typeface="XCharter"/>
-                <a:ea typeface="XCharter"/>
-                <a:cs typeface="XCharter"/>
-                <a:sym typeface="XCharter"/>
-              </a:rPr>
-              <a:t>enfant</a:t>
-            </a:r>
-            <a:r>
-              <a:t>. Il renvoie </a:t>
-            </a:r>
-            <a:r>
-              <a:rPr>
-                <a:solidFill>
-                  <a:srgbClr val="FFE900"/>
-                </a:solidFill>
-                <a:latin typeface="XCharter"/>
-                <a:ea typeface="XCharter"/>
-                <a:cs typeface="XCharter"/>
-                <a:sym typeface="XCharter"/>
-              </a:rPr>
-              <a:t>0</a:t>
-            </a:r>
-            <a:r>
-              <a:t> dans le processus </a:t>
-            </a:r>
-            <a:r>
-              <a:rPr>
-                <a:solidFill>
-                  <a:srgbClr val="FFE900"/>
-                </a:solidFill>
-                <a:latin typeface="XCharter"/>
-                <a:ea typeface="XCharter"/>
-                <a:cs typeface="XCharter"/>
-                <a:sym typeface="XCharter"/>
-              </a:rPr>
-              <a:t>enfant</a:t>
-            </a:r>
-            <a:r>
-              <a:t> et il renvoie le </a:t>
-            </a:r>
-            <a:r>
-              <a:rPr>
-                <a:solidFill>
-                  <a:srgbClr val="FFE900"/>
-                </a:solidFill>
-                <a:latin typeface="XCharter"/>
-                <a:ea typeface="XCharter"/>
-                <a:cs typeface="XCharter"/>
-                <a:sym typeface="XCharter"/>
-              </a:rPr>
-              <a:t>PID de l’enfant</a:t>
-            </a:r>
-            <a:r>
-              <a:t> dans le </a:t>
-            </a:r>
-            <a:r>
-              <a:rPr>
-                <a:solidFill>
-                  <a:srgbClr val="FFE900"/>
-                </a:solidFill>
-                <a:latin typeface="XCharter"/>
-                <a:ea typeface="XCharter"/>
-                <a:cs typeface="XCharter"/>
-                <a:sym typeface="XCharter"/>
-              </a:rPr>
-              <a:t>parent</a:t>
-            </a:r>
-            <a:r>
-              <a:t>.</a:t>
-            </a:r>
+                <a:solidFill>
+                  <a:srgbClr val="000000"/>
+                </a:solidFill>
+              </a:defRPr>
+            </a:pPr>
           </a:p>
         </p:txBody>
       </p:sp>
@@ -21695,189 +21665,7 @@
       </p:grpSpPr>
       <p:sp>
         <p:nvSpPr>
-          <p:cNvPr id="635" name="Google Shape;361;p30"/>
-          <p:cNvSpPr txBox="1"/>
-          <p:nvPr>
-            <p:ph type="body" sz="half" idx="1"/>
-          </p:nvPr>
-        </p:nvSpPr>
-        <p:spPr>
-          <a:xfrm>
-            <a:off x="284059" y="1645524"/>
-            <a:ext cx="8431318" cy="2130901"/>
-          </a:xfrm>
-          <a:prstGeom prst="rect">
-            <a:avLst/>
-          </a:prstGeom>
-        </p:spPr>
-        <p:txBody>
-          <a:bodyPr/>
-          <a:lstStyle/>
-          <a:p>
-            <a:pPr marL="0" indent="64768" defTabSz="466344">
-              <a:buSzTx/>
-              <a:buNone/>
-              <a:defRPr sz="700"/>
-            </a:pPr>
-            <a:r>
-              <a:t>∗ Le processus enfant a un ID de processus (PID) unique, qui ne corres-</a:t>
-            </a:r>
-          </a:p>
-          <a:p>
-            <a:pPr marL="0" indent="64768" defTabSz="466344">
-              <a:buSzTx/>
-              <a:buNone/>
-              <a:defRPr sz="700"/>
-            </a:pPr>
-            <a:r>
-              <a:t>pond à aucun ID de groupe de processus actif.</a:t>
-            </a:r>
-          </a:p>
-          <a:p>
-            <a:pPr marL="0" indent="64768" defTabSz="466344">
-              <a:buSzTx/>
-              <a:buNone/>
-              <a:defRPr sz="700"/>
-            </a:pPr>
-            <a:r>
-              <a:t>∗ L’enfant a sa propre copie de la TDFO du parent. Chaque descripteur</a:t>
-            </a:r>
-          </a:p>
-          <a:p>
-            <a:pPr marL="0" indent="64768" defTabSz="466344">
-              <a:buSzTx/>
-              <a:buNone/>
-              <a:defRPr sz="700"/>
-            </a:pPr>
-            <a:r>
-              <a:t>de fichier dans l’enfant fait référence au même descripteur de fichiers</a:t>
-            </a:r>
-          </a:p>
-          <a:p>
-            <a:pPr marL="0" indent="64768" defTabSz="466344">
-              <a:buSzTx/>
-              <a:buNone/>
-              <a:defRPr sz="700"/>
-            </a:pPr>
-            <a:r>
-              <a:t>ouverts que le descripteur de fichier correspondant dans le parent.</a:t>
-            </a:r>
-          </a:p>
-          <a:p>
-            <a:pPr marL="0" indent="64768" defTabSz="466344">
-              <a:buSzTx/>
-              <a:buNone/>
-              <a:defRPr sz="700"/>
-            </a:pPr>
-            <a:r>
-              <a:t>∗ L’enfant a sa propre copie des flux de répertoires ouverts du parent. Le</a:t>
-            </a:r>
-          </a:p>
-          <a:p>
-            <a:pPr marL="0" indent="64768" defTabSz="466344">
-              <a:buSzTx/>
-              <a:buNone/>
-              <a:defRPr sz="700"/>
-            </a:pPr>
-            <a:r>
-              <a:t>flux de répertoires ouverts de chaque enfant peut partager le position-</a:t>
-            </a:r>
-          </a:p>
-          <a:p>
-            <a:pPr marL="0" indent="64768" defTabSz="466344">
-              <a:buSzTx/>
-              <a:buNone/>
-              <a:defRPr sz="700"/>
-            </a:pPr>
-            <a:r>
-              <a:t>nement du flux de répertoires avec le flux de répertoires du parent cor-</a:t>
-            </a:r>
-          </a:p>
-          <a:p>
-            <a:pPr marL="0" indent="64768" defTabSz="466344">
-              <a:buSzTx/>
-              <a:buNone/>
-              <a:defRPr sz="700"/>
-            </a:pPr>
-            <a:r>
-              <a:t>respondant.</a:t>
-            </a:r>
-          </a:p>
-          <a:p>
-            <a:pPr marL="0" indent="64768" defTabSz="466344">
-              <a:buSzTx/>
-              <a:buNone/>
-              <a:defRPr sz="700"/>
-            </a:pPr>
-            <a:r>
-              <a:t>∗ L’enfant n’hérite d’aucun verrou de fichier précédemment défini par le parent.</a:t>
-            </a:r>
-          </a:p>
-          <a:p>
-            <a:pPr marL="0" indent="64768" defTabSz="466344">
-              <a:buSzTx/>
-              <a:buNone/>
-              <a:defRPr sz="700"/>
-            </a:pPr>
-            <a:r>
-              <a:t>∗ Le processus enfant n’a pas d’alarmes définies (semblable aux résultats</a:t>
-            </a:r>
-          </a:p>
-          <a:p>
-            <a:pPr marL="0" indent="64768" defTabSz="466344">
-              <a:buSzTx/>
-              <a:buNone/>
-              <a:defRPr sz="700"/>
-            </a:pPr>
-            <a:r>
-              <a:t>d’un appel à alarm() avec une valeur d’argument de 0).</a:t>
-            </a:r>
-          </a:p>
-          <a:p>
-            <a:pPr marL="0" indent="64768" defTabSz="466344">
-              <a:buSzTx/>
-              <a:buNone/>
-              <a:defRPr sz="700"/>
-            </a:pPr>
-            <a:r>
-              <a:t>∗ L’enfant n’a pas de signaux en attente.</a:t>
-            </a:r>
-          </a:p>
-          <a:p>
-            <a:pPr marL="0" indent="64768" defTabSz="466344">
-              <a:buSzTx/>
-              <a:buNone/>
-              <a:defRPr sz="700"/>
-            </a:pPr>
-            <a:r>
-              <a:t>∗ Les minuteries d’intervalle sont réinitialisées dans le processus enfant.</a:t>
-            </a:r>
-          </a:p>
-          <a:p>
-            <a:pPr marL="0" indent="64768" defTabSz="466344">
-              <a:buSzTx/>
-              <a:buNone/>
-              <a:defRPr sz="700"/>
-            </a:pPr>
-            <a:r>
-              <a:t>∗ Ces éléments sont mis à 0 dans le fils : tms_utime, tms_stime, tms_cutime,</a:t>
-            </a:r>
-          </a:p>
-          <a:p>
-            <a:pPr marL="0" indent="64768" defTabSz="466344">
-              <a:buSzTx/>
-              <a:buNone/>
-              <a:defRPr sz="700"/>
-            </a:pPr>
-            <a:r>
-              <a:t>tms_cstime</a:t>
-            </a:r>
-          </a:p>
-        </p:txBody>
-      </p:sp>
-      <p:sp>
-        <p:nvSpPr>
-          <p:cNvPr id="636" name="Google Shape;362;p30"/>
+          <p:cNvPr id="635" name="Google Shape;452;p36"/>
           <p:cNvSpPr txBox="1"/>
           <p:nvPr>
             <p:ph type="title"/>
@@ -21885,8 +21673,8 @@
         </p:nvSpPr>
         <p:spPr>
           <a:xfrm>
-            <a:off x="284060" y="488262"/>
-            <a:ext cx="6995677" cy="669001"/>
+            <a:off x="3164287" y="396400"/>
+            <a:ext cx="2688127" cy="538302"/>
           </a:xfrm>
           <a:prstGeom prst="rect">
             <a:avLst/>
@@ -21896,163 +21684,296 @@
           <a:bodyPr/>
           <a:lstStyle/>
           <a:p>
-            <a:pPr defTabSz="493776">
-              <a:defRPr sz="1600"/>
-            </a:pPr>
-            <a:r>
-              <a:t>Espace d’adressage du père dupliqué</a:t>
-            </a:r>
-            <a:br/>
-            <a:r>
-              <a:t>Copie exacte du père sauf pour :</a:t>
-            </a:r>
-          </a:p>
-        </p:txBody>
-      </p:sp>
-      <p:sp>
-        <p:nvSpPr>
-          <p:cNvPr id="637" name="Google Shape;363;p30"/>
-          <p:cNvSpPr/>
-          <p:nvPr/>
+            <a:pPr/>
+            <a:r>
+              <a:t>Particularités</a:t>
+            </a:r>
+          </a:p>
+        </p:txBody>
+      </p:sp>
+      <p:sp>
+        <p:nvSpPr>
+          <p:cNvPr id="636" name="Google Shape;453;p36"/>
+          <p:cNvSpPr txBox="1"/>
+          <p:nvPr>
+            <p:ph type="body" idx="1"/>
+          </p:nvPr>
         </p:nvSpPr>
         <p:spPr>
           <a:xfrm>
-            <a:off x="7524760" y="3887591"/>
-            <a:ext cx="1619277" cy="241322"/>
-          </a:xfrm>
-          <a:prstGeom prst="rect">
-            <a:avLst/>
-          </a:prstGeom>
-          <a:solidFill>
-            <a:schemeClr val="accent2"/>
-          </a:solidFill>
-          <a:ln w="12700">
-            <a:miter lim="400000"/>
-          </a:ln>
-        </p:spPr>
-        <p:txBody>
-          <a:bodyPr lIns="45718" tIns="45718" rIns="45718" bIns="45718" anchor="ctr"/>
-          <a:lstStyle/>
-          <a:p>
-            <a:pPr>
-              <a:defRPr sz="1400">
-                <a:solidFill>
-                  <a:srgbClr val="000000"/>
-                </a:solidFill>
-              </a:defRPr>
-            </a:pPr>
-          </a:p>
-        </p:txBody>
-      </p:sp>
-      <p:grpSp>
-        <p:nvGrpSpPr>
-          <p:cNvPr id="640" name="Google Shape;452;p36"/>
-          <p:cNvGrpSpPr/>
-          <p:nvPr/>
-        </p:nvGrpSpPr>
-        <p:grpSpPr>
-          <a:xfrm>
-            <a:off x="3155654" y="43761"/>
-            <a:ext cx="2688129" cy="538302"/>
-            <a:chOff x="0" y="0"/>
-            <a:chExt cx="2688127" cy="538301"/>
-          </a:xfrm>
-        </p:grpSpPr>
-        <p:sp>
-          <p:nvSpPr>
-            <p:cNvPr id="638" name="Rectangle"/>
-            <p:cNvSpPr/>
-            <p:nvPr/>
-          </p:nvSpPr>
-          <p:spPr>
-            <a:xfrm>
-              <a:off x="-1" y="-1"/>
-              <a:ext cx="2688129" cy="538302"/>
-            </a:xfrm>
-            <a:prstGeom prst="rect">
-              <a:avLst/>
-            </a:prstGeom>
-            <a:solidFill>
-              <a:schemeClr val="accent2"/>
-            </a:solidFill>
-            <a:ln w="12700" cap="flat">
-              <a:noFill/>
-              <a:miter lim="400000"/>
-            </a:ln>
-            <a:effectLst/>
-          </p:spPr>
-          <p:txBody>
-            <a:bodyPr wrap="square" lIns="45718" tIns="45718" rIns="45718" bIns="45718" numCol="1" anchor="ctr">
-              <a:noAutofit/>
-            </a:bodyPr>
-            <a:lstStyle/>
-            <a:p>
-              <a:pPr algn="ctr">
-                <a:defRPr b="1" sz="2200">
-                  <a:solidFill>
-                    <a:srgbClr val="000000"/>
-                  </a:solidFill>
-                  <a:latin typeface="Overpass Mono"/>
-                  <a:ea typeface="Overpass Mono"/>
-                  <a:cs typeface="Overpass Mono"/>
-                  <a:sym typeface="Overpass Mono"/>
-                </a:defRPr>
-              </a:pPr>
-            </a:p>
-          </p:txBody>
-        </p:sp>
-        <p:sp>
-          <p:nvSpPr>
-            <p:cNvPr id="639" name="Particularités"/>
-            <p:cNvSpPr txBox="1"/>
-            <p:nvPr/>
-          </p:nvSpPr>
-          <p:spPr>
-            <a:xfrm>
-              <a:off x="-1" y="12625"/>
-              <a:ext cx="2688129" cy="513049"/>
-            </a:xfrm>
-            <a:prstGeom prst="rect">
-              <a:avLst/>
-            </a:prstGeom>
-            <a:noFill/>
-            <a:ln w="12700" cap="flat">
-              <a:noFill/>
-              <a:miter lim="400000"/>
-            </a:ln>
-            <a:effectLst/>
-            <a:extLst>
-              <a:ext uri="{C572A759-6A51-4108-AA02-DFA0A04FC94B}">
-                <ma14:wrappingTextBoxFlag xmlns:ma14="http://schemas.microsoft.com/office/mac/drawingml/2011/main" val="1"/>
-              </a:ext>
-            </a:extLst>
-          </p:spPr>
-          <p:txBody>
-            <a:bodyPr wrap="square" lIns="91423" tIns="91423" rIns="91423" bIns="91423" numCol="1" anchor="ctr">
-              <a:spAutoFit/>
-            </a:bodyPr>
-            <a:lstStyle>
-              <a:lvl1pPr algn="ctr">
-                <a:defRPr b="1" sz="2200">
-                  <a:solidFill>
-                    <a:srgbClr val="FFFFFF"/>
-                  </a:solidFill>
-                  <a:latin typeface="Overpass Mono"/>
-                  <a:ea typeface="Overpass Mono"/>
-                  <a:cs typeface="Overpass Mono"/>
-                  <a:sym typeface="Overpass Mono"/>
-                </a:defRPr>
-              </a:lvl1pPr>
-            </a:lstStyle>
-            <a:p>
-              <a:pPr/>
-              <a:r>
-                <a:t>Particularités</a:t>
-              </a:r>
-            </a:p>
-          </p:txBody>
-        </p:sp>
-      </p:grpSp>
+            <a:off x="1048251" y="1220637"/>
+            <a:ext cx="7047498" cy="3081696"/>
+          </a:xfrm>
+          <a:prstGeom prst="rect">
+            <a:avLst/>
+          </a:prstGeom>
+        </p:spPr>
+        <p:txBody>
+          <a:bodyPr/>
+          <a:lstStyle/>
+          <a:p>
+            <a:pPr indent="102868" defTabSz="822958">
+              <a:defRPr sz="1900">
+                <a:latin typeface="+mj-lt"/>
+                <a:ea typeface="+mj-ea"/>
+                <a:cs typeface="+mj-cs"/>
+                <a:sym typeface="Helvetica"/>
+              </a:defRPr>
+            </a:pPr>
+            <a:r>
+              <a:t>L’appel système </a:t>
+            </a:r>
+            <a:r>
+              <a:rPr>
+                <a:solidFill>
+                  <a:srgbClr val="FFE900"/>
+                </a:solidFill>
+                <a:latin typeface="XCharter"/>
+                <a:ea typeface="XCharter"/>
+                <a:cs typeface="XCharter"/>
+                <a:sym typeface="XCharter"/>
+              </a:rPr>
+              <a:t>clone3</a:t>
+            </a:r>
+            <a:r>
+              <a:t>() fournit un </a:t>
+            </a:r>
+            <a:r>
+              <a:rPr>
+                <a:solidFill>
+                  <a:srgbClr val="FFE900"/>
+                </a:solidFill>
+                <a:latin typeface="XCharter"/>
+                <a:ea typeface="XCharter"/>
+                <a:cs typeface="XCharter"/>
+                <a:sym typeface="XCharter"/>
+              </a:rPr>
+              <a:t>sur-ensemble</a:t>
+            </a:r>
+            <a:r>
+              <a:t> de la fonctionnalité de l’interface de </a:t>
+            </a:r>
+            <a:r>
+              <a:rPr>
+                <a:solidFill>
+                  <a:srgbClr val="FFE900"/>
+                </a:solidFill>
+                <a:latin typeface="XCharter"/>
+                <a:ea typeface="XCharter"/>
+                <a:cs typeface="XCharter"/>
+                <a:sym typeface="XCharter"/>
+              </a:rPr>
+              <a:t>clone</a:t>
+            </a:r>
+            <a:r>
+              <a:t>(). Il offre également un certain nombre </a:t>
+            </a:r>
+            <a:r>
+              <a:rPr>
+                <a:solidFill>
+                  <a:srgbClr val="FFE900"/>
+                </a:solidFill>
+                <a:latin typeface="XCharter"/>
+                <a:ea typeface="XCharter"/>
+                <a:cs typeface="XCharter"/>
+                <a:sym typeface="XCharter"/>
+              </a:rPr>
+              <a:t>d’améliorations</a:t>
+            </a:r>
+            <a:r>
+              <a:t> de l’</a:t>
+            </a:r>
+            <a:r>
+              <a:rPr>
+                <a:solidFill>
+                  <a:srgbClr val="FFE900"/>
+                </a:solidFill>
+                <a:latin typeface="XCharter"/>
+                <a:ea typeface="XCharter"/>
+                <a:cs typeface="XCharter"/>
+                <a:sym typeface="XCharter"/>
+              </a:rPr>
+              <a:t>API</a:t>
+            </a:r>
+            <a:r>
+              <a:t> dont : un espace pour des bits d’attributs supplémentaires, une séparation plus propre dans l’utilisation de plusieurs paramètres et la possibilité d’indiquer la </a:t>
+            </a:r>
+            <a:r>
+              <a:rPr>
+                <a:solidFill>
+                  <a:srgbClr val="FFE900"/>
+                </a:solidFill>
+                <a:latin typeface="XCharter"/>
+                <a:ea typeface="XCharter"/>
+                <a:cs typeface="XCharter"/>
+                <a:sym typeface="XCharter"/>
+              </a:rPr>
+              <a:t>taille de la zone de la pile du fils</a:t>
+            </a:r>
+            <a:r>
+              <a:t>.</a:t>
+            </a:r>
+          </a:p>
+          <a:p>
+            <a:pPr indent="102868" defTabSz="822958">
+              <a:defRPr sz="1900">
+                <a:latin typeface="+mj-lt"/>
+                <a:ea typeface="+mj-ea"/>
+                <a:cs typeface="+mj-cs"/>
+                <a:sym typeface="Helvetica"/>
+              </a:defRPr>
+            </a:pPr>
+          </a:p>
+          <a:p>
+            <a:pPr indent="102868" defTabSz="822958">
+              <a:defRPr sz="1900">
+                <a:latin typeface="+mj-lt"/>
+                <a:ea typeface="+mj-ea"/>
+                <a:cs typeface="+mj-cs"/>
+                <a:sym typeface="Helvetica"/>
+              </a:defRPr>
+            </a:pPr>
+            <a:r>
+              <a:t>Comme avec </a:t>
+            </a:r>
+            <a:r>
+              <a:rPr>
+                <a:solidFill>
+                  <a:srgbClr val="FFE900"/>
+                </a:solidFill>
+                <a:latin typeface="XCharter"/>
+                <a:ea typeface="XCharter"/>
+                <a:cs typeface="XCharter"/>
+                <a:sym typeface="XCharter"/>
+              </a:rPr>
+              <a:t>fork</a:t>
+            </a:r>
+            <a:r>
+              <a:t>(2), </a:t>
+            </a:r>
+            <a:r>
+              <a:rPr>
+                <a:solidFill>
+                  <a:srgbClr val="FFE900"/>
+                </a:solidFill>
+                <a:latin typeface="XCharter"/>
+                <a:ea typeface="XCharter"/>
+                <a:cs typeface="XCharter"/>
+                <a:sym typeface="XCharter"/>
+              </a:rPr>
+              <a:t>clone3</a:t>
+            </a:r>
+            <a:r>
+              <a:t>() </a:t>
+            </a:r>
+            <a:r>
+              <a:rPr>
+                <a:solidFill>
+                  <a:srgbClr val="FFE900"/>
+                </a:solidFill>
+                <a:latin typeface="XCharter"/>
+                <a:ea typeface="XCharter"/>
+                <a:cs typeface="XCharter"/>
+                <a:sym typeface="XCharter"/>
+              </a:rPr>
+              <a:t>renvoie</a:t>
+            </a:r>
+            <a:r>
+              <a:t> à la fois au </a:t>
+            </a:r>
+            <a:r>
+              <a:rPr>
+                <a:solidFill>
+                  <a:srgbClr val="FFE900"/>
+                </a:solidFill>
+                <a:latin typeface="XCharter"/>
+                <a:ea typeface="XCharter"/>
+                <a:cs typeface="XCharter"/>
+                <a:sym typeface="XCharter"/>
+              </a:rPr>
+              <a:t>père</a:t>
+            </a:r>
+            <a:r>
+              <a:t> et au </a:t>
+            </a:r>
+            <a:r>
+              <a:rPr>
+                <a:solidFill>
+                  <a:srgbClr val="FFE900"/>
+                </a:solidFill>
+                <a:latin typeface="XCharter"/>
+                <a:ea typeface="XCharter"/>
+                <a:cs typeface="XCharter"/>
+                <a:sym typeface="XCharter"/>
+              </a:rPr>
+              <a:t>fils</a:t>
+            </a:r>
+            <a:r>
+              <a:t>. Il renvoie </a:t>
+            </a:r>
+            <a:r>
+              <a:rPr>
+                <a:solidFill>
+                  <a:srgbClr val="FFE900"/>
+                </a:solidFill>
+                <a:latin typeface="XCharter"/>
+                <a:ea typeface="XCharter"/>
+                <a:cs typeface="XCharter"/>
+                <a:sym typeface="XCharter"/>
+              </a:rPr>
+              <a:t>0</a:t>
+            </a:r>
+            <a:r>
+              <a:t> dans le process </a:t>
+            </a:r>
+            <a:r>
+              <a:rPr>
+                <a:solidFill>
+                  <a:srgbClr val="FFE900"/>
+                </a:solidFill>
+                <a:latin typeface="XCharter"/>
+                <a:ea typeface="XCharter"/>
+                <a:cs typeface="XCharter"/>
+                <a:sym typeface="XCharter"/>
+              </a:rPr>
+              <a:t>fils</a:t>
+            </a:r>
+            <a:r>
+              <a:t> et il renvoie le </a:t>
+            </a:r>
+            <a:r>
+              <a:rPr>
+                <a:solidFill>
+                  <a:srgbClr val="FFE900"/>
+                </a:solidFill>
+                <a:latin typeface="XCharter"/>
+                <a:ea typeface="XCharter"/>
+                <a:cs typeface="XCharter"/>
+                <a:sym typeface="XCharter"/>
+              </a:rPr>
+              <a:t>PID du fils</a:t>
+            </a:r>
+            <a:r>
+              <a:t> dans le </a:t>
+            </a:r>
+            <a:r>
+              <a:rPr>
+                <a:solidFill>
+                  <a:srgbClr val="FFE900"/>
+                </a:solidFill>
+                <a:latin typeface="XCharter"/>
+                <a:ea typeface="XCharter"/>
+                <a:cs typeface="XCharter"/>
+                <a:sym typeface="XCharter"/>
+              </a:rPr>
+              <a:t>père</a:t>
+            </a:r>
+            <a:r>
+              <a:t>.</a:t>
+            </a:r>
+          </a:p>
+        </p:txBody>
+      </p:sp>
     </p:spTree>
   </p:cSld>
   <p:clrMapOvr>
@@ -22092,7 +22013,7 @@
       </p:grpSpPr>
       <p:sp>
         <p:nvSpPr>
-          <p:cNvPr id="642" name="Google Shape;361;p30"/>
+          <p:cNvPr id="638" name="Google Shape;361;p30"/>
           <p:cNvSpPr txBox="1"/>
           <p:nvPr>
             <p:ph type="body" sz="half" idx="1"/>
@@ -22117,7 +22038,7 @@
               <a:defRPr sz="1400"/>
             </a:pPr>
             <a:r>
-              <a:t>En cas de réussite, le TID du processus enfant est envoyé dans</a:t>
+              <a:t>En cas de réussite, le TID du process fils est envoyé dans le thread d’exécution du père.</a:t>
             </a:r>
           </a:p>
           <a:p>
@@ -22126,9 +22047,6 @@
               <a:buNone/>
               <a:defRPr sz="1400"/>
             </a:pPr>
-            <a:r>
-              <a:t>le thread d’exécution de l’appelant. En cas d’échec, -1 est envoyé dans le contexte</a:t>
-            </a:r>
           </a:p>
           <a:p>
             <a:pPr marL="0" indent="127000">
@@ -22137,14 +22055,14 @@
               <a:defRPr sz="1400"/>
             </a:pPr>
             <a:r>
-              <a:t>de l’appelant, aucun enfant n’est créé, et errno contiendra le code d’erreur.</a:t>
-            </a:r>
-          </a:p>
-        </p:txBody>
-      </p:sp>
-      <p:sp>
-        <p:nvSpPr>
-          <p:cNvPr id="643" name="Google Shape;362;p30"/>
+              <a:t>En cas d’échec, -1 est envoyé dans le contexte du père, aucun fils n’est créé, et errno contiendra le code d’erreur.</a:t>
+            </a:r>
+          </a:p>
+        </p:txBody>
+      </p:sp>
+      <p:sp>
+        <p:nvSpPr>
+          <p:cNvPr id="639" name="Google Shape;362;p30"/>
           <p:cNvSpPr txBox="1"/>
           <p:nvPr>
             <p:ph type="title"/>
@@ -22152,8 +22070,8 @@
         </p:nvSpPr>
         <p:spPr>
           <a:xfrm>
-            <a:off x="450748" y="2079994"/>
-            <a:ext cx="6995677" cy="669001"/>
+            <a:off x="450748" y="2079993"/>
+            <a:ext cx="6995677" cy="669002"/>
           </a:xfrm>
           <a:prstGeom prst="rect">
             <a:avLst/>
@@ -22172,7 +22090,7 @@
       </p:sp>
       <p:sp>
         <p:nvSpPr>
-          <p:cNvPr id="644" name="Google Shape;363;p30"/>
+          <p:cNvPr id="640" name="Google Shape;363;p30"/>
           <p:cNvSpPr/>
           <p:nvPr/>
         </p:nvSpPr>
@@ -22207,7 +22125,7 @@
       </p:sp>
       <p:grpSp>
         <p:nvGrpSpPr>
-          <p:cNvPr id="647" name="Google Shape;452;p36"/>
+          <p:cNvPr id="643" name="Google Shape;452;p36"/>
           <p:cNvGrpSpPr/>
           <p:nvPr/>
         </p:nvGrpSpPr>
@@ -22221,7 +22139,7 @@
         </p:grpSpPr>
         <p:sp>
           <p:nvSpPr>
-            <p:cNvPr id="645" name="Rectangle"/>
+            <p:cNvPr id="641" name="Rectangle"/>
             <p:cNvSpPr/>
             <p:nvPr/>
           </p:nvSpPr>
@@ -22264,7 +22182,7 @@
         </p:sp>
         <p:sp>
           <p:nvSpPr>
-            <p:cNvPr id="646" name="Particularités"/>
+            <p:cNvPr id="642" name="Particularités"/>
             <p:cNvSpPr txBox="1"/>
             <p:nvPr/>
           </p:nvSpPr>
@@ -22295,9 +22213,6 @@
             <a:lstStyle>
               <a:lvl1pPr algn="ctr">
                 <a:defRPr b="1" sz="2200">
-                  <a:solidFill>
-                    <a:srgbClr val="FFFFFF"/>
-                  </a:solidFill>
                   <a:latin typeface="Overpass Mono"/>
                   <a:ea typeface="Overpass Mono"/>
                   <a:cs typeface="Overpass Mono"/>
@@ -22353,7 +22268,7 @@
       </p:grpSpPr>
       <p:sp>
         <p:nvSpPr>
-          <p:cNvPr id="649" name="Google Shape;452;p36"/>
+          <p:cNvPr id="645" name="Google Shape;452;p36"/>
           <p:cNvSpPr txBox="1"/>
           <p:nvPr>
             <p:ph type="title"/>
@@ -22361,8 +22276,8 @@
         </p:nvSpPr>
         <p:spPr>
           <a:xfrm>
-            <a:off x="3034705" y="863263"/>
-            <a:ext cx="3074591" cy="367052"/>
+            <a:off x="3227937" y="371138"/>
+            <a:ext cx="2688127" cy="538302"/>
           </a:xfrm>
           <a:prstGeom prst="rect">
             <a:avLst/>
@@ -22371,30 +22286,30 @@
         <p:txBody>
           <a:bodyPr/>
           <a:lstStyle>
-            <a:lvl1pPr defTabSz="512062">
-              <a:defRPr sz="1200"/>
+            <a:lvl1pPr defTabSz="813816">
+              <a:defRPr sz="1900"/>
             </a:lvl1pPr>
           </a:lstStyle>
           <a:p>
             <a:pPr/>
             <a:r>
-              <a:t>Déclaration de clone(2)</a:t>
-            </a:r>
-          </a:p>
-        </p:txBody>
-      </p:sp>
-      <p:sp>
-        <p:nvSpPr>
-          <p:cNvPr id="650" name="Google Shape;453;p36"/>
+              <a:t>Problèmes éventuels</a:t>
+            </a:r>
+          </a:p>
+        </p:txBody>
+      </p:sp>
+      <p:sp>
+        <p:nvSpPr>
+          <p:cNvPr id="646" name="Google Shape;453;p36"/>
           <p:cNvSpPr txBox="1"/>
           <p:nvPr>
-            <p:ph type="body" sz="half" idx="1"/>
+            <p:ph type="body" idx="1"/>
           </p:nvPr>
         </p:nvSpPr>
         <p:spPr>
           <a:xfrm>
-            <a:off x="1762681" y="1752737"/>
-            <a:ext cx="5531882" cy="2257626"/>
+            <a:off x="352664" y="1503829"/>
+            <a:ext cx="8588360" cy="3409857"/>
           </a:xfrm>
           <a:prstGeom prst="rect">
             <a:avLst/>
@@ -22404,30 +22319,422 @@
           <a:bodyPr/>
           <a:lstStyle/>
           <a:p>
-            <a:pPr indent="0"/>
-            <a:r>
-              <a:t>#define _GNU_SOURCE</a:t>
-            </a:r>
-          </a:p>
-          <a:p>
-            <a:pPr indent="0"/>
-            <a:r>
-              <a:t>#include &lt;sched.h&gt;</a:t>
-            </a:r>
-          </a:p>
-          <a:p>
-            <a:pPr indent="0"/>
-          </a:p>
-          <a:p>
-            <a:pPr indent="0"/>
-            <a:r>
-              <a:t>int clone(int (*fn)(void *), void *stack, int flags, void *arg, ...</a:t>
-            </a:r>
-          </a:p>
-          <a:p>
-            <a:pPr indent="0"/>
-            <a:r>
-              <a:t>/* pid_t *parent_tid, void *tls, pid_t *child_tid */ );</a:t>
+            <a:pPr>
+              <a:defRPr sz="1800"/>
+            </a:pPr>
+            <a:r>
+              <a:t>Suite à un </a:t>
+            </a:r>
+            <a:r>
+              <a:rPr>
+                <a:solidFill>
+                  <a:srgbClr val="FCFF00"/>
+                </a:solidFill>
+              </a:rPr>
+              <a:t>problème</a:t>
+            </a:r>
+            <a:r>
+              <a:t> de </a:t>
+            </a:r>
+            <a:r>
+              <a:rPr>
+                <a:solidFill>
+                  <a:srgbClr val="FCFF00"/>
+                </a:solidFill>
+              </a:rPr>
+              <a:t>cache</a:t>
+            </a:r>
+            <a:r>
+              <a:t> ancien, ainsi qu’à </a:t>
+            </a:r>
+            <a:r>
+              <a:rPr>
+                <a:solidFill>
+                  <a:srgbClr val="FCFF00"/>
+                </a:solidFill>
+              </a:rPr>
+              <a:t>d’autres problèmes</a:t>
+            </a:r>
+            <a:r>
+              <a:t> traités dans </a:t>
+            </a:r>
+            <a:r>
+              <a:rPr>
+                <a:solidFill>
+                  <a:srgbClr val="FCFF00"/>
+                </a:solidFill>
+              </a:rPr>
+              <a:t>getpid</a:t>
+            </a:r>
+            <a:r>
+              <a:t>(2), la fonctionnalité de </a:t>
+            </a:r>
+            <a:r>
+              <a:rPr>
+                <a:solidFill>
+                  <a:srgbClr val="FCFF00"/>
+                </a:solidFill>
+              </a:rPr>
+              <a:t>mise en cache du PID</a:t>
+            </a:r>
+            <a:r>
+              <a:t> a été </a:t>
+            </a:r>
+            <a:r>
+              <a:rPr>
+                <a:solidFill>
+                  <a:srgbClr val="FCFF00"/>
+                </a:solidFill>
+              </a:rPr>
+              <a:t>supprimée</a:t>
+            </a:r>
+            <a:r>
+              <a:t> de la </a:t>
+            </a:r>
+            <a:r>
+              <a:rPr>
+                <a:solidFill>
+                  <a:srgbClr val="FCFF00"/>
+                </a:solidFill>
+              </a:rPr>
+              <a:t>glibc</a:t>
+            </a:r>
+            <a:r>
+              <a:t> </a:t>
+            </a:r>
+            <a:r>
+              <a:rPr>
+                <a:solidFill>
+                  <a:srgbClr val="FCFF00"/>
+                </a:solidFill>
+              </a:rPr>
+              <a:t>2.25</a:t>
+            </a:r>
+            <a:endParaRPr>
+              <a:solidFill>
+                <a:srgbClr val="FCFF00"/>
+              </a:solidFill>
+            </a:endParaRPr>
+          </a:p>
+          <a:p>
+            <a:pPr>
+              <a:defRPr sz="1800"/>
+            </a:pPr>
+            <a:endParaRPr>
+              <a:solidFill>
+                <a:srgbClr val="FCFF00"/>
+              </a:solidFill>
+            </a:endParaRPr>
+          </a:p>
+          <a:p>
+            <a:pPr>
+              <a:defRPr sz="1800"/>
+            </a:pPr>
+            <a:r>
+              <a:t>Jusqu’à la version </a:t>
+            </a:r>
+            <a:r>
+              <a:rPr>
+                <a:solidFill>
+                  <a:srgbClr val="FCFF00"/>
+                </a:solidFill>
+              </a:rPr>
+              <a:t>2.24</a:t>
+            </a:r>
+            <a:r>
+              <a:t> de la bibliothèque C </a:t>
+            </a:r>
+            <a:r>
+              <a:rPr>
+                <a:solidFill>
+                  <a:srgbClr val="FCFF00"/>
+                </a:solidFill>
+              </a:rPr>
+              <a:t>GNU</a:t>
+            </a:r>
+            <a:r>
+              <a:t>, les </a:t>
+            </a:r>
+            <a:r>
+              <a:rPr>
+                <a:solidFill>
+                  <a:srgbClr val="FCFF00"/>
+                </a:solidFill>
+              </a:rPr>
+              <a:t>PID</a:t>
+            </a:r>
+            <a:r>
+              <a:t> étaient </a:t>
+            </a:r>
+            <a:r>
+              <a:rPr>
+                <a:solidFill>
+                  <a:srgbClr val="FCFF00"/>
+                </a:solidFill>
+              </a:rPr>
+              <a:t>mis en cache</a:t>
+            </a:r>
+            <a:r>
+              <a:t>. Il pouvait ne </a:t>
+            </a:r>
+            <a:r>
+              <a:rPr>
+                <a:solidFill>
+                  <a:srgbClr val="FCFF00"/>
+                </a:solidFill>
+              </a:rPr>
+              <a:t>pas se mettre à jour</a:t>
+            </a:r>
+            <a:r>
+              <a:t> sous certaines circonstances. En particulier, si un </a:t>
+            </a:r>
+            <a:r>
+              <a:rPr>
+                <a:solidFill>
+                  <a:srgbClr val="FCFF00"/>
+                </a:solidFill>
+              </a:rPr>
+              <a:t>signal</a:t>
+            </a:r>
+            <a:r>
+              <a:t> était </a:t>
+            </a:r>
+            <a:r>
+              <a:rPr>
+                <a:solidFill>
+                  <a:srgbClr val="FCFF00"/>
+                </a:solidFill>
+              </a:rPr>
+              <a:t>distribué</a:t>
+            </a:r>
+            <a:r>
+              <a:t> à un </a:t>
+            </a:r>
+            <a:r>
+              <a:rPr>
+                <a:solidFill>
+                  <a:srgbClr val="FCFF00"/>
+                </a:solidFill>
+              </a:rPr>
+              <a:t>fils</a:t>
+            </a:r>
+            <a:r>
+              <a:t> </a:t>
+            </a:r>
+            <a:r>
+              <a:rPr>
+                <a:solidFill>
+                  <a:srgbClr val="FCFF00"/>
+                </a:solidFill>
+              </a:rPr>
+              <a:t>juste</a:t>
+            </a:r>
+            <a:r>
+              <a:t> </a:t>
+            </a:r>
+            <a:r>
+              <a:rPr>
+                <a:solidFill>
+                  <a:srgbClr val="FCFF00"/>
+                </a:solidFill>
+              </a:rPr>
+              <a:t>après</a:t>
+            </a:r>
+            <a:r>
+              <a:t> l'appel à </a:t>
+            </a:r>
+            <a:r>
+              <a:rPr>
+                <a:solidFill>
+                  <a:srgbClr val="FCFF00"/>
+                </a:solidFill>
+              </a:rPr>
+              <a:t>clone</a:t>
+            </a:r>
+            <a:r>
+              <a:t>(), alors un </a:t>
+            </a:r>
+            <a:r>
+              <a:rPr>
+                <a:solidFill>
+                  <a:srgbClr val="FCFF00"/>
+                </a:solidFill>
+              </a:rPr>
+              <a:t>appel</a:t>
+            </a:r>
+            <a:r>
+              <a:t> à </a:t>
+            </a:r>
+            <a:r>
+              <a:rPr>
+                <a:solidFill>
+                  <a:srgbClr val="FCFF00"/>
+                </a:solidFill>
+              </a:rPr>
+              <a:t>getpid</a:t>
+            </a:r>
+            <a:r>
+              <a:t>(2) dans le gestionnaire de signaux du signal </a:t>
+            </a:r>
+            <a:r>
+              <a:rPr>
+                <a:solidFill>
+                  <a:srgbClr val="FCFF00"/>
+                </a:solidFill>
+              </a:rPr>
+              <a:t>pouvait renvoyer le PID </a:t>
+            </a:r>
+            <a:r>
+              <a:rPr>
+                <a:latin typeface="XCharter"/>
+                <a:ea typeface="XCharter"/>
+                <a:cs typeface="XCharter"/>
+                <a:sym typeface="XCharter"/>
+              </a:rPr>
+              <a:t>du</a:t>
+            </a:r>
+            <a:r>
+              <a:rPr>
+                <a:solidFill>
+                  <a:srgbClr val="FCFF00"/>
+                </a:solidFill>
+              </a:rPr>
+              <a:t> père</a:t>
+            </a:r>
+            <a:r>
+              <a:t>, si la fonction enveloppe de </a:t>
+            </a:r>
+            <a:r>
+              <a:rPr>
+                <a:solidFill>
+                  <a:srgbClr val="FCFF00"/>
+                </a:solidFill>
+              </a:rPr>
+              <a:t>clone</a:t>
+            </a:r>
+            <a:r>
+              <a:t> n'avait pas eu le temps de MAJ le cache de PID pour le </a:t>
+            </a:r>
+            <a:r>
+              <a:rPr>
+                <a:solidFill>
+                  <a:srgbClr val="FCFF00"/>
+                </a:solidFill>
+              </a:rPr>
+              <a:t>fils</a:t>
+            </a:r>
+            <a:r>
+              <a:t> (</a:t>
+            </a:r>
+            <a:r>
+              <a:rPr>
+                <a:solidFill>
+                  <a:srgbClr val="FCFF00"/>
+                </a:solidFill>
+              </a:rPr>
+              <a:t>sauf</a:t>
+            </a:r>
+            <a:r>
+              <a:t> si le fils a été créé avec le flag </a:t>
+            </a:r>
+            <a:r>
+              <a:rPr>
+                <a:solidFill>
+                  <a:srgbClr val="FCFF00"/>
+                </a:solidFill>
+              </a:rPr>
+              <a:t>CLONE_THREAD</a:t>
+            </a:r>
+            <a:r>
+              <a:t>, puisque </a:t>
+            </a:r>
+            <a:r>
+              <a:rPr>
+                <a:solidFill>
+                  <a:srgbClr val="FCFF00"/>
+                </a:solidFill>
+              </a:rPr>
+              <a:t>getpid</a:t>
+            </a:r>
+            <a:r>
+              <a:t>(2) doit renvoyer la </a:t>
+            </a:r>
+            <a:r>
+              <a:rPr>
+                <a:solidFill>
+                  <a:srgbClr val="FCFF00"/>
+                </a:solidFill>
+              </a:rPr>
+              <a:t>même valeur</a:t>
+            </a:r>
+            <a:r>
+              <a:t> pour le </a:t>
+            </a:r>
+            <a:r>
+              <a:rPr>
+                <a:solidFill>
+                  <a:srgbClr val="FCFF00"/>
+                </a:solidFill>
+              </a:rPr>
+              <a:t>fils</a:t>
+            </a:r>
+            <a:r>
+              <a:t> et pour le </a:t>
+            </a:r>
+            <a:r>
+              <a:rPr>
+                <a:solidFill>
+                  <a:srgbClr val="FCFF00"/>
+                </a:solidFill>
+              </a:rPr>
+              <a:t>père</a:t>
+            </a:r>
+            <a:r>
+              <a:t>, puisque le </a:t>
+            </a:r>
+            <a:r>
+              <a:rPr>
+                <a:solidFill>
+                  <a:srgbClr val="FCFF00"/>
+                </a:solidFill>
+              </a:rPr>
+              <a:t>père</a:t>
+            </a:r>
+            <a:r>
+              <a:t> et le </a:t>
+            </a:r>
+            <a:r>
+              <a:rPr>
+                <a:solidFill>
+                  <a:srgbClr val="FCFF00"/>
+                </a:solidFill>
+              </a:rPr>
+              <a:t>fils</a:t>
+            </a:r>
+            <a:r>
+              <a:t> se trouvent dans le </a:t>
+            </a:r>
+            <a:r>
+              <a:rPr>
+                <a:solidFill>
+                  <a:srgbClr val="FCFF00"/>
+                </a:solidFill>
+              </a:rPr>
+              <a:t>même groupe de threads</a:t>
+            </a:r>
+            <a:r>
+              <a:t>. Pareil avec le flag </a:t>
+            </a:r>
+            <a:r>
+              <a:rPr>
+                <a:solidFill>
+                  <a:srgbClr val="FCFF00"/>
+                </a:solidFill>
+              </a:rPr>
+              <a:t>CLONE_VM</a:t>
+            </a:r>
+            <a:r>
+              <a:t>).</a:t>
             </a:r>
           </a:p>
         </p:txBody>
@@ -22471,7 +22778,7 @@
       </p:grpSpPr>
       <p:sp>
         <p:nvSpPr>
-          <p:cNvPr id="652" name="Google Shape;452;p36"/>
+          <p:cNvPr id="648" name="Google Shape;507;p38"/>
           <p:cNvSpPr txBox="1"/>
           <p:nvPr>
             <p:ph type="title"/>
@@ -22479,8 +22786,8 @@
         </p:nvSpPr>
         <p:spPr>
           <a:xfrm>
-            <a:off x="3227937" y="371138"/>
-            <a:ext cx="2688127" cy="538302"/>
+            <a:off x="311699" y="1847849"/>
+            <a:ext cx="8520602" cy="1382703"/>
           </a:xfrm>
           <a:prstGeom prst="rect">
             <a:avLst/>
@@ -22489,410 +22796,14 @@
         <p:txBody>
           <a:bodyPr/>
           <a:lstStyle>
-            <a:lvl1pPr defTabSz="813816">
-              <a:defRPr sz="1900"/>
+            <a:lvl1pPr defTabSz="667512">
+              <a:defRPr sz="9100"/>
             </a:lvl1pPr>
           </a:lstStyle>
           <a:p>
             <a:pPr/>
             <a:r>
-              <a:t>Problèmes éventuels</a:t>
-            </a:r>
-          </a:p>
-        </p:txBody>
-      </p:sp>
-      <p:sp>
-        <p:nvSpPr>
-          <p:cNvPr id="653" name="Google Shape;453;p36"/>
-          <p:cNvSpPr txBox="1"/>
-          <p:nvPr>
-            <p:ph type="body" idx="1"/>
-          </p:nvPr>
-        </p:nvSpPr>
-        <p:spPr>
-          <a:xfrm>
-            <a:off x="352664" y="1938384"/>
-            <a:ext cx="8438672" cy="3016232"/>
-          </a:xfrm>
-          <a:prstGeom prst="rect">
-            <a:avLst/>
-          </a:prstGeom>
-        </p:spPr>
-        <p:txBody>
-          <a:bodyPr/>
-          <a:lstStyle/>
-          <a:p>
-            <a:pPr indent="0"/>
-            <a:r>
-              <a:t>Suite à un </a:t>
-            </a:r>
-            <a:r>
-              <a:rPr>
-                <a:solidFill>
-                  <a:srgbClr val="FCFF00"/>
-                </a:solidFill>
-              </a:rPr>
-              <a:t>problème</a:t>
-            </a:r>
-            <a:r>
-              <a:t> de </a:t>
-            </a:r>
-            <a:r>
-              <a:rPr>
-                <a:solidFill>
-                  <a:srgbClr val="FCFF00"/>
-                </a:solidFill>
-              </a:rPr>
-              <a:t>cache</a:t>
-            </a:r>
-            <a:r>
-              <a:t> ancien, ainsi qu’à </a:t>
-            </a:r>
-            <a:r>
-              <a:rPr>
-                <a:solidFill>
-                  <a:srgbClr val="FCFF00"/>
-                </a:solidFill>
-              </a:rPr>
-              <a:t>d’autres problèmes</a:t>
-            </a:r>
-            <a:r>
-              <a:t> traités dans </a:t>
-            </a:r>
-            <a:r>
-              <a:rPr>
-                <a:solidFill>
-                  <a:srgbClr val="FCFF00"/>
-                </a:solidFill>
-              </a:rPr>
-              <a:t>getpid</a:t>
-            </a:r>
-            <a:r>
-              <a:t>(2), la fonctionnalité de </a:t>
-            </a:r>
-            <a:r>
-              <a:rPr>
-                <a:solidFill>
-                  <a:srgbClr val="FCFF00"/>
-                </a:solidFill>
-              </a:rPr>
-              <a:t>mise en cache du PID</a:t>
-            </a:r>
-            <a:r>
-              <a:t> a été </a:t>
-            </a:r>
-            <a:r>
-              <a:rPr>
-                <a:solidFill>
-                  <a:srgbClr val="FCFF00"/>
-                </a:solidFill>
-              </a:rPr>
-              <a:t>supprimée</a:t>
-            </a:r>
-            <a:r>
-              <a:t> de la </a:t>
-            </a:r>
-            <a:r>
-              <a:rPr>
-                <a:solidFill>
-                  <a:srgbClr val="FCFF00"/>
-                </a:solidFill>
-              </a:rPr>
-              <a:t>glibc</a:t>
-            </a:r>
-            <a:r>
-              <a:t> </a:t>
-            </a:r>
-            <a:r>
-              <a:rPr>
-                <a:solidFill>
-                  <a:srgbClr val="FCFF00"/>
-                </a:solidFill>
-              </a:rPr>
-              <a:t>2.25</a:t>
-            </a:r>
-            <a:endParaRPr>
-              <a:solidFill>
-                <a:srgbClr val="FCFF00"/>
-              </a:solidFill>
-            </a:endParaRPr>
-          </a:p>
-          <a:p>
-            <a:pPr indent="0"/>
-            <a:endParaRPr>
-              <a:solidFill>
-                <a:srgbClr val="FCFF00"/>
-              </a:solidFill>
-            </a:endParaRPr>
-          </a:p>
-          <a:p>
-            <a:pPr indent="0"/>
-            <a:r>
-              <a:t>Jusqu’à la version </a:t>
-            </a:r>
-            <a:r>
-              <a:rPr>
-                <a:solidFill>
-                  <a:srgbClr val="FCFF00"/>
-                </a:solidFill>
-              </a:rPr>
-              <a:t>2.24</a:t>
-            </a:r>
-            <a:r>
-              <a:t> de la bibliothèque C </a:t>
-            </a:r>
-            <a:r>
-              <a:rPr>
-                <a:solidFill>
-                  <a:srgbClr val="FCFF00"/>
-                </a:solidFill>
-              </a:rPr>
-              <a:t>GNU</a:t>
-            </a:r>
-            <a:r>
-              <a:t>, les </a:t>
-            </a:r>
-            <a:r>
-              <a:rPr>
-                <a:solidFill>
-                  <a:srgbClr val="FCFF00"/>
-                </a:solidFill>
-              </a:rPr>
-              <a:t>PID</a:t>
-            </a:r>
-            <a:r>
-              <a:t> étaient </a:t>
-            </a:r>
-            <a:r>
-              <a:rPr>
-                <a:solidFill>
-                  <a:srgbClr val="FCFF00"/>
-                </a:solidFill>
-              </a:rPr>
-              <a:t>mis en cache</a:t>
-            </a:r>
-            <a:r>
-              <a:t>. Il pouvait ne </a:t>
-            </a:r>
-            <a:r>
-              <a:rPr>
-                <a:solidFill>
-                  <a:srgbClr val="FCFF00"/>
-                </a:solidFill>
-              </a:rPr>
-              <a:t>pas se mettre à jour</a:t>
-            </a:r>
-            <a:r>
-              <a:t> sous certaines circonstances. En particulier, si un </a:t>
-            </a:r>
-            <a:r>
-              <a:rPr>
-                <a:solidFill>
-                  <a:srgbClr val="FCFF00"/>
-                </a:solidFill>
-              </a:rPr>
-              <a:t>signal</a:t>
-            </a:r>
-            <a:r>
-              <a:t> était </a:t>
-            </a:r>
-            <a:r>
-              <a:rPr>
-                <a:solidFill>
-                  <a:srgbClr val="FCFF00"/>
-                </a:solidFill>
-              </a:rPr>
-              <a:t>distribué</a:t>
-            </a:r>
-            <a:r>
-              <a:t> à un </a:t>
-            </a:r>
-            <a:r>
-              <a:rPr>
-                <a:solidFill>
-                  <a:srgbClr val="FCFF00"/>
-                </a:solidFill>
-              </a:rPr>
-              <a:t>enfant</a:t>
-            </a:r>
-            <a:r>
-              <a:t> </a:t>
-            </a:r>
-            <a:r>
-              <a:rPr>
-                <a:solidFill>
-                  <a:srgbClr val="FCFF00"/>
-                </a:solidFill>
-              </a:rPr>
-              <a:t>juste</a:t>
-            </a:r>
-            <a:r>
-              <a:t> </a:t>
-            </a:r>
-            <a:r>
-              <a:rPr>
-                <a:solidFill>
-                  <a:srgbClr val="FCFF00"/>
-                </a:solidFill>
-              </a:rPr>
-              <a:t>après</a:t>
-            </a:r>
-            <a:r>
-              <a:t> l'appel à </a:t>
-            </a:r>
-            <a:r>
-              <a:rPr>
-                <a:solidFill>
-                  <a:srgbClr val="FCFF00"/>
-                </a:solidFill>
-              </a:rPr>
-              <a:t>clone</a:t>
-            </a:r>
-            <a:r>
-              <a:t>(), alors un </a:t>
-            </a:r>
-            <a:r>
-              <a:rPr>
-                <a:solidFill>
-                  <a:srgbClr val="FCFF00"/>
-                </a:solidFill>
-              </a:rPr>
-              <a:t>appel</a:t>
-            </a:r>
-            <a:r>
-              <a:t> à </a:t>
-            </a:r>
-            <a:r>
-              <a:rPr>
-                <a:solidFill>
-                  <a:srgbClr val="FCFF00"/>
-                </a:solidFill>
-              </a:rPr>
-              <a:t>getpid</a:t>
-            </a:r>
-            <a:r>
-              <a:t>(2) dans le gestionnaire de signaux du signal </a:t>
-            </a:r>
-            <a:r>
-              <a:rPr>
-                <a:solidFill>
-                  <a:srgbClr val="FCFF00"/>
-                </a:solidFill>
-              </a:rPr>
-              <a:t>pouvait renvoyer le PID du parent</a:t>
-            </a:r>
-            <a:r>
-              <a:t>, si la fonction enveloppe de clone n'avait pas eu le temps de MAJ le cache de PID pour l’enfant (</a:t>
-            </a:r>
-            <a:r>
-              <a:rPr>
-                <a:solidFill>
-                  <a:srgbClr val="FCFF00"/>
-                </a:solidFill>
-              </a:rPr>
-              <a:t>sauf</a:t>
-            </a:r>
-            <a:r>
-              <a:t> si l’enfant a été créé avec le flag </a:t>
-            </a:r>
-            <a:r>
-              <a:rPr>
-                <a:solidFill>
-                  <a:srgbClr val="FCFF00"/>
-                </a:solidFill>
-              </a:rPr>
-              <a:t>CLONE_THREAD</a:t>
-            </a:r>
-            <a:r>
-              <a:t>, puisque </a:t>
-            </a:r>
-            <a:r>
-              <a:rPr>
-                <a:solidFill>
-                  <a:srgbClr val="FCFF00"/>
-                </a:solidFill>
-              </a:rPr>
-              <a:t>getpid</a:t>
-            </a:r>
-            <a:r>
-              <a:t>(2) doit renvoyer la </a:t>
-            </a:r>
-            <a:r>
-              <a:rPr>
-                <a:solidFill>
-                  <a:srgbClr val="FCFF00"/>
-                </a:solidFill>
-              </a:rPr>
-              <a:t>même valeur</a:t>
-            </a:r>
-            <a:r>
-              <a:t> pour l’</a:t>
-            </a:r>
-            <a:r>
-              <a:rPr>
-                <a:solidFill>
-                  <a:srgbClr val="FCFF00"/>
-                </a:solidFill>
-              </a:rPr>
-              <a:t>enfant</a:t>
-            </a:r>
-            <a:r>
-              <a:t> et pour le </a:t>
-            </a:r>
-            <a:r>
-              <a:rPr>
-                <a:solidFill>
-                  <a:srgbClr val="FCFF00"/>
-                </a:solidFill>
-              </a:rPr>
-              <a:t>parent</a:t>
-            </a:r>
-            <a:r>
-              <a:t>, puisque le </a:t>
-            </a:r>
-            <a:r>
-              <a:rPr>
-                <a:solidFill>
-                  <a:srgbClr val="FCFF00"/>
-                </a:solidFill>
-              </a:rPr>
-              <a:t>parent</a:t>
-            </a:r>
-            <a:r>
-              <a:t> et l’</a:t>
-            </a:r>
-            <a:r>
-              <a:rPr>
-                <a:solidFill>
-                  <a:srgbClr val="FCFF00"/>
-                </a:solidFill>
-              </a:rPr>
-              <a:t>enfant</a:t>
-            </a:r>
-            <a:r>
-              <a:t> se trouvent dans le </a:t>
-            </a:r>
-            <a:r>
-              <a:rPr>
-                <a:solidFill>
-                  <a:srgbClr val="FCFF00"/>
-                </a:solidFill>
-              </a:rPr>
-              <a:t>même groupe de threads</a:t>
-            </a:r>
-            <a:r>
-              <a:t>. Pareil avec le flag </a:t>
-            </a:r>
-            <a:r>
-              <a:rPr>
-                <a:solidFill>
-                  <a:srgbClr val="FCFF00"/>
-                </a:solidFill>
-              </a:rPr>
-              <a:t>CLONE_VM</a:t>
-            </a:r>
-            <a:r>
-              <a:t>).</a:t>
+              <a:t>Code</a:t>
             </a:r>
           </a:p>
         </p:txBody>
@@ -22936,7 +22847,7 @@
       </p:grpSpPr>
       <p:sp>
         <p:nvSpPr>
-          <p:cNvPr id="655" name="Google Shape;507;p38"/>
+          <p:cNvPr id="650" name="Google Shape;507;p38"/>
           <p:cNvSpPr txBox="1"/>
           <p:nvPr>
             <p:ph type="title"/>
@@ -22954,14 +22865,14 @@
         <p:txBody>
           <a:bodyPr/>
           <a:lstStyle>
-            <a:lvl1pPr defTabSz="667512">
+            <a:lvl1pPr defTabSz="731519">
               <a:defRPr sz="9100"/>
             </a:lvl1pPr>
           </a:lstStyle>
           <a:p>
             <a:pPr/>
             <a:r>
-              <a:t>Code</a:t>
+              <a:t>Aller plus loin</a:t>
             </a:r>
           </a:p>
         </p:txBody>
@@ -23005,7 +22916,632 @@
       </p:grpSpPr>
       <p:sp>
         <p:nvSpPr>
-          <p:cNvPr id="657" name="Google Shape;507;p38"/>
+          <p:cNvPr id="652" name="Google Shape;363;p30"/>
+          <p:cNvSpPr/>
+          <p:nvPr/>
+        </p:nvSpPr>
+        <p:spPr>
+          <a:xfrm>
+            <a:off x="7524760" y="3887591"/>
+            <a:ext cx="1619277" cy="241322"/>
+          </a:xfrm>
+          <a:prstGeom prst="rect">
+            <a:avLst/>
+          </a:prstGeom>
+          <a:solidFill>
+            <a:schemeClr val="accent2"/>
+          </a:solidFill>
+          <a:ln w="12700">
+            <a:miter lim="400000"/>
+          </a:ln>
+        </p:spPr>
+        <p:txBody>
+          <a:bodyPr lIns="45718" tIns="45718" rIns="45718" bIns="45718" anchor="ctr"/>
+          <a:lstStyle/>
+          <a:p>
+            <a:pPr>
+              <a:defRPr sz="1400">
+                <a:solidFill>
+                  <a:srgbClr val="000000"/>
+                </a:solidFill>
+              </a:defRPr>
+            </a:pPr>
+          </a:p>
+        </p:txBody>
+      </p:sp>
+      <p:sp>
+        <p:nvSpPr>
+          <p:cNvPr id="653" name="Google Shape;361;p30"/>
+          <p:cNvSpPr txBox="1"/>
+          <p:nvPr>
+            <p:ph type="body" idx="1"/>
+          </p:nvPr>
+        </p:nvSpPr>
+        <p:spPr>
+          <a:xfrm>
+            <a:off x="126596" y="1142199"/>
+            <a:ext cx="8890808" cy="3756254"/>
+          </a:xfrm>
+          <a:prstGeom prst="rect">
+            <a:avLst/>
+          </a:prstGeom>
+        </p:spPr>
+        <p:txBody>
+          <a:bodyPr/>
+          <a:lstStyle/>
+          <a:p>
+            <a:pPr marL="0" indent="85090" defTabSz="612648">
+              <a:buSzTx/>
+              <a:buNone/>
+              <a:defRPr sz="1742"/>
+            </a:pPr>
+            <a:r>
+              <a:t>L’ajout de la fonction </a:t>
+            </a:r>
+            <a:r>
+              <a:rPr>
+                <a:solidFill>
+                  <a:srgbClr val="FFF000"/>
+                </a:solidFill>
+              </a:rPr>
+              <a:t>forkall</a:t>
+            </a:r>
+            <a:r>
+              <a:t>() au standard a été </a:t>
+            </a:r>
+            <a:r>
+              <a:rPr>
+                <a:solidFill>
+                  <a:srgbClr val="FFF000"/>
+                </a:solidFill>
+              </a:rPr>
+              <a:t>rejeté</a:t>
+            </a:r>
+            <a:r>
+              <a:t>. La fonction</a:t>
+            </a:r>
+          </a:p>
+          <a:p>
+            <a:pPr marL="0" indent="85090" defTabSz="612648">
+              <a:buSzTx/>
+              <a:buNone/>
+              <a:defRPr sz="1742">
+                <a:solidFill>
+                  <a:srgbClr val="FFF000"/>
+                </a:solidFill>
+              </a:defRPr>
+            </a:pPr>
+            <a:r>
+              <a:t>forkall</a:t>
+            </a:r>
+            <a:r>
+              <a:rPr>
+                <a:solidFill>
+                  <a:srgbClr val="FFFFFF"/>
+                </a:solidFill>
+              </a:rPr>
+              <a:t>() permet à tous les </a:t>
+            </a:r>
+            <a:r>
+              <a:t>threads</a:t>
+            </a:r>
+            <a:r>
+              <a:rPr>
+                <a:solidFill>
+                  <a:srgbClr val="FFFFFF"/>
+                </a:solidFill>
+              </a:rPr>
+              <a:t> du </a:t>
+            </a:r>
+            <a:r>
+              <a:t>père</a:t>
+            </a:r>
+            <a:r>
+              <a:rPr>
+                <a:solidFill>
+                  <a:srgbClr val="FFFFFF"/>
+                </a:solidFill>
+              </a:rPr>
+              <a:t> d’être </a:t>
+            </a:r>
+            <a:r>
+              <a:t>dupliqués</a:t>
+            </a:r>
+            <a:r>
+              <a:rPr>
+                <a:solidFill>
+                  <a:srgbClr val="FFFFFF"/>
+                </a:solidFill>
+              </a:rPr>
+              <a:t> dans le</a:t>
+            </a:r>
+            <a:r>
+              <a:t> fils</a:t>
+            </a:r>
+            <a:r>
+              <a:rPr>
+                <a:solidFill>
+                  <a:srgbClr val="FFFFFF"/>
+                </a:solidFill>
+              </a:rPr>
+              <a:t>. </a:t>
+            </a:r>
+          </a:p>
+          <a:p>
+            <a:pPr marL="0" indent="85090" defTabSz="612648">
+              <a:buSzTx/>
+              <a:buNone/>
+              <a:defRPr sz="1742"/>
+            </a:pPr>
+            <a:r>
+              <a:t>Cela </a:t>
+            </a:r>
+            <a:r>
+              <a:rPr>
+                <a:solidFill>
+                  <a:srgbClr val="FFF000"/>
+                </a:solidFill>
+              </a:rPr>
+              <a:t>permet</a:t>
+            </a:r>
+            <a:r>
+              <a:t> aux </a:t>
+            </a:r>
+            <a:r>
+              <a:rPr>
+                <a:solidFill>
+                  <a:srgbClr val="FFF000"/>
+                </a:solidFill>
+              </a:rPr>
+              <a:t>threads</a:t>
+            </a:r>
+            <a:r>
+              <a:t> du </a:t>
+            </a:r>
+            <a:r>
+              <a:rPr>
+                <a:solidFill>
+                  <a:srgbClr val="FFF000"/>
+                </a:solidFill>
+              </a:rPr>
+              <a:t>fils</a:t>
+            </a:r>
+            <a:r>
+              <a:t> de </a:t>
+            </a:r>
+            <a:r>
+              <a:rPr>
+                <a:solidFill>
+                  <a:srgbClr val="FFF000"/>
+                </a:solidFill>
+              </a:rPr>
+              <a:t>poursuivre</a:t>
+            </a:r>
+            <a:r>
+              <a:t> le </a:t>
+            </a:r>
+            <a:r>
+              <a:rPr>
+                <a:solidFill>
+                  <a:srgbClr val="FFF000"/>
+                </a:solidFill>
+              </a:rPr>
+              <a:t>traitement</a:t>
+            </a:r>
+            <a:r>
+              <a:t> et permet</a:t>
+            </a:r>
+          </a:p>
+          <a:p>
+            <a:pPr marL="0" indent="85090" defTabSz="612648">
+              <a:buSzTx/>
+              <a:buNone/>
+              <a:defRPr sz="1742"/>
+            </a:pPr>
+            <a:r>
+              <a:t>de </a:t>
+            </a:r>
+            <a:r>
+              <a:rPr>
+                <a:solidFill>
+                  <a:srgbClr val="FFF000"/>
+                </a:solidFill>
+              </a:rPr>
+              <a:t>préserver</a:t>
+            </a:r>
+            <a:r>
+              <a:t> les </a:t>
+            </a:r>
+            <a:r>
+              <a:rPr>
+                <a:solidFill>
+                  <a:srgbClr val="FFF000"/>
+                </a:solidFill>
+              </a:rPr>
+              <a:t>verrous</a:t>
+            </a:r>
+            <a:r>
+              <a:t>.</a:t>
+            </a:r>
+          </a:p>
+          <a:p>
+            <a:pPr marL="0" indent="85090" defTabSz="612648">
+              <a:buSzTx/>
+              <a:buNone/>
+              <a:defRPr sz="1742"/>
+            </a:pPr>
+          </a:p>
+          <a:p>
+            <a:pPr marL="0" indent="85090" defTabSz="612648">
+              <a:buSzTx/>
+              <a:buNone/>
+              <a:defRPr sz="1742"/>
+            </a:pPr>
+            <a:r>
+              <a:t>Le </a:t>
+            </a:r>
+            <a:r>
+              <a:rPr>
+                <a:solidFill>
+                  <a:srgbClr val="FFF000"/>
+                </a:solidFill>
+              </a:rPr>
+              <a:t>père</a:t>
+            </a:r>
+            <a:r>
+              <a:t> doit en fait s’assurer que </a:t>
+            </a:r>
+            <a:r>
+              <a:rPr>
+                <a:solidFill>
+                  <a:srgbClr val="FFF000"/>
+                </a:solidFill>
+              </a:rPr>
+              <a:t>l’état</a:t>
+            </a:r>
+            <a:r>
+              <a:t> de </a:t>
+            </a:r>
+            <a:r>
+              <a:rPr>
+                <a:solidFill>
+                  <a:srgbClr val="FFF000"/>
+                </a:solidFill>
+              </a:rPr>
+              <a:t>traitement</a:t>
+            </a:r>
+            <a:r>
+              <a:t> des </a:t>
+            </a:r>
+            <a:r>
+              <a:rPr>
+                <a:solidFill>
+                  <a:srgbClr val="FFF000"/>
+                </a:solidFill>
+              </a:rPr>
+              <a:t>threads</a:t>
+            </a:r>
+          </a:p>
+          <a:p>
+            <a:pPr marL="0" indent="85090" defTabSz="612648">
+              <a:buSzTx/>
+              <a:buNone/>
+              <a:defRPr sz="1742">
+                <a:solidFill>
+                  <a:srgbClr val="FFF000"/>
+                </a:solidFill>
+              </a:defRPr>
+            </a:pPr>
+            <a:r>
+              <a:t>partagés</a:t>
+            </a:r>
+            <a:r>
+              <a:rPr>
+                <a:solidFill>
+                  <a:srgbClr val="FFFFFF"/>
+                </a:solidFill>
+              </a:rPr>
+              <a:t> entre le </a:t>
+            </a:r>
+            <a:r>
+              <a:t>père</a:t>
+            </a:r>
+            <a:r>
+              <a:rPr>
+                <a:solidFill>
+                  <a:srgbClr val="FFFFFF"/>
+                </a:solidFill>
+              </a:rPr>
+              <a:t> et le</a:t>
+            </a:r>
+            <a:r>
+              <a:t> fils</a:t>
+            </a:r>
+            <a:r>
+              <a:rPr>
+                <a:solidFill>
+                  <a:srgbClr val="FFFFFF"/>
+                </a:solidFill>
+              </a:rPr>
+              <a:t> se comporte correctement </a:t>
+            </a:r>
+            <a:r>
+              <a:t>après</a:t>
+            </a:r>
+            <a:r>
+              <a:rPr>
+                <a:solidFill>
+                  <a:srgbClr val="FFFFFF"/>
+                </a:solidFill>
+              </a:rPr>
+              <a:t> </a:t>
+            </a:r>
+            <a:r>
+              <a:t>forkall</a:t>
+            </a:r>
+            <a:r>
+              <a:rPr>
+                <a:solidFill>
+                  <a:srgbClr val="FFFFFF"/>
+                </a:solidFill>
+              </a:rPr>
+              <a:t>().</a:t>
+            </a:r>
+          </a:p>
+          <a:p>
+            <a:pPr marL="0" indent="85090" defTabSz="612648">
+              <a:buSzTx/>
+              <a:buNone/>
+              <a:defRPr sz="1742"/>
+            </a:pPr>
+          </a:p>
+          <a:p>
+            <a:pPr marL="0" indent="85090" defTabSz="612648">
+              <a:buSzTx/>
+              <a:buNone/>
+              <a:defRPr sz="1742"/>
+            </a:pPr>
+            <a:r>
+              <a:t>Par exemple, si un </a:t>
+            </a:r>
+            <a:r>
+              <a:rPr>
+                <a:solidFill>
+                  <a:srgbClr val="FFF000"/>
+                </a:solidFill>
+              </a:rPr>
+              <a:t>thread</a:t>
+            </a:r>
+            <a:r>
+              <a:t> </a:t>
+            </a:r>
+            <a:r>
+              <a:rPr>
+                <a:solidFill>
+                  <a:srgbClr val="FFF000"/>
+                </a:solidFill>
+              </a:rPr>
+              <a:t>lit</a:t>
+            </a:r>
+            <a:r>
+              <a:t> un </a:t>
+            </a:r>
+            <a:r>
+              <a:rPr>
+                <a:solidFill>
+                  <a:srgbClr val="FFF000"/>
+                </a:solidFill>
+              </a:rPr>
+              <a:t>descripteur</a:t>
+            </a:r>
+            <a:r>
+              <a:t> </a:t>
+            </a:r>
+            <a:r>
+              <a:rPr>
+                <a:solidFill>
+                  <a:srgbClr val="FFF000"/>
+                </a:solidFill>
+              </a:rPr>
+              <a:t>de fichier</a:t>
+            </a:r>
+            <a:r>
+              <a:t> dans le </a:t>
+            </a:r>
+            <a:r>
+              <a:rPr>
+                <a:solidFill>
+                  <a:srgbClr val="FFF000"/>
+                </a:solidFill>
+              </a:rPr>
+              <a:t>père</a:t>
+            </a:r>
+          </a:p>
+          <a:p>
+            <a:pPr marL="0" indent="85090" defTabSz="612648">
+              <a:buSzTx/>
+              <a:buNone/>
+              <a:defRPr sz="1742"/>
+            </a:pPr>
+            <a:r>
+              <a:t>lorsque </a:t>
+            </a:r>
+            <a:r>
+              <a:rPr>
+                <a:solidFill>
+                  <a:srgbClr val="FFF000"/>
+                </a:solidFill>
+              </a:rPr>
+              <a:t>forkall</a:t>
+            </a:r>
+            <a:r>
+              <a:t>() est appelée, </a:t>
+            </a:r>
+            <a:r>
+              <a:rPr>
+                <a:solidFill>
+                  <a:srgbClr val="FFF000"/>
+                </a:solidFill>
+              </a:rPr>
+              <a:t>alors</a:t>
+            </a:r>
+            <a:r>
+              <a:t> </a:t>
+            </a:r>
+            <a:r>
+              <a:rPr>
+                <a:solidFill>
+                  <a:srgbClr val="FFF000"/>
+                </a:solidFill>
+              </a:rPr>
+              <a:t>deux</a:t>
+            </a:r>
+            <a:r>
+              <a:t> </a:t>
+            </a:r>
+            <a:r>
+              <a:rPr>
+                <a:solidFill>
+                  <a:srgbClr val="FFF000"/>
+                </a:solidFill>
+              </a:rPr>
+              <a:t>threads</a:t>
+            </a:r>
+            <a:r>
+              <a:t> (un dans le </a:t>
+            </a:r>
+            <a:r>
+              <a:rPr>
+                <a:solidFill>
+                  <a:srgbClr val="FFF000"/>
+                </a:solidFill>
+              </a:rPr>
+              <a:t>père</a:t>
+            </a:r>
+            <a:r>
+              <a:t> et un dans le</a:t>
+            </a:r>
+            <a:r>
+              <a:rPr>
+                <a:solidFill>
+                  <a:srgbClr val="FFF000"/>
+                </a:solidFill>
+              </a:rPr>
+              <a:t> fils</a:t>
+            </a:r>
+            <a:r>
+              <a:t>)</a:t>
+            </a:r>
+          </a:p>
+          <a:p>
+            <a:pPr marL="0" indent="85090" defTabSz="612648">
+              <a:buSzTx/>
+              <a:buNone/>
+              <a:defRPr sz="1742">
+                <a:solidFill>
+                  <a:srgbClr val="FFF000"/>
+                </a:solidFill>
+              </a:defRPr>
+            </a:pPr>
+            <a:r>
+              <a:t>lisent</a:t>
+            </a:r>
+            <a:r>
+              <a:rPr>
+                <a:solidFill>
+                  <a:srgbClr val="FFFFFF"/>
+                </a:solidFill>
+              </a:rPr>
+              <a:t> le même </a:t>
+            </a:r>
+            <a:r>
+              <a:t>descripteur de fichier</a:t>
+            </a:r>
+            <a:r>
+              <a:rPr>
+                <a:solidFill>
+                  <a:srgbClr val="FFFFFF"/>
+                </a:solidFill>
+              </a:rPr>
+              <a:t> </a:t>
+            </a:r>
+            <a:r>
+              <a:t>après</a:t>
+            </a:r>
+            <a:r>
+              <a:rPr>
+                <a:solidFill>
+                  <a:srgbClr val="FFFFFF"/>
+                </a:solidFill>
+              </a:rPr>
+              <a:t> le </a:t>
+            </a:r>
+            <a:r>
+              <a:t>forkall</a:t>
+            </a:r>
+            <a:r>
+              <a:rPr>
+                <a:solidFill>
+                  <a:srgbClr val="FFFFFF"/>
+                </a:solidFill>
+              </a:rPr>
+              <a:t>(). Si ce n’est pas un                                   </a:t>
+            </a:r>
+            <a:r>
+              <a:rPr>
+                <a:solidFill>
+                  <a:schemeClr val="accent1"/>
+                </a:solidFill>
+              </a:rPr>
+              <a:t>_</a:t>
+            </a:r>
+            <a:r>
+              <a:rPr>
+                <a:solidFill>
+                  <a:srgbClr val="FFFFFF"/>
+                </a:solidFill>
+              </a:rPr>
+              <a:t>comportement </a:t>
+            </a:r>
+            <a:r>
+              <a:t>souhaité, le process père doit se synchroniser avec de tels threads </a:t>
+            </a:r>
+            <a:r>
+              <a:rPr>
+                <a:solidFill>
+                  <a:schemeClr val="accent1"/>
+                </a:solidFill>
+              </a:rPr>
+              <a:t>_</a:t>
+            </a:r>
+            <a:r>
+              <a:t>avant </a:t>
+            </a:r>
+            <a:r>
+              <a:rPr>
+                <a:solidFill>
+                  <a:srgbClr val="FFFFFF"/>
+                </a:solidFill>
+              </a:rPr>
+              <a:t>d’appeler</a:t>
+            </a:r>
+            <a:r>
+              <a:t> forkall()</a:t>
+            </a:r>
+            <a:r>
+              <a:rPr>
+                <a:solidFill>
+                  <a:srgbClr val="FFFFFF"/>
+                </a:solidFill>
+              </a:rPr>
+              <a:t>.</a:t>
+            </a:r>
+          </a:p>
+        </p:txBody>
+      </p:sp>
+      <p:sp>
+        <p:nvSpPr>
+          <p:cNvPr id="654" name="Aller plus loin"/>
           <p:cNvSpPr txBox="1"/>
           <p:nvPr>
             <p:ph type="title"/>
@@ -23013,18 +23549,25 @@
         </p:nvSpPr>
         <p:spPr>
           <a:xfrm>
-            <a:off x="311699" y="1847849"/>
-            <a:ext cx="8520602" cy="1382703"/>
-          </a:xfrm>
-          <a:prstGeom prst="rect">
-            <a:avLst/>
-          </a:prstGeom>
-        </p:spPr>
-        <p:txBody>
-          <a:bodyPr/>
+            <a:off x="3227937" y="371138"/>
+            <a:ext cx="2688127" cy="538302"/>
+          </a:xfrm>
+          <a:prstGeom prst="rect">
+            <a:avLst/>
+          </a:prstGeom>
+          <a:solidFill>
+            <a:schemeClr val="accent2"/>
+          </a:solidFill>
+        </p:spPr>
+        <p:txBody>
+          <a:bodyPr anchor="ctr"/>
           <a:lstStyle>
-            <a:lvl1pPr defTabSz="731519">
-              <a:defRPr sz="9100"/>
+            <a:lvl1pPr algn="ctr" defTabSz="813816">
+              <a:defRPr sz="1900">
+                <a:solidFill>
+                  <a:schemeClr val="accent1"/>
+                </a:solidFill>
+              </a:defRPr>
             </a:lvl1pPr>
           </a:lstStyle>
           <a:p>
@@ -23074,658 +23617,7 @@
       </p:grpSpPr>
       <p:sp>
         <p:nvSpPr>
-          <p:cNvPr id="659" name="Google Shape;361;p30"/>
-          <p:cNvSpPr txBox="1"/>
-          <p:nvPr>
-            <p:ph type="body" idx="1"/>
-          </p:nvPr>
-        </p:nvSpPr>
-        <p:spPr>
-          <a:xfrm>
-            <a:off x="189653" y="348880"/>
-            <a:ext cx="8764693" cy="4445740"/>
-          </a:xfrm>
-          <a:prstGeom prst="rect">
-            <a:avLst/>
-          </a:prstGeom>
-        </p:spPr>
-        <p:txBody>
-          <a:bodyPr/>
-          <a:lstStyle/>
-          <a:p>
-            <a:pPr marL="0" indent="127000">
-              <a:buSzTx/>
-              <a:buNone/>
-              <a:defRPr sz="1400"/>
-            </a:pPr>
-            <a:r>
-              <a:t>L’ajout de la fonction </a:t>
-            </a:r>
-            <a:r>
-              <a:rPr>
-                <a:solidFill>
-                  <a:srgbClr val="FFF000"/>
-                </a:solidFill>
-              </a:rPr>
-              <a:t>forkall</a:t>
-            </a:r>
-            <a:r>
-              <a:t>() au standard a été </a:t>
-            </a:r>
-            <a:r>
-              <a:rPr>
-                <a:solidFill>
-                  <a:srgbClr val="FFF000"/>
-                </a:solidFill>
-              </a:rPr>
-              <a:t>rejeté</a:t>
-            </a:r>
-            <a:r>
-              <a:t>. La fonction</a:t>
-            </a:r>
-          </a:p>
-          <a:p>
-            <a:pPr marL="0" indent="127000">
-              <a:buSzTx/>
-              <a:buNone/>
-              <a:defRPr sz="1400">
-                <a:solidFill>
-                  <a:srgbClr val="FFF000"/>
-                </a:solidFill>
-              </a:defRPr>
-            </a:pPr>
-            <a:r>
-              <a:t>forkall</a:t>
-            </a:r>
-            <a:r>
-              <a:rPr>
-                <a:solidFill>
-                  <a:srgbClr val="FFFFFF"/>
-                </a:solidFill>
-              </a:rPr>
-              <a:t>() permet à tous les </a:t>
-            </a:r>
-            <a:r>
-              <a:t>threads</a:t>
-            </a:r>
-            <a:r>
-              <a:rPr>
-                <a:solidFill>
-                  <a:srgbClr val="FFFFFF"/>
-                </a:solidFill>
-              </a:rPr>
-              <a:t> du </a:t>
-            </a:r>
-            <a:r>
-              <a:t>parent</a:t>
-            </a:r>
-            <a:r>
-              <a:rPr>
-                <a:solidFill>
-                  <a:srgbClr val="FFFFFF"/>
-                </a:solidFill>
-              </a:rPr>
-              <a:t> d’être </a:t>
-            </a:r>
-            <a:r>
-              <a:t>dupliqués</a:t>
-            </a:r>
-            <a:r>
-              <a:rPr>
-                <a:solidFill>
-                  <a:srgbClr val="FFFFFF"/>
-                </a:solidFill>
-              </a:rPr>
-              <a:t> </a:t>
-            </a:r>
-            <a:r>
-              <a:t>dans</a:t>
-            </a:r>
-            <a:r>
-              <a:rPr>
-                <a:solidFill>
-                  <a:srgbClr val="FFFFFF"/>
-                </a:solidFill>
-              </a:rPr>
-              <a:t> </a:t>
-            </a:r>
-            <a:r>
-              <a:t>l’enfant</a:t>
-            </a:r>
-            <a:r>
-              <a:rPr>
-                <a:solidFill>
-                  <a:srgbClr val="FFFFFF"/>
-                </a:solidFill>
-              </a:rPr>
-              <a:t>. </a:t>
-            </a:r>
-          </a:p>
-          <a:p>
-            <a:pPr marL="0" indent="127000">
-              <a:buSzTx/>
-              <a:buNone/>
-              <a:defRPr sz="1400"/>
-            </a:pPr>
-            <a:r>
-              <a:t>Cela </a:t>
-            </a:r>
-            <a:r>
-              <a:rPr>
-                <a:solidFill>
-                  <a:srgbClr val="FFF000"/>
-                </a:solidFill>
-              </a:rPr>
-              <a:t>permet</a:t>
-            </a:r>
-            <a:r>
-              <a:t> aux </a:t>
-            </a:r>
-            <a:r>
-              <a:rPr>
-                <a:solidFill>
-                  <a:srgbClr val="FFF000"/>
-                </a:solidFill>
-              </a:rPr>
-              <a:t>threads</a:t>
-            </a:r>
-            <a:r>
-              <a:t> de </a:t>
-            </a:r>
-            <a:r>
-              <a:rPr>
-                <a:solidFill>
-                  <a:srgbClr val="FFF000"/>
-                </a:solidFill>
-              </a:rPr>
-              <a:t>l’enfant</a:t>
-            </a:r>
-            <a:r>
-              <a:t> de </a:t>
-            </a:r>
-            <a:r>
-              <a:rPr>
-                <a:solidFill>
-                  <a:srgbClr val="FFF000"/>
-                </a:solidFill>
-              </a:rPr>
-              <a:t>poursuivre</a:t>
-            </a:r>
-            <a:r>
-              <a:t> le </a:t>
-            </a:r>
-            <a:r>
-              <a:rPr>
-                <a:solidFill>
-                  <a:srgbClr val="FFF000"/>
-                </a:solidFill>
-              </a:rPr>
-              <a:t>traitement</a:t>
-            </a:r>
-            <a:r>
-              <a:t> et permet</a:t>
-            </a:r>
-          </a:p>
-          <a:p>
-            <a:pPr marL="0" indent="127000">
-              <a:buSzTx/>
-              <a:buNone/>
-              <a:defRPr sz="1400"/>
-            </a:pPr>
-            <a:r>
-              <a:t>de </a:t>
-            </a:r>
-            <a:r>
-              <a:rPr>
-                <a:solidFill>
-                  <a:srgbClr val="FFF000"/>
-                </a:solidFill>
-              </a:rPr>
-              <a:t>préserver</a:t>
-            </a:r>
-            <a:r>
-              <a:t> les </a:t>
-            </a:r>
-            <a:r>
-              <a:rPr>
-                <a:solidFill>
-                  <a:srgbClr val="FFF000"/>
-                </a:solidFill>
-              </a:rPr>
-              <a:t>verrous</a:t>
-            </a:r>
-            <a:r>
-              <a:t>.</a:t>
-            </a:r>
-          </a:p>
-          <a:p>
-            <a:pPr marL="0" indent="127000">
-              <a:buSzTx/>
-              <a:buNone/>
-              <a:defRPr sz="1400"/>
-            </a:pPr>
-          </a:p>
-          <a:p>
-            <a:pPr marL="0" indent="127000">
-              <a:buSzTx/>
-              <a:buNone/>
-              <a:defRPr sz="1400"/>
-            </a:pPr>
-          </a:p>
-          <a:p>
-            <a:pPr marL="0" indent="127000">
-              <a:buSzTx/>
-              <a:buNone/>
-              <a:defRPr sz="1400"/>
-            </a:pPr>
-            <a:r>
-              <a:t>Le </a:t>
-            </a:r>
-            <a:r>
-              <a:rPr>
-                <a:solidFill>
-                  <a:srgbClr val="FFF000"/>
-                </a:solidFill>
-              </a:rPr>
-              <a:t>parent</a:t>
-            </a:r>
-            <a:r>
-              <a:t> doit s’assurer que </a:t>
-            </a:r>
-            <a:r>
-              <a:rPr>
-                <a:solidFill>
-                  <a:srgbClr val="FFF000"/>
-                </a:solidFill>
-              </a:rPr>
-              <a:t>l’état</a:t>
-            </a:r>
-            <a:r>
-              <a:t> de </a:t>
-            </a:r>
-            <a:r>
-              <a:rPr>
-                <a:solidFill>
-                  <a:srgbClr val="FFF000"/>
-                </a:solidFill>
-              </a:rPr>
-              <a:t>traitement</a:t>
-            </a:r>
-            <a:r>
-              <a:t> des </a:t>
-            </a:r>
-            <a:r>
-              <a:rPr>
-                <a:solidFill>
-                  <a:srgbClr val="FFF000"/>
-                </a:solidFill>
-              </a:rPr>
-              <a:t>threads</a:t>
-            </a:r>
-          </a:p>
-          <a:p>
-            <a:pPr marL="0" indent="127000">
-              <a:buSzTx/>
-              <a:buNone/>
-              <a:defRPr sz="1400">
-                <a:solidFill>
-                  <a:srgbClr val="FFF000"/>
-                </a:solidFill>
-              </a:defRPr>
-            </a:pPr>
-            <a:r>
-              <a:t>partagé</a:t>
-            </a:r>
-            <a:r>
-              <a:rPr>
-                <a:solidFill>
-                  <a:srgbClr val="FFFFFF"/>
-                </a:solidFill>
-              </a:rPr>
-              <a:t> entre le </a:t>
-            </a:r>
-            <a:r>
-              <a:t>parent</a:t>
-            </a:r>
-            <a:r>
-              <a:rPr>
-                <a:solidFill>
-                  <a:srgbClr val="FFFFFF"/>
-                </a:solidFill>
-              </a:rPr>
-              <a:t> et </a:t>
-            </a:r>
-            <a:r>
-              <a:t>l’enfant</a:t>
-            </a:r>
-            <a:r>
-              <a:rPr>
-                <a:solidFill>
-                  <a:srgbClr val="FFFFFF"/>
-                </a:solidFill>
-              </a:rPr>
-              <a:t> se comporte correctement </a:t>
-            </a:r>
-            <a:r>
-              <a:t>après</a:t>
-            </a:r>
-            <a:r>
-              <a:rPr>
-                <a:solidFill>
-                  <a:srgbClr val="FFFFFF"/>
-                </a:solidFill>
-              </a:rPr>
-              <a:t> </a:t>
-            </a:r>
-            <a:r>
-              <a:t>forkall</a:t>
-            </a:r>
-            <a:r>
-              <a:rPr>
-                <a:solidFill>
-                  <a:srgbClr val="FFFFFF"/>
-                </a:solidFill>
-              </a:rPr>
-              <a:t>().</a:t>
-            </a:r>
-          </a:p>
-          <a:p>
-            <a:pPr marL="0" indent="127000">
-              <a:buSzTx/>
-              <a:buNone/>
-              <a:defRPr sz="1400"/>
-            </a:pPr>
-          </a:p>
-          <a:p>
-            <a:pPr marL="0" indent="127000">
-              <a:buSzTx/>
-              <a:buNone/>
-              <a:defRPr sz="1400"/>
-            </a:pPr>
-            <a:r>
-              <a:t>Par exemple, si un </a:t>
-            </a:r>
-            <a:r>
-              <a:rPr>
-                <a:solidFill>
-                  <a:srgbClr val="FFF000"/>
-                </a:solidFill>
-              </a:rPr>
-              <a:t>thread</a:t>
-            </a:r>
-            <a:r>
-              <a:t> </a:t>
-            </a:r>
-            <a:r>
-              <a:rPr>
-                <a:solidFill>
-                  <a:srgbClr val="FFF000"/>
-                </a:solidFill>
-              </a:rPr>
-              <a:t>lit</a:t>
-            </a:r>
-            <a:r>
-              <a:t> un </a:t>
-            </a:r>
-            <a:r>
-              <a:rPr>
-                <a:solidFill>
-                  <a:srgbClr val="FFF000"/>
-                </a:solidFill>
-              </a:rPr>
-              <a:t>descripteur</a:t>
-            </a:r>
-            <a:r>
-              <a:t> </a:t>
-            </a:r>
-            <a:r>
-              <a:rPr>
-                <a:solidFill>
-                  <a:srgbClr val="FFF000"/>
-                </a:solidFill>
-              </a:rPr>
-              <a:t>de fichier</a:t>
-            </a:r>
-            <a:r>
-              <a:t> dans le </a:t>
-            </a:r>
-            <a:r>
-              <a:rPr>
-                <a:solidFill>
-                  <a:srgbClr val="FFF000"/>
-                </a:solidFill>
-              </a:rPr>
-              <a:t>parent</a:t>
-            </a:r>
-          </a:p>
-          <a:p>
-            <a:pPr marL="0" indent="127000">
-              <a:buSzTx/>
-              <a:buNone/>
-              <a:defRPr sz="1400"/>
-            </a:pPr>
-            <a:r>
-              <a:t>lorsque </a:t>
-            </a:r>
-            <a:r>
-              <a:rPr>
-                <a:solidFill>
-                  <a:srgbClr val="FFF000"/>
-                </a:solidFill>
-              </a:rPr>
-              <a:t>forkall</a:t>
-            </a:r>
-            <a:r>
-              <a:t>() est appelée, </a:t>
-            </a:r>
-            <a:r>
-              <a:rPr>
-                <a:solidFill>
-                  <a:srgbClr val="FFF000"/>
-                </a:solidFill>
-              </a:rPr>
-              <a:t>alors</a:t>
-            </a:r>
-            <a:r>
-              <a:t> </a:t>
-            </a:r>
-            <a:r>
-              <a:rPr>
-                <a:solidFill>
-                  <a:srgbClr val="FFF000"/>
-                </a:solidFill>
-              </a:rPr>
-              <a:t>deux</a:t>
-            </a:r>
-            <a:r>
-              <a:t> </a:t>
-            </a:r>
-            <a:r>
-              <a:rPr>
-                <a:solidFill>
-                  <a:srgbClr val="FFF000"/>
-                </a:solidFill>
-              </a:rPr>
-              <a:t>threads</a:t>
-            </a:r>
-            <a:r>
-              <a:t> (un dans le </a:t>
-            </a:r>
-            <a:r>
-              <a:rPr>
-                <a:solidFill>
-                  <a:srgbClr val="FFF000"/>
-                </a:solidFill>
-              </a:rPr>
-              <a:t>parent</a:t>
-            </a:r>
-            <a:r>
-              <a:t> et un dans </a:t>
-            </a:r>
-            <a:r>
-              <a:rPr>
-                <a:solidFill>
-                  <a:srgbClr val="FFF000"/>
-                </a:solidFill>
-              </a:rPr>
-              <a:t>l’enfant</a:t>
-            </a:r>
-            <a:r>
-              <a:t>)</a:t>
-            </a:r>
-          </a:p>
-          <a:p>
-            <a:pPr marL="0" indent="127000">
-              <a:buSzTx/>
-              <a:buNone/>
-              <a:defRPr sz="1400">
-                <a:solidFill>
-                  <a:srgbClr val="FFF000"/>
-                </a:solidFill>
-              </a:defRPr>
-            </a:pPr>
-            <a:r>
-              <a:t>lisent</a:t>
-            </a:r>
-            <a:r>
-              <a:rPr>
-                <a:solidFill>
-                  <a:srgbClr val="FFFFFF"/>
-                </a:solidFill>
-              </a:rPr>
-              <a:t> le fichier </a:t>
-            </a:r>
-            <a:r>
-              <a:t>filedescriptor</a:t>
-            </a:r>
-            <a:r>
-              <a:rPr>
-                <a:solidFill>
-                  <a:srgbClr val="FFFFFF"/>
-                </a:solidFill>
-              </a:rPr>
-              <a:t> </a:t>
-            </a:r>
-            <a:r>
-              <a:t>après</a:t>
-            </a:r>
-            <a:r>
-              <a:rPr>
-                <a:solidFill>
-                  <a:srgbClr val="FFFFFF"/>
-                </a:solidFill>
-              </a:rPr>
-              <a:t> le </a:t>
-            </a:r>
-            <a:r>
-              <a:t>forkall</a:t>
-            </a:r>
-            <a:r>
-              <a:rPr>
-                <a:solidFill>
-                  <a:srgbClr val="FFFFFF"/>
-                </a:solidFill>
-              </a:rPr>
-              <a:t>(). Si ce n’est pas un comportement</a:t>
-            </a:r>
-          </a:p>
-          <a:p>
-            <a:pPr marL="0" indent="127000">
-              <a:buSzTx/>
-              <a:buNone/>
-              <a:defRPr sz="1400"/>
-            </a:pPr>
-            <a:r>
-              <a:t>souhaité, le processus parent doit se synchroniser avec de tels threads avant</a:t>
-            </a:r>
-          </a:p>
-          <a:p>
-            <a:pPr marL="0" indent="127000">
-              <a:buSzTx/>
-              <a:buNone/>
-              <a:defRPr sz="1400"/>
-            </a:pPr>
-            <a:r>
-              <a:t>d’appeler forkall().</a:t>
-            </a:r>
-          </a:p>
-        </p:txBody>
-      </p:sp>
-      <p:sp>
-        <p:nvSpPr>
-          <p:cNvPr id="660" name="Google Shape;363;p30"/>
-          <p:cNvSpPr/>
-          <p:nvPr/>
-        </p:nvSpPr>
-        <p:spPr>
-          <a:xfrm>
-            <a:off x="7524760" y="3887591"/>
-            <a:ext cx="1619277" cy="241322"/>
-          </a:xfrm>
-          <a:prstGeom prst="rect">
-            <a:avLst/>
-          </a:prstGeom>
-          <a:solidFill>
-            <a:schemeClr val="accent2"/>
-          </a:solidFill>
-          <a:ln w="12700">
-            <a:miter lim="400000"/>
-          </a:ln>
-        </p:spPr>
-        <p:txBody>
-          <a:bodyPr lIns="45718" tIns="45718" rIns="45718" bIns="45718" anchor="ctr"/>
-          <a:lstStyle/>
-          <a:p>
-            <a:pPr>
-              <a:defRPr sz="1400">
-                <a:solidFill>
-                  <a:srgbClr val="000000"/>
-                </a:solidFill>
-              </a:defRPr>
-            </a:pPr>
-          </a:p>
-        </p:txBody>
-      </p:sp>
-    </p:spTree>
-  </p:cSld>
-  <p:clrMapOvr>
-    <a:masterClrMapping/>
-  </p:clrMapOvr>
-  <mc:AlternateContent xmlns:mc="http://schemas.openxmlformats.org/markup-compatibility/2006">
-    <mc:Choice xmlns:p14="http://schemas.microsoft.com/office/powerpoint/2010/main" Requires="p14">
-      <p:transition spd="slow" advClick="1" p14:dur="2000">
-        <p:dissolve/>
-      </p:transition>
-    </mc:Choice>
-    <mc:Fallback>
-      <p:transition spd="slow">
-        <p:fade/>
-      </p:transition>
-    </mc:Fallback>
-  </mc:AlternateContent>
-</p:sld>
-</file>
-
-<file path=ppt/slides/slide29.xml><?xml version="1.0" encoding="utf-8"?>
-<p:sld xmlns:a="http://schemas.openxmlformats.org/drawingml/2006/main" xmlns:r="http://schemas.openxmlformats.org/officeDocument/2006/relationships" xmlns:p="http://schemas.openxmlformats.org/presentationml/2006/main" xmlns:m="http://schemas.openxmlformats.org/officeDocument/2006/math" xmlns:a14="http://schemas.microsoft.com/office/drawing/2010/main" showMasterSp="1" showMasterPhAnim="1">
-  <p:cSld>
-    <p:spTree>
-      <p:nvGrpSpPr>
-        <p:cNvPr id="1" name=""/>
-        <p:cNvGrpSpPr/>
-        <p:nvPr/>
-      </p:nvGrpSpPr>
-      <p:grpSpPr>
-        <a:xfrm>
-          <a:off x="0" y="0"/>
-          <a:ext cx="0" cy="0"/>
-          <a:chOff x="0" y="0"/>
-          <a:chExt cx="0" cy="0"/>
-        </a:xfrm>
-      </p:grpSpPr>
-      <p:sp>
-        <p:nvSpPr>
-          <p:cNvPr id="662" name="Google Shape;898;p52"/>
+          <p:cNvPr id="656" name="Google Shape;898;p52"/>
           <p:cNvSpPr txBox="1"/>
           <p:nvPr>
             <p:ph type="title"/>
@@ -23733,8 +23625,8 @@
         </p:nvSpPr>
         <p:spPr>
           <a:xfrm>
-            <a:off x="1797393" y="766114"/>
-            <a:ext cx="5549214" cy="1825414"/>
+            <a:off x="1797393" y="766113"/>
+            <a:ext cx="5549214" cy="1825415"/>
           </a:xfrm>
           <a:prstGeom prst="rect">
             <a:avLst/>
@@ -23927,7 +23819,7 @@
           <a:blip r:embed="rId2">
             <a:extLst/>
           </a:blip>
-          <a:srcRect l="24495" t="18187" r="9353" b="4812"/>
+          <a:srcRect l="24495" t="18187" r="9352" b="4811"/>
           <a:stretch>
             <a:fillRect/>
           </a:stretch>
@@ -23950,13 +23842,13 @@
           <p:cNvPr id="446" name="Google Shape;361;p30"/>
           <p:cNvSpPr txBox="1"/>
           <p:nvPr>
-            <p:ph type="body" sz="half" idx="1"/>
+            <p:ph type="body" idx="1"/>
           </p:nvPr>
         </p:nvSpPr>
         <p:spPr>
           <a:xfrm>
-            <a:off x="609498" y="1973023"/>
-            <a:ext cx="6915254" cy="2130902"/>
+            <a:off x="499329" y="1752686"/>
+            <a:ext cx="7693727" cy="3170117"/>
           </a:xfrm>
           <a:prstGeom prst="rect">
             <a:avLst/>
@@ -23969,7 +23861,7 @@
             <a:pPr marL="0" indent="90943" defTabSz="654800">
               <a:buSzTx/>
               <a:buNone/>
-              <a:defRPr sz="1209"/>
+              <a:defRPr sz="1581"/>
             </a:pPr>
             <a:r>
               <a:t>fork(), vfork() et clone() permettent de créer des process s’exécutant sur un OS.</a:t>
@@ -23979,34 +23871,41 @@
             <a:pPr marL="0" indent="90943" defTabSz="654800">
               <a:buSzTx/>
               <a:buNone/>
-              <a:defRPr sz="1209"/>
+              <a:defRPr sz="1581"/>
             </a:pPr>
           </a:p>
           <a:p>
             <a:pPr marL="0" indent="90943" defTabSz="654800">
               <a:buSzTx/>
               <a:buNone/>
-              <a:defRPr sz="1209"/>
-            </a:pPr>
-            <a:r>
-              <a:t>Au  démarrage d’un système UNIX (norme POSIX (Portable Operating System Interface et le X exprime l’héritage UNIX)), un seul processus existe. UNIX est une famille de normes techniques définie depuis 1988 par l’Institute of Electrical and Electronics Engineers (IEEE), et formellement désignée par IEEE 1003. Ces normes ont émergé d’un projet de standardisation des interfaces de programmation des logiciels destinés à fonctionner sur les variantes du système d’exploitation UNIX).</a:t>
+              <a:defRPr sz="1581"/>
+            </a:pPr>
+            <a:r>
+              <a:t>Au  démarrage d’un système UNIX (norme POSIX (Portable Operating System Interface et le X exprime l’héritage UNIX)), un seul process existe. UNIX est une famille de normes techniques définie depuis 1988 par l’Institute of Electrical and Electronics Engineers (IEEE), et formellement désignée par IEEE 1003. Ces normes ont émergé d’un projet de standardisation des interfaces de programmation des logiciels destinés à fonctionner sur les variantes du système d’exploitation UNIX.</a:t>
             </a:r>
           </a:p>
           <a:p>
             <a:pPr marL="0" indent="90943" defTabSz="654800">
               <a:buSzTx/>
               <a:buNone/>
-              <a:defRPr sz="1209"/>
-            </a:pPr>
-            <a:r>
-              <a:t>Il porte le PID 1 et est souvent nommé ’init’.</a:t>
-            </a:r>
+              <a:defRPr sz="1581"/>
+            </a:pPr>
           </a:p>
           <a:p>
             <a:pPr marL="0" indent="90943" defTabSz="654800">
               <a:buSzTx/>
               <a:buNone/>
-              <a:defRPr sz="1209"/>
+              <a:defRPr sz="1581"/>
+            </a:pPr>
+            <a:r>
+              <a:t>Le process existant au démarrage porte le PID 1 et est souvent nommé ’init’.</a:t>
+            </a:r>
+          </a:p>
+          <a:p>
+            <a:pPr marL="0" indent="90943" defTabSz="654800">
+              <a:buSzTx/>
+              <a:buNone/>
+              <a:defRPr sz="1581"/>
             </a:pPr>
             <a:r>
               <a:t>Init va donc créer d’autres process au moyen d’appels systèmes tels que fork(), vfork(), clone(),…</a:t>
@@ -24158,8 +24057,8 @@
         </p:nvSpPr>
         <p:spPr>
           <a:xfrm flipH="1">
-            <a:off x="7903723" y="1829923"/>
-            <a:ext cx="407860" cy="179700"/>
+            <a:off x="7903722" y="1829923"/>
+            <a:ext cx="407861" cy="179700"/>
           </a:xfrm>
           <a:prstGeom prst="rect">
             <a:avLst/>
@@ -24196,7 +24095,7 @@
         <p:spPr>
           <a:xfrm flipH="1">
             <a:off x="1187624" y="3498425"/>
-            <a:ext cx="218364" cy="179600"/>
+            <a:ext cx="218364" cy="179601"/>
           </a:xfrm>
           <a:prstGeom prst="rect">
             <a:avLst/>
@@ -24233,7 +24132,7 @@
         <p:spPr>
           <a:xfrm flipH="1">
             <a:off x="1082119" y="2126825"/>
-            <a:ext cx="323908" cy="179600"/>
+            <a:ext cx="323908" cy="179601"/>
           </a:xfrm>
           <a:prstGeom prst="rect">
             <a:avLst/>
@@ -24268,7 +24167,7 @@
         <p:spPr>
           <a:xfrm>
             <a:off x="7737378" y="3498425"/>
-            <a:ext cx="407812" cy="179600"/>
+            <a:ext cx="407812" cy="179601"/>
           </a:xfrm>
           <a:prstGeom prst="rect">
             <a:avLst/>
@@ -24305,7 +24204,7 @@
         <p:spPr>
           <a:xfrm flipH="1">
             <a:off x="7734273" y="2126825"/>
-            <a:ext cx="218406" cy="179600"/>
+            <a:ext cx="218406" cy="179601"/>
           </a:xfrm>
           <a:prstGeom prst="rect">
             <a:avLst/>
@@ -24524,7 +24423,7 @@
               <a:defRPr sz="1300"/>
             </a:pPr>
             <a:r>
-              <a:t>1969 -&gt; années 1990</a:t>
+              <a:t>1969 -&gt; C : années 1990</a:t>
             </a:r>
           </a:p>
           <a:p>
@@ -24642,7 +24541,7 @@
               </a:defRPr>
             </a:pPr>
             <a:r>
-              <a:t>-1, 0 ou PID du fils</a:t>
+              <a:t>-1, 0 ou PID du fils (pour le père)</a:t>
             </a:r>
           </a:p>
         </p:txBody>
@@ -24738,7 +24637,7 @@
           <a:p>
             <a:pPr/>
             <a:r>
-              <a:t>Fils = copie exacte sauf pour quelques points</a:t>
+              <a:t>Fils = copie exacte du père sauf pour quelques points</a:t>
             </a:r>
           </a:p>
         </p:txBody>
@@ -24997,7 +24896,7 @@
         <p:spPr>
           <a:xfrm flipH="1">
             <a:off x="514320" y="3498425"/>
-            <a:ext cx="570156" cy="179600"/>
+            <a:ext cx="570156" cy="179601"/>
           </a:xfrm>
           <a:prstGeom prst="rect">
             <a:avLst/>
@@ -25137,7 +25036,7 @@
         <p:spPr>
           <a:xfrm flipH="1">
             <a:off x="8071052" y="2126825"/>
-            <a:ext cx="570068" cy="179600"/>
+            <a:ext cx="570068" cy="179601"/>
           </a:xfrm>
           <a:prstGeom prst="rect">
             <a:avLst/>
@@ -25243,7 +25142,7 @@
           <a:p>
             <a:pPr/>
             <a:r>
-              <a:t>Création avec copie du processus parent</a:t>
+              <a:t>Création avec copie du process père</a:t>
             </a:r>
           </a:p>
         </p:txBody>
@@ -25788,7 +25687,7 @@
           <p:spPr>
             <a:xfrm>
               <a:off x="4" y="313466"/>
-              <a:ext cx="142397" cy="142291"/>
+              <a:ext cx="142397" cy="142292"/>
             </a:xfrm>
             <a:custGeom>
               <a:avLst/>
@@ -26417,7 +26316,7 @@
             <a:off x="7190733" y="1989700"/>
             <a:ext cx="431785" cy="457168"/>
             <a:chOff x="0" y="0"/>
-            <a:chExt cx="431784" cy="457167"/>
+            <a:chExt cx="431783" cy="457167"/>
           </a:xfrm>
         </p:grpSpPr>
         <p:sp>
@@ -26928,7 +26827,7 @@
           <p:spPr>
             <a:xfrm>
               <a:off x="133811" y="235969"/>
-              <a:ext cx="297974" cy="199573"/>
+              <a:ext cx="297973" cy="199573"/>
             </a:xfrm>
             <a:custGeom>
               <a:avLst/>
@@ -27132,28 +27031,28 @@
           <a:bodyPr/>
           <a:lstStyle/>
           <a:p>
-            <a:pPr indent="0"/>
+            <a:pPr/>
             <a:r>
               <a:t>#include &lt;unistd.h&gt;</a:t>
             </a:r>
           </a:p>
           <a:p>
-            <a:pPr indent="0"/>
-          </a:p>
-          <a:p>
-            <a:pPr indent="0"/>
+            <a:pPr/>
+          </a:p>
+          <a:p>
+            <a:pPr/>
             <a:r>
               <a:t>pid_t fork(void);</a:t>
             </a:r>
           </a:p>
           <a:p>
-            <a:pPr indent="0"/>
-          </a:p>
-          <a:p>
-            <a:pPr indent="0"/>
-          </a:p>
-          <a:p>
-            <a:pPr indent="0"/>
+            <a:pPr/>
+          </a:p>
+          <a:p>
+            <a:pPr/>
+          </a:p>
+          <a:p>
+            <a:pPr/>
             <a:r>
               <a:t>(pid_t n’a pas besoin de cast pour être utilisé comme un int)</a:t>
             </a:r>
@@ -27202,13 +27101,13 @@
           <p:cNvPr id="495" name="Google Shape;361;p30"/>
           <p:cNvSpPr txBox="1"/>
           <p:nvPr>
-            <p:ph type="body" sz="half" idx="1"/>
+            <p:ph type="body" idx="1"/>
           </p:nvPr>
         </p:nvSpPr>
         <p:spPr>
           <a:xfrm>
             <a:off x="363435" y="1756648"/>
-            <a:ext cx="6915254" cy="2674200"/>
+            <a:ext cx="7341823" cy="2991150"/>
           </a:xfrm>
           <a:prstGeom prst="rect">
             <a:avLst/>
@@ -27238,7 +27137,14 @@
               <a:t>temps</a:t>
             </a:r>
             <a:r>
-              <a:t> et la mémoire nécessaire pour dupliquer la </a:t>
+              <a:t> et la </a:t>
+            </a:r>
+            <a:r>
+              <a:rPr u="sng"/>
+              <a:t>mémoire</a:t>
+            </a:r>
+            <a:r>
+              <a:t> nécessaire pour dupliquer la </a:t>
             </a:r>
             <a:r>
               <a:rPr u="sng"/>
@@ -27286,7 +27192,7 @@
               <a:defRPr sz="1350"/>
             </a:pPr>
             <a:r>
-              <a:t>return pid_t -&gt; int -&gt; aussi utilisée pour ≠ père - fils</a:t>
+              <a:t>return pid_t -&gt; int -&gt; aussi utilisée pour ≠ père - fils ou indiquer une erreur.</a:t>
             </a:r>
           </a:p>
           <a:p>
@@ -27313,10 +27219,27 @@
               <a:defRPr sz="1350"/>
             </a:pPr>
             <a:r>
-              <a:t>Pr perds et conventions, f</a:t>
-            </a:r>
-            <a:r>
-              <a:t>ils peut pas devenir zombie 🧟‍♂️ -&gt; 😵 -&gt; père utilise pid_t wait(int *ptr_state) pour attendre son fils et éviter d’en créer un 🧟‍♂️.</a:t>
+              <a:t>Pr perfs et conventions, f</a:t>
+            </a:r>
+            <a:r>
+              <a:t>ils peut pas devenir zombie 🧟‍♂️ -&gt; 😵 -&gt; père utilise l’appel à pid_t wait(int *ptr_state) pour attendre son fils et éviter d’en créer un 🧟‍♂️</a:t>
+            </a:r>
+          </a:p>
+          <a:p>
+            <a:pPr marL="0" indent="98298" defTabSz="707745">
+              <a:buSzTx/>
+              <a:buNone/>
+              <a:defRPr sz="1350"/>
+            </a:pPr>
+          </a:p>
+          <a:p>
+            <a:pPr marL="0" indent="98298" defTabSz="707745">
+              <a:buSzTx/>
+              <a:buNone/>
+              <a:defRPr sz="1350"/>
+            </a:pPr>
+            <a:r>
+              <a:t>Si le fils en devient un, il sera récupéré par init pour la suite de sa gestion.</a:t>
             </a:r>
           </a:p>
         </p:txBody>
@@ -27449,7 +27372,7 @@
               <a:defRPr sz="1600"/>
             </a:pPr>
             <a:r>
-              <a:t>L’enfant a son propre ID de processus unique, et ce PID est unique</a:t>
+              <a:t>Le fils a son propre ID de process unique, et ce PID est unique</a:t>
             </a:r>
           </a:p>
           <a:p>
@@ -27460,7 +27383,7 @@
               <a:defRPr sz="1600"/>
             </a:pPr>
             <a:r>
-              <a:t>L’enfant n’hérite pas des threads de son père et n’en crée pas de nouveaux. (’cat /proc/$PID/status’ -&gt; section ’Threads’ ou ’Thr’)</a:t>
+              <a:t>Le fils n’hérite pas des threads de son père et n’en crée pas de nouveaux. (’cat /proc/$PID/status’ -&gt; section ’Threads’ ou ’Thr’)</a:t>
             </a:r>
           </a:p>
           <a:p>
@@ -27471,7 +27394,7 @@
               <a:defRPr sz="1600"/>
             </a:pPr>
             <a:r>
-              <a:t>L’enfant n’hérite pas des verrous de mémoire de son parent</a:t>
+              <a:t>Le fils n’hérite pas des verrous de mémoire de son père</a:t>
             </a:r>
           </a:p>
           <a:p>
@@ -27482,7 +27405,7 @@
               <a:defRPr sz="1600"/>
             </a:pPr>
             <a:r>
-              <a:t>La table des signaux est remise à 0 pour l’enfant : ceci peut être faux en fonction de l’environnement (sur PopOS, MacOS ARM, MacOS Intel, machine virtuelle sur Mac,..., la table des signaux n’est pas remise à 0).</a:t>
+              <a:t>La table des signaux est remise à 0 pour le fils : ceci peut être faux en fonction de l’environnement (sur PopOS, MacOS ARM, MacOS Intel, machine virtuelle sur Mac,..., la table des signaux n’est pas remise à 0).</a:t>
             </a:r>
           </a:p>
         </p:txBody>
@@ -28098,7 +28021,7 @@
               </a:defRPr>
             </a:pPr>
             <a:r>
-              <a:t>Aucune modif de mémoire directe + exécution immédiate d’un nouveau processus -&gt; inutile de copier toute la mémoire du processus -&gt; COW utilisée</a:t>
+              <a:t>Aucune modif directe de mémoire + exécution immédiate d’un nouveau process -&gt; inutile de copier toute la mémoire du process -&gt; COW utilisée</a:t>
             </a:r>
             <a:endParaRPr>
               <a:latin typeface="Charter Roman"/>
@@ -28203,7 +28126,7 @@
               <a:t> </a:t>
             </a:r>
             <a:r>
-              <a:t>références et effectue l’écriture.                                  Ce chgmnt pas visible par un ô process.</a:t>
+              <a:t>références aux pages de la mémoire et               effectue l’écriture. Ce chgmnt pas visible par un ô process.</a:t>
             </a:r>
           </a:p>
         </p:txBody>

--- a/Août/MOLS_FORK_VFORK_CLONE/Documents/MOLS_FORK_VFORK_CLONE.pptx
+++ b/Août/MOLS_FORK_VFORK_CLONE/Documents/MOLS_FORK_VFORK_CLONE.pptx
@@ -36,6 +36,8 @@
     <p:sldId id="281" r:id="rId33"/>
     <p:sldId id="282" r:id="rId34"/>
     <p:sldId id="283" r:id="rId35"/>
+    <p:sldId id="284" r:id="rId36"/>
+    <p:sldId id="285" r:id="rId37"/>
   </p:sldIdLst>
   <p:sldSz cx="9144000" cy="5143500"/>
   <p:notesSz cx="6858000" cy="9144000"/>
@@ -13060,7 +13062,7 @@
       </p:grpSpPr>
       <p:sp>
         <p:nvSpPr>
-          <p:cNvPr id="515" name="Google Shape;452;p36"/>
+          <p:cNvPr id="517" name="Google Shape;452;p36"/>
           <p:cNvSpPr txBox="1"/>
           <p:nvPr>
             <p:ph type="title"/>
@@ -13092,7 +13094,7 @@
       </p:sp>
       <p:sp>
         <p:nvSpPr>
-          <p:cNvPr id="516" name="Google Shape;453;p36"/>
+          <p:cNvPr id="518" name="Google Shape;453;p36"/>
           <p:cNvSpPr txBox="1"/>
           <p:nvPr>
             <p:ph type="body" sz="half" idx="1"/>
@@ -13177,7 +13179,7 @@
       </p:grpSpPr>
       <p:sp>
         <p:nvSpPr>
-          <p:cNvPr id="518" name="Google Shape;452;p36"/>
+          <p:cNvPr id="520" name="Google Shape;452;p36"/>
           <p:cNvSpPr txBox="1"/>
           <p:nvPr>
             <p:ph type="title"/>
@@ -13205,7 +13207,7 @@
       </p:sp>
       <p:sp>
         <p:nvSpPr>
-          <p:cNvPr id="519" name="Google Shape;453;p36"/>
+          <p:cNvPr id="521" name="Google Shape;453;p36"/>
           <p:cNvSpPr txBox="1"/>
           <p:nvPr>
             <p:ph type="body" sz="half" idx="1"/>
@@ -13279,7 +13281,7 @@
       </p:grpSpPr>
       <p:sp>
         <p:nvSpPr>
-          <p:cNvPr id="521" name="Google Shape;507;p38"/>
+          <p:cNvPr id="523" name="Google Shape;507;p38"/>
           <p:cNvSpPr txBox="1"/>
           <p:nvPr>
             <p:ph type="title"/>
@@ -13348,7 +13350,7 @@
       </p:grpSpPr>
       <p:sp>
         <p:nvSpPr>
-          <p:cNvPr id="523" name="Google Shape;386;p34"/>
+          <p:cNvPr id="525" name="Google Shape;386;p34"/>
           <p:cNvSpPr txBox="1"/>
           <p:nvPr>
             <p:ph type="title"/>
@@ -13384,7 +13386,7 @@
       </p:sp>
       <p:sp>
         <p:nvSpPr>
-          <p:cNvPr id="524" name="Google Shape;387;p34"/>
+          <p:cNvPr id="526" name="Google Shape;387;p34"/>
           <p:cNvSpPr/>
           <p:nvPr/>
         </p:nvSpPr>
@@ -13421,7 +13423,7 @@
       </p:sp>
       <p:sp>
         <p:nvSpPr>
-          <p:cNvPr id="525" name="Google Shape;388;p34"/>
+          <p:cNvPr id="527" name="Google Shape;388;p34"/>
           <p:cNvSpPr/>
           <p:nvPr/>
         </p:nvSpPr>
@@ -13458,7 +13460,7 @@
       </p:sp>
       <p:sp>
         <p:nvSpPr>
-          <p:cNvPr id="526" name="Google Shape;389;p34"/>
+          <p:cNvPr id="528" name="Google Shape;389;p34"/>
           <p:cNvSpPr/>
           <p:nvPr/>
         </p:nvSpPr>
@@ -13493,7 +13495,7 @@
       </p:sp>
       <p:sp>
         <p:nvSpPr>
-          <p:cNvPr id="527" name="Google Shape;390;p34"/>
+          <p:cNvPr id="529" name="Google Shape;390;p34"/>
           <p:cNvSpPr/>
           <p:nvPr/>
         </p:nvSpPr>
@@ -13530,7 +13532,7 @@
       </p:sp>
       <p:sp>
         <p:nvSpPr>
-          <p:cNvPr id="528" name="Google Shape;391;p34"/>
+          <p:cNvPr id="530" name="Google Shape;391;p34"/>
           <p:cNvSpPr/>
           <p:nvPr/>
         </p:nvSpPr>
@@ -13565,7 +13567,7 @@
       </p:sp>
       <p:sp>
         <p:nvSpPr>
-          <p:cNvPr id="529" name="Google Shape;392;p34"/>
+          <p:cNvPr id="531" name="Google Shape;392;p34"/>
           <p:cNvSpPr/>
           <p:nvPr/>
         </p:nvSpPr>
@@ -13602,7 +13604,7 @@
       </p:sp>
       <p:sp>
         <p:nvSpPr>
-          <p:cNvPr id="530" name="Google Shape;393;p34"/>
+          <p:cNvPr id="532" name="Google Shape;393;p34"/>
           <p:cNvSpPr/>
           <p:nvPr/>
         </p:nvSpPr>
@@ -13637,7 +13639,7 @@
       </p:sp>
       <p:sp>
         <p:nvSpPr>
-          <p:cNvPr id="531" name="Google Shape;394;p34"/>
+          <p:cNvPr id="533" name="Google Shape;394;p34"/>
           <p:cNvSpPr txBox="1"/>
           <p:nvPr/>
         </p:nvSpPr>
@@ -13685,7 +13687,7 @@
       </p:sp>
       <p:sp>
         <p:nvSpPr>
-          <p:cNvPr id="532" name="Google Shape;395;p34"/>
+          <p:cNvPr id="534" name="Google Shape;395;p34"/>
           <p:cNvSpPr txBox="1"/>
           <p:nvPr/>
         </p:nvSpPr>
@@ -13733,7 +13735,7 @@
       </p:sp>
       <p:sp>
         <p:nvSpPr>
-          <p:cNvPr id="533" name="Google Shape;396;p34"/>
+          <p:cNvPr id="535" name="Google Shape;396;p34"/>
           <p:cNvSpPr txBox="1"/>
           <p:nvPr>
             <p:ph type="body" sz="quarter" idx="1"/>
@@ -13779,7 +13781,7 @@
       </p:sp>
       <p:sp>
         <p:nvSpPr>
-          <p:cNvPr id="534" name="Google Shape;397;p34"/>
+          <p:cNvPr id="536" name="Google Shape;397;p34"/>
           <p:cNvSpPr txBox="1"/>
           <p:nvPr/>
         </p:nvSpPr>
@@ -13827,7 +13829,7 @@
       </p:sp>
       <p:sp>
         <p:nvSpPr>
-          <p:cNvPr id="535" name="Google Shape;398;p34"/>
+          <p:cNvPr id="537" name="Google Shape;398;p34"/>
           <p:cNvSpPr txBox="1"/>
           <p:nvPr/>
         </p:nvSpPr>
@@ -13889,7 +13891,7 @@
       </p:sp>
       <p:sp>
         <p:nvSpPr>
-          <p:cNvPr id="536" name="Google Shape;399;p34"/>
+          <p:cNvPr id="538" name="Google Shape;399;p34"/>
           <p:cNvSpPr txBox="1"/>
           <p:nvPr/>
         </p:nvSpPr>
@@ -13937,7 +13939,7 @@
       </p:sp>
       <p:sp>
         <p:nvSpPr>
-          <p:cNvPr id="537" name="Google Shape;400;p34"/>
+          <p:cNvPr id="539" name="Google Shape;400;p34"/>
           <p:cNvSpPr txBox="1"/>
           <p:nvPr/>
         </p:nvSpPr>
@@ -13999,7 +14001,7 @@
       </p:sp>
       <p:sp>
         <p:nvSpPr>
-          <p:cNvPr id="538" name="Google Shape;401;p34"/>
+          <p:cNvPr id="540" name="Google Shape;401;p34"/>
           <p:cNvSpPr/>
           <p:nvPr/>
         </p:nvSpPr>
@@ -14034,7 +14036,7 @@
       </p:sp>
       <p:sp>
         <p:nvSpPr>
-          <p:cNvPr id="539" name="Google Shape;402;p34"/>
+          <p:cNvPr id="541" name="Google Shape;402;p34"/>
           <p:cNvSpPr/>
           <p:nvPr/>
         </p:nvSpPr>
@@ -14069,7 +14071,7 @@
       </p:sp>
       <p:sp>
         <p:nvSpPr>
-          <p:cNvPr id="540" name="Google Shape;403;p34"/>
+          <p:cNvPr id="542" name="Google Shape;403;p34"/>
           <p:cNvSpPr/>
           <p:nvPr/>
         </p:nvSpPr>
@@ -14104,7 +14106,7 @@
       </p:sp>
       <p:sp>
         <p:nvSpPr>
-          <p:cNvPr id="541" name="Google Shape;404;p34"/>
+          <p:cNvPr id="543" name="Google Shape;404;p34"/>
           <p:cNvSpPr/>
           <p:nvPr/>
         </p:nvSpPr>
@@ -14139,7 +14141,7 @@
       </p:sp>
       <p:sp>
         <p:nvSpPr>
-          <p:cNvPr id="542" name="Google Shape;405;p34"/>
+          <p:cNvPr id="544" name="Google Shape;405;p34"/>
           <p:cNvSpPr/>
           <p:nvPr/>
         </p:nvSpPr>
@@ -14174,7 +14176,7 @@
       </p:sp>
       <p:sp>
         <p:nvSpPr>
-          <p:cNvPr id="543" name="Google Shape;406;p34"/>
+          <p:cNvPr id="545" name="Google Shape;406;p34"/>
           <p:cNvSpPr/>
           <p:nvPr/>
         </p:nvSpPr>
@@ -14209,7 +14211,7 @@
       </p:sp>
       <p:sp>
         <p:nvSpPr>
-          <p:cNvPr id="544" name="Google Shape;407;p34"/>
+          <p:cNvPr id="546" name="Google Shape;407;p34"/>
           <p:cNvSpPr/>
           <p:nvPr/>
         </p:nvSpPr>
@@ -14244,7 +14246,7 @@
       </p:sp>
       <p:sp>
         <p:nvSpPr>
-          <p:cNvPr id="545" name="Google Shape;408;p34"/>
+          <p:cNvPr id="547" name="Google Shape;408;p34"/>
           <p:cNvSpPr/>
           <p:nvPr/>
         </p:nvSpPr>
@@ -14279,7 +14281,7 @@
       </p:sp>
       <p:sp>
         <p:nvSpPr>
-          <p:cNvPr id="546" name="Google Shape;409;p34"/>
+          <p:cNvPr id="548" name="Google Shape;409;p34"/>
           <p:cNvSpPr/>
           <p:nvPr/>
         </p:nvSpPr>
@@ -14314,7 +14316,7 @@
       </p:sp>
       <p:sp>
         <p:nvSpPr>
-          <p:cNvPr id="547" name="Google Shape;410;p34"/>
+          <p:cNvPr id="549" name="Google Shape;410;p34"/>
           <p:cNvSpPr/>
           <p:nvPr/>
         </p:nvSpPr>
@@ -14349,7 +14351,7 @@
       </p:sp>
       <p:sp>
         <p:nvSpPr>
-          <p:cNvPr id="548" name="Google Shape;411;p34"/>
+          <p:cNvPr id="550" name="Google Shape;411;p34"/>
           <p:cNvSpPr/>
           <p:nvPr/>
         </p:nvSpPr>
@@ -14384,7 +14386,7 @@
       </p:sp>
       <p:sp>
         <p:nvSpPr>
-          <p:cNvPr id="549" name="Google Shape;412;p34"/>
+          <p:cNvPr id="551" name="Google Shape;412;p34"/>
           <p:cNvSpPr/>
           <p:nvPr/>
         </p:nvSpPr>
@@ -14419,7 +14421,7 @@
       </p:sp>
       <p:sp>
         <p:nvSpPr>
-          <p:cNvPr id="550" name="Google Shape;413;p34"/>
+          <p:cNvPr id="552" name="Google Shape;413;p34"/>
           <p:cNvSpPr/>
           <p:nvPr/>
         </p:nvSpPr>
@@ -14456,7 +14458,7 @@
       </p:sp>
       <p:sp>
         <p:nvSpPr>
-          <p:cNvPr id="551" name="Google Shape;414;p34"/>
+          <p:cNvPr id="553" name="Google Shape;414;p34"/>
           <p:cNvSpPr txBox="1"/>
           <p:nvPr/>
         </p:nvSpPr>
@@ -14504,7 +14506,7 @@
       </p:sp>
       <p:sp>
         <p:nvSpPr>
-          <p:cNvPr id="552" name="Google Shape;415;p34"/>
+          <p:cNvPr id="554" name="Google Shape;415;p34"/>
           <p:cNvSpPr/>
           <p:nvPr/>
         </p:nvSpPr>
@@ -14857,7 +14859,7 @@
       </p:sp>
       <p:grpSp>
         <p:nvGrpSpPr>
-          <p:cNvPr id="557" name="Google Shape;416;p34"/>
+          <p:cNvPr id="559" name="Google Shape;416;p34"/>
           <p:cNvGrpSpPr/>
           <p:nvPr/>
         </p:nvGrpSpPr>
@@ -14871,7 +14873,7 @@
         </p:grpSpPr>
         <p:sp>
           <p:nvSpPr>
-            <p:cNvPr id="553" name="Google Shape;417;p34"/>
+            <p:cNvPr id="555" name="Google Shape;417;p34"/>
             <p:cNvSpPr/>
             <p:nvPr/>
           </p:nvSpPr>
@@ -14953,7 +14955,7 @@
         </p:sp>
         <p:sp>
           <p:nvSpPr>
-            <p:cNvPr id="554" name="Google Shape;418;p34"/>
+            <p:cNvPr id="556" name="Google Shape;418;p34"/>
             <p:cNvSpPr/>
             <p:nvPr/>
           </p:nvSpPr>
@@ -15035,7 +15037,7 @@
         </p:sp>
         <p:sp>
           <p:nvSpPr>
-            <p:cNvPr id="555" name="Google Shape;419;p34"/>
+            <p:cNvPr id="557" name="Google Shape;419;p34"/>
             <p:cNvSpPr/>
             <p:nvPr/>
           </p:nvSpPr>
@@ -15190,7 +15192,7 @@
         </p:sp>
         <p:sp>
           <p:nvSpPr>
-            <p:cNvPr id="556" name="Google Shape;421;p34"/>
+            <p:cNvPr id="558" name="Google Shape;421;p34"/>
             <p:cNvSpPr/>
             <p:nvPr/>
           </p:nvSpPr>
@@ -15347,7 +15349,7 @@
       </p:grpSp>
       <p:sp>
         <p:nvSpPr>
-          <p:cNvPr id="558" name="Google Shape;422;p34"/>
+          <p:cNvPr id="560" name="Google Shape;422;p34"/>
           <p:cNvSpPr/>
           <p:nvPr/>
         </p:nvSpPr>
@@ -15662,7 +15664,7 @@
       </p:sp>
       <p:grpSp>
         <p:nvGrpSpPr>
-          <p:cNvPr id="563" name="Google Shape;423;p34"/>
+          <p:cNvPr id="565" name="Google Shape;423;p34"/>
           <p:cNvGrpSpPr/>
           <p:nvPr/>
         </p:nvGrpSpPr>
@@ -15676,7 +15678,7 @@
         </p:grpSpPr>
         <p:sp>
           <p:nvSpPr>
-            <p:cNvPr id="559" name="Google Shape;424;p34"/>
+            <p:cNvPr id="561" name="Google Shape;424;p34"/>
             <p:cNvSpPr/>
             <p:nvPr/>
           </p:nvSpPr>
@@ -15800,7 +15802,7 @@
         </p:sp>
         <p:sp>
           <p:nvSpPr>
-            <p:cNvPr id="560" name="Google Shape;425;p34"/>
+            <p:cNvPr id="562" name="Google Shape;425;p34"/>
             <p:cNvSpPr/>
             <p:nvPr/>
           </p:nvSpPr>
@@ -15894,7 +15896,7 @@
         </p:sp>
         <p:sp>
           <p:nvSpPr>
-            <p:cNvPr id="561" name="Google Shape;426;p34"/>
+            <p:cNvPr id="563" name="Google Shape;426;p34"/>
             <p:cNvSpPr/>
             <p:nvPr/>
           </p:nvSpPr>
@@ -16175,7 +16177,7 @@
         </p:sp>
         <p:sp>
           <p:nvSpPr>
-            <p:cNvPr id="562" name="Google Shape;427;p34"/>
+            <p:cNvPr id="564" name="Google Shape;427;p34"/>
             <p:cNvSpPr/>
             <p:nvPr/>
           </p:nvSpPr>
@@ -16335,7 +16337,7 @@
       </p:grpSpPr>
       <p:sp>
         <p:nvSpPr>
-          <p:cNvPr id="565" name="Google Shape;452;p36"/>
+          <p:cNvPr id="567" name="Google Shape;452;p36"/>
           <p:cNvSpPr txBox="1"/>
           <p:nvPr>
             <p:ph type="title"/>
@@ -16367,7 +16369,7 @@
       </p:sp>
       <p:sp>
         <p:nvSpPr>
-          <p:cNvPr id="566" name="Google Shape;453;p36"/>
+          <p:cNvPr id="568" name="Google Shape;453;p36"/>
           <p:cNvSpPr txBox="1"/>
           <p:nvPr>
             <p:ph type="body" sz="quarter" idx="1"/>
@@ -16456,7 +16458,7 @@
       </p:grpSpPr>
       <p:sp>
         <p:nvSpPr>
-          <p:cNvPr id="568" name="Google Shape;361;p30"/>
+          <p:cNvPr id="570" name="Google Shape;361;p30"/>
           <p:cNvSpPr txBox="1"/>
           <p:nvPr>
             <p:ph type="body" idx="1"/>
@@ -16622,7 +16624,7 @@
       </p:sp>
       <p:sp>
         <p:nvSpPr>
-          <p:cNvPr id="569" name="Google Shape;362;p30"/>
+          <p:cNvPr id="571" name="Google Shape;362;p30"/>
           <p:cNvSpPr txBox="1"/>
           <p:nvPr>
             <p:ph type="title"/>
@@ -16650,7 +16652,7 @@
       </p:sp>
       <p:sp>
         <p:nvSpPr>
-          <p:cNvPr id="570" name="Google Shape;363;p30"/>
+          <p:cNvPr id="572" name="Google Shape;363;p30"/>
           <p:cNvSpPr/>
           <p:nvPr/>
         </p:nvSpPr>
@@ -16722,7 +16724,7 @@
       </p:grpSpPr>
       <p:sp>
         <p:nvSpPr>
-          <p:cNvPr id="572" name="Google Shape;363;p30"/>
+          <p:cNvPr id="574" name="Google Shape;363;p30"/>
           <p:cNvSpPr/>
           <p:nvPr/>
         </p:nvSpPr>
@@ -16757,7 +16759,7 @@
       </p:sp>
       <p:sp>
         <p:nvSpPr>
-          <p:cNvPr id="573" name="Google Shape;361;p30"/>
+          <p:cNvPr id="575" name="Google Shape;361;p30"/>
           <p:cNvSpPr txBox="1"/>
           <p:nvPr>
             <p:ph type="body" sz="half" idx="1"/>
@@ -16836,7 +16838,7 @@
       </p:sp>
       <p:sp>
         <p:nvSpPr>
-          <p:cNvPr id="574" name="Google Shape;362;p30"/>
+          <p:cNvPr id="576" name="Google Shape;362;p30"/>
           <p:cNvSpPr txBox="1"/>
           <p:nvPr>
             <p:ph type="title"/>
@@ -16874,7 +16876,7 @@
       </p:sp>
       <p:grpSp>
         <p:nvGrpSpPr>
-          <p:cNvPr id="577" name="Google Shape;452;p36"/>
+          <p:cNvPr id="579" name="Google Shape;452;p36"/>
           <p:cNvGrpSpPr/>
           <p:nvPr/>
         </p:nvGrpSpPr>
@@ -16888,7 +16890,7 @@
         </p:grpSpPr>
         <p:sp>
           <p:nvSpPr>
-            <p:cNvPr id="575" name="Rectangle"/>
+            <p:cNvPr id="577" name="Rectangle"/>
             <p:cNvSpPr/>
             <p:nvPr/>
           </p:nvSpPr>
@@ -16931,7 +16933,7 @@
         </p:sp>
         <p:sp>
           <p:nvSpPr>
-            <p:cNvPr id="576" name="Particularités"/>
+            <p:cNvPr id="578" name="Particularités"/>
             <p:cNvSpPr txBox="1"/>
             <p:nvPr/>
           </p:nvSpPr>
@@ -16983,7 +16985,7 @@
       </p:grpSp>
       <p:sp>
         <p:nvSpPr>
-          <p:cNvPr id="578" name="Google Shape;362;p30"/>
+          <p:cNvPr id="580" name="Google Shape;362;p30"/>
           <p:cNvSpPr txBox="1"/>
           <p:nvPr/>
         </p:nvSpPr>
@@ -17068,7 +17070,7 @@
       </p:grpSpPr>
       <p:sp>
         <p:nvSpPr>
-          <p:cNvPr id="580" name="Google Shape;452;p36"/>
+          <p:cNvPr id="582" name="Google Shape;452;p36"/>
           <p:cNvSpPr txBox="1"/>
           <p:nvPr>
             <p:ph type="title"/>
@@ -17100,7 +17102,7 @@
       </p:sp>
       <p:sp>
         <p:nvSpPr>
-          <p:cNvPr id="581" name="Google Shape;453;p36"/>
+          <p:cNvPr id="583" name="Google Shape;453;p36"/>
           <p:cNvSpPr txBox="1"/>
           <p:nvPr>
             <p:ph type="body" idx="1"/>
@@ -17291,7 +17293,7 @@
       </p:grpSpPr>
       <p:sp>
         <p:nvSpPr>
-          <p:cNvPr id="583" name="Google Shape;506;p38"/>
+          <p:cNvPr id="585" name="Google Shape;506;p38"/>
           <p:cNvSpPr txBox="1"/>
           <p:nvPr>
             <p:ph type="body" sz="quarter" idx="1"/>
@@ -17316,7 +17318,7 @@
       </p:sp>
       <p:sp>
         <p:nvSpPr>
-          <p:cNvPr id="584" name="Google Shape;507;p38"/>
+          <p:cNvPr id="586" name="Google Shape;507;p38"/>
           <p:cNvSpPr txBox="1"/>
           <p:nvPr>
             <p:ph type="title"/>
@@ -17385,7 +17387,7 @@
       </p:grpSpPr>
       <p:sp>
         <p:nvSpPr>
-          <p:cNvPr id="586" name="Google Shape;386;p34"/>
+          <p:cNvPr id="588" name="Google Shape;386;p34"/>
           <p:cNvSpPr txBox="1"/>
           <p:nvPr>
             <p:ph type="title"/>
@@ -17421,7 +17423,7 @@
       </p:sp>
       <p:sp>
         <p:nvSpPr>
-          <p:cNvPr id="587" name="Google Shape;387;p34"/>
+          <p:cNvPr id="589" name="Google Shape;387;p34"/>
           <p:cNvSpPr/>
           <p:nvPr/>
         </p:nvSpPr>
@@ -17458,7 +17460,7 @@
       </p:sp>
       <p:sp>
         <p:nvSpPr>
-          <p:cNvPr id="588" name="Google Shape;388;p34"/>
+          <p:cNvPr id="590" name="Google Shape;388;p34"/>
           <p:cNvSpPr/>
           <p:nvPr/>
         </p:nvSpPr>
@@ -17495,7 +17497,7 @@
       </p:sp>
       <p:sp>
         <p:nvSpPr>
-          <p:cNvPr id="589" name="Google Shape;389;p34"/>
+          <p:cNvPr id="591" name="Google Shape;389;p34"/>
           <p:cNvSpPr/>
           <p:nvPr/>
         </p:nvSpPr>
@@ -17530,7 +17532,7 @@
       </p:sp>
       <p:sp>
         <p:nvSpPr>
-          <p:cNvPr id="590" name="Google Shape;390;p34"/>
+          <p:cNvPr id="592" name="Google Shape;390;p34"/>
           <p:cNvSpPr/>
           <p:nvPr/>
         </p:nvSpPr>
@@ -17567,7 +17569,7 @@
       </p:sp>
       <p:sp>
         <p:nvSpPr>
-          <p:cNvPr id="591" name="Google Shape;391;p34"/>
+          <p:cNvPr id="593" name="Google Shape;391;p34"/>
           <p:cNvSpPr/>
           <p:nvPr/>
         </p:nvSpPr>
@@ -17602,7 +17604,7 @@
       </p:sp>
       <p:sp>
         <p:nvSpPr>
-          <p:cNvPr id="592" name="Google Shape;392;p34"/>
+          <p:cNvPr id="594" name="Google Shape;392;p34"/>
           <p:cNvSpPr/>
           <p:nvPr/>
         </p:nvSpPr>
@@ -17639,7 +17641,7 @@
       </p:sp>
       <p:sp>
         <p:nvSpPr>
-          <p:cNvPr id="593" name="Google Shape;393;p34"/>
+          <p:cNvPr id="595" name="Google Shape;393;p34"/>
           <p:cNvSpPr/>
           <p:nvPr/>
         </p:nvSpPr>
@@ -17674,7 +17676,7 @@
       </p:sp>
       <p:sp>
         <p:nvSpPr>
-          <p:cNvPr id="594" name="Google Shape;394;p34"/>
+          <p:cNvPr id="596" name="Google Shape;394;p34"/>
           <p:cNvSpPr txBox="1"/>
           <p:nvPr/>
         </p:nvSpPr>
@@ -17722,7 +17724,7 @@
       </p:sp>
       <p:sp>
         <p:nvSpPr>
-          <p:cNvPr id="595" name="Google Shape;395;p34"/>
+          <p:cNvPr id="597" name="Google Shape;395;p34"/>
           <p:cNvSpPr txBox="1"/>
           <p:nvPr/>
         </p:nvSpPr>
@@ -17770,7 +17772,7 @@
       </p:sp>
       <p:sp>
         <p:nvSpPr>
-          <p:cNvPr id="596" name="Google Shape;396;p34"/>
+          <p:cNvPr id="598" name="Google Shape;396;p34"/>
           <p:cNvSpPr txBox="1"/>
           <p:nvPr>
             <p:ph type="body" sz="quarter" idx="1"/>
@@ -17802,7 +17804,7 @@
       </p:sp>
       <p:sp>
         <p:nvSpPr>
-          <p:cNvPr id="597" name="Google Shape;397;p34"/>
+          <p:cNvPr id="599" name="Google Shape;397;p34"/>
           <p:cNvSpPr txBox="1"/>
           <p:nvPr/>
         </p:nvSpPr>
@@ -17850,7 +17852,7 @@
       </p:sp>
       <p:sp>
         <p:nvSpPr>
-          <p:cNvPr id="598" name="Google Shape;398;p34"/>
+          <p:cNvPr id="600" name="Google Shape;398;p34"/>
           <p:cNvSpPr txBox="1"/>
           <p:nvPr/>
         </p:nvSpPr>
@@ -17912,7 +17914,7 @@
       </p:sp>
       <p:sp>
         <p:nvSpPr>
-          <p:cNvPr id="599" name="Google Shape;399;p34"/>
+          <p:cNvPr id="601" name="Google Shape;399;p34"/>
           <p:cNvSpPr txBox="1"/>
           <p:nvPr/>
         </p:nvSpPr>
@@ -17960,7 +17962,7 @@
       </p:sp>
       <p:sp>
         <p:nvSpPr>
-          <p:cNvPr id="600" name="Google Shape;400;p34"/>
+          <p:cNvPr id="602" name="Google Shape;400;p34"/>
           <p:cNvSpPr txBox="1"/>
           <p:nvPr/>
         </p:nvSpPr>
@@ -18008,7 +18010,7 @@
       </p:sp>
       <p:sp>
         <p:nvSpPr>
-          <p:cNvPr id="601" name="Google Shape;401;p34"/>
+          <p:cNvPr id="603" name="Google Shape;401;p34"/>
           <p:cNvSpPr/>
           <p:nvPr/>
         </p:nvSpPr>
@@ -18043,7 +18045,7 @@
       </p:sp>
       <p:sp>
         <p:nvSpPr>
-          <p:cNvPr id="602" name="Google Shape;402;p34"/>
+          <p:cNvPr id="604" name="Google Shape;402;p34"/>
           <p:cNvSpPr/>
           <p:nvPr/>
         </p:nvSpPr>
@@ -18078,7 +18080,7 @@
       </p:sp>
       <p:sp>
         <p:nvSpPr>
-          <p:cNvPr id="603" name="Google Shape;403;p34"/>
+          <p:cNvPr id="605" name="Google Shape;403;p34"/>
           <p:cNvSpPr/>
           <p:nvPr/>
         </p:nvSpPr>
@@ -18113,7 +18115,7 @@
       </p:sp>
       <p:sp>
         <p:nvSpPr>
-          <p:cNvPr id="604" name="Google Shape;404;p34"/>
+          <p:cNvPr id="606" name="Google Shape;404;p34"/>
           <p:cNvSpPr/>
           <p:nvPr/>
         </p:nvSpPr>
@@ -18148,7 +18150,7 @@
       </p:sp>
       <p:sp>
         <p:nvSpPr>
-          <p:cNvPr id="605" name="Google Shape;405;p34"/>
+          <p:cNvPr id="607" name="Google Shape;405;p34"/>
           <p:cNvSpPr/>
           <p:nvPr/>
         </p:nvSpPr>
@@ -18183,7 +18185,7 @@
       </p:sp>
       <p:sp>
         <p:nvSpPr>
-          <p:cNvPr id="606" name="Google Shape;406;p34"/>
+          <p:cNvPr id="608" name="Google Shape;406;p34"/>
           <p:cNvSpPr/>
           <p:nvPr/>
         </p:nvSpPr>
@@ -18218,7 +18220,7 @@
       </p:sp>
       <p:sp>
         <p:nvSpPr>
-          <p:cNvPr id="607" name="Google Shape;407;p34"/>
+          <p:cNvPr id="609" name="Google Shape;407;p34"/>
           <p:cNvSpPr/>
           <p:nvPr/>
         </p:nvSpPr>
@@ -18253,7 +18255,7 @@
       </p:sp>
       <p:sp>
         <p:nvSpPr>
-          <p:cNvPr id="608" name="Google Shape;408;p34"/>
+          <p:cNvPr id="610" name="Google Shape;408;p34"/>
           <p:cNvSpPr/>
           <p:nvPr/>
         </p:nvSpPr>
@@ -18288,7 +18290,7 @@
       </p:sp>
       <p:sp>
         <p:nvSpPr>
-          <p:cNvPr id="609" name="Google Shape;409;p34"/>
+          <p:cNvPr id="611" name="Google Shape;409;p34"/>
           <p:cNvSpPr/>
           <p:nvPr/>
         </p:nvSpPr>
@@ -18323,7 +18325,7 @@
       </p:sp>
       <p:sp>
         <p:nvSpPr>
-          <p:cNvPr id="610" name="Google Shape;410;p34"/>
+          <p:cNvPr id="612" name="Google Shape;410;p34"/>
           <p:cNvSpPr/>
           <p:nvPr/>
         </p:nvSpPr>
@@ -18358,7 +18360,7 @@
       </p:sp>
       <p:sp>
         <p:nvSpPr>
-          <p:cNvPr id="611" name="Google Shape;411;p34"/>
+          <p:cNvPr id="613" name="Google Shape;411;p34"/>
           <p:cNvSpPr/>
           <p:nvPr/>
         </p:nvSpPr>
@@ -18393,7 +18395,7 @@
       </p:sp>
       <p:sp>
         <p:nvSpPr>
-          <p:cNvPr id="612" name="Google Shape;412;p34"/>
+          <p:cNvPr id="614" name="Google Shape;412;p34"/>
           <p:cNvSpPr/>
           <p:nvPr/>
         </p:nvSpPr>
@@ -18428,7 +18430,7 @@
       </p:sp>
       <p:sp>
         <p:nvSpPr>
-          <p:cNvPr id="613" name="Google Shape;413;p34"/>
+          <p:cNvPr id="615" name="Google Shape;413;p34"/>
           <p:cNvSpPr/>
           <p:nvPr/>
         </p:nvSpPr>
@@ -18465,7 +18467,7 @@
       </p:sp>
       <p:sp>
         <p:nvSpPr>
-          <p:cNvPr id="614" name="Google Shape;414;p34"/>
+          <p:cNvPr id="616" name="Google Shape;414;p34"/>
           <p:cNvSpPr txBox="1"/>
           <p:nvPr/>
         </p:nvSpPr>
@@ -18513,7 +18515,7 @@
       </p:sp>
       <p:sp>
         <p:nvSpPr>
-          <p:cNvPr id="615" name="Google Shape;415;p34"/>
+          <p:cNvPr id="617" name="Google Shape;415;p34"/>
           <p:cNvSpPr/>
           <p:nvPr/>
         </p:nvSpPr>
@@ -18866,7 +18868,7 @@
       </p:sp>
       <p:grpSp>
         <p:nvGrpSpPr>
-          <p:cNvPr id="620" name="Google Shape;416;p34"/>
+          <p:cNvPr id="622" name="Google Shape;416;p34"/>
           <p:cNvGrpSpPr/>
           <p:nvPr/>
         </p:nvGrpSpPr>
@@ -18880,7 +18882,7 @@
         </p:grpSpPr>
         <p:sp>
           <p:nvSpPr>
-            <p:cNvPr id="616" name="Google Shape;417;p34"/>
+            <p:cNvPr id="618" name="Google Shape;417;p34"/>
             <p:cNvSpPr/>
             <p:nvPr/>
           </p:nvSpPr>
@@ -18962,7 +18964,7 @@
         </p:sp>
         <p:sp>
           <p:nvSpPr>
-            <p:cNvPr id="617" name="Google Shape;418;p34"/>
+            <p:cNvPr id="619" name="Google Shape;418;p34"/>
             <p:cNvSpPr/>
             <p:nvPr/>
           </p:nvSpPr>
@@ -19044,7 +19046,7 @@
         </p:sp>
         <p:sp>
           <p:nvSpPr>
-            <p:cNvPr id="618" name="Google Shape;419;p34"/>
+            <p:cNvPr id="620" name="Google Shape;419;p34"/>
             <p:cNvSpPr/>
             <p:nvPr/>
           </p:nvSpPr>
@@ -19199,7 +19201,7 @@
         </p:sp>
         <p:sp>
           <p:nvSpPr>
-            <p:cNvPr id="619" name="Google Shape;421;p34"/>
+            <p:cNvPr id="621" name="Google Shape;421;p34"/>
             <p:cNvSpPr/>
             <p:nvPr/>
           </p:nvSpPr>
@@ -19356,7 +19358,7 @@
       </p:grpSp>
       <p:sp>
         <p:nvSpPr>
-          <p:cNvPr id="621" name="Google Shape;422;p34"/>
+          <p:cNvPr id="623" name="Google Shape;422;p34"/>
           <p:cNvSpPr/>
           <p:nvPr/>
         </p:nvSpPr>
@@ -19671,7 +19673,7 @@
       </p:sp>
       <p:grpSp>
         <p:nvGrpSpPr>
-          <p:cNvPr id="626" name="Google Shape;423;p34"/>
+          <p:cNvPr id="628" name="Google Shape;423;p34"/>
           <p:cNvGrpSpPr/>
           <p:nvPr/>
         </p:nvGrpSpPr>
@@ -19685,7 +19687,7 @@
         </p:grpSpPr>
         <p:sp>
           <p:nvSpPr>
-            <p:cNvPr id="622" name="Google Shape;424;p34"/>
+            <p:cNvPr id="624" name="Google Shape;424;p34"/>
             <p:cNvSpPr/>
             <p:nvPr/>
           </p:nvSpPr>
@@ -19809,7 +19811,7 @@
         </p:sp>
         <p:sp>
           <p:nvSpPr>
-            <p:cNvPr id="623" name="Google Shape;425;p34"/>
+            <p:cNvPr id="625" name="Google Shape;425;p34"/>
             <p:cNvSpPr/>
             <p:nvPr/>
           </p:nvSpPr>
@@ -19903,7 +19905,7 @@
         </p:sp>
         <p:sp>
           <p:nvSpPr>
-            <p:cNvPr id="624" name="Google Shape;426;p34"/>
+            <p:cNvPr id="626" name="Google Shape;426;p34"/>
             <p:cNvSpPr/>
             <p:nvPr/>
           </p:nvSpPr>
@@ -20184,7 +20186,7 @@
         </p:sp>
         <p:sp>
           <p:nvSpPr>
-            <p:cNvPr id="625" name="Google Shape;427;p34"/>
+            <p:cNvPr id="627" name="Google Shape;427;p34"/>
             <p:cNvSpPr/>
             <p:nvPr/>
           </p:nvSpPr>
@@ -20648,6 +20650,102 @@
           </a:p>
         </p:txBody>
       </p:sp>
+      <p:sp>
+        <p:nvSpPr>
+          <p:cNvPr id="441" name="Google Shape;350;p29"/>
+          <p:cNvSpPr txBox="1"/>
+          <p:nvPr/>
+        </p:nvSpPr>
+        <p:spPr>
+          <a:xfrm>
+            <a:off x="4903099" y="3270016"/>
+            <a:ext cx="1981053" cy="244476"/>
+          </a:xfrm>
+          <a:prstGeom prst="rect">
+            <a:avLst/>
+          </a:prstGeom>
+          <a:ln w="12700">
+            <a:miter lim="400000"/>
+          </a:ln>
+          <a:extLst>
+            <a:ext uri="{C572A759-6A51-4108-AA02-DFA0A04FC94B}">
+              <ma14:wrappingTextBoxFlag xmlns:ma14="http://schemas.microsoft.com/office/mac/drawingml/2011/main" val="1"/>
+            </a:ext>
+          </a:extLst>
+        </p:spPr>
+        <p:txBody>
+          <a:bodyPr lIns="0" tIns="0" rIns="0" bIns="0" anchor="b">
+            <a:normAutofit fontScale="100000" lnSpcReduction="0"/>
+          </a:bodyPr>
+          <a:lstStyle>
+            <a:lvl1pPr algn="r" defTabSz="420623">
+              <a:defRPr b="1">
+                <a:solidFill>
+                  <a:srgbClr val="FFFFFF"/>
+                </a:solidFill>
+                <a:latin typeface="Overpass Mono"/>
+                <a:ea typeface="Overpass Mono"/>
+                <a:cs typeface="Overpass Mono"/>
+                <a:sym typeface="Overpass Mono"/>
+              </a:defRPr>
+            </a:lvl1pPr>
+          </a:lstStyle>
+          <a:p>
+            <a:pPr/>
+            <a:r>
+              <a:t>04</a:t>
+            </a:r>
+          </a:p>
+        </p:txBody>
+      </p:sp>
+      <p:sp>
+        <p:nvSpPr>
+          <p:cNvPr id="442" name="Google Shape;351;p29"/>
+          <p:cNvSpPr txBox="1"/>
+          <p:nvPr/>
+        </p:nvSpPr>
+        <p:spPr>
+          <a:xfrm>
+            <a:off x="4903099" y="3585146"/>
+            <a:ext cx="1981053" cy="426600"/>
+          </a:xfrm>
+          <a:prstGeom prst="rect">
+            <a:avLst/>
+          </a:prstGeom>
+          <a:ln w="12700">
+            <a:miter lim="400000"/>
+          </a:ln>
+          <a:extLst>
+            <a:ext uri="{C572A759-6A51-4108-AA02-DFA0A04FC94B}">
+              <ma14:wrappingTextBoxFlag xmlns:ma14="http://schemas.microsoft.com/office/mac/drawingml/2011/main" val="1"/>
+            </a:ext>
+          </a:extLst>
+        </p:spPr>
+        <p:txBody>
+          <a:bodyPr lIns="0" tIns="0" rIns="0" bIns="0">
+            <a:normAutofit fontScale="100000" lnSpcReduction="0"/>
+          </a:bodyPr>
+          <a:lstStyle>
+            <a:lvl1pPr algn="r">
+              <a:defRPr b="1" sz="2200">
+                <a:solidFill>
+                  <a:srgbClr val="FFFFFF"/>
+                </a:solidFill>
+                <a:latin typeface="Overpass Mono"/>
+                <a:ea typeface="Overpass Mono"/>
+                <a:cs typeface="Overpass Mono"/>
+                <a:sym typeface="Overpass Mono"/>
+              </a:defRPr>
+            </a:lvl1pPr>
+          </a:lstStyle>
+          <a:p>
+            <a:pPr/>
+            <a:r>
+              <a:t>Aller plus loin</a:t>
+            </a:r>
+          </a:p>
+        </p:txBody>
+      </p:sp>
     </p:spTree>
   </p:cSld>
   <p:clrMapOvr>
@@ -20687,7 +20785,7 @@
       </p:grpSpPr>
       <p:sp>
         <p:nvSpPr>
-          <p:cNvPr id="628" name="Google Shape;452;p36"/>
+          <p:cNvPr id="630" name="Google Shape;452;p36"/>
           <p:cNvSpPr txBox="1"/>
           <p:nvPr>
             <p:ph type="title"/>
@@ -20719,7 +20817,7 @@
       </p:sp>
       <p:sp>
         <p:nvSpPr>
-          <p:cNvPr id="629" name="Google Shape;453;p36"/>
+          <p:cNvPr id="631" name="Google Shape;453;p36"/>
           <p:cNvSpPr txBox="1"/>
           <p:nvPr>
             <p:ph type="body" sz="half" idx="1"/>
@@ -20814,7 +20912,7 @@
       </p:grpSpPr>
       <p:sp>
         <p:nvSpPr>
-          <p:cNvPr id="631" name="Google Shape;361;p30"/>
+          <p:cNvPr id="633" name="Google Shape;361;p30"/>
           <p:cNvSpPr txBox="1"/>
           <p:nvPr>
             <p:ph type="body" idx="1"/>
@@ -21565,7 +21663,7 @@
       </p:sp>
       <p:sp>
         <p:nvSpPr>
-          <p:cNvPr id="632" name="Google Shape;362;p30"/>
+          <p:cNvPr id="634" name="Google Shape;362;p30"/>
           <p:cNvSpPr txBox="1"/>
           <p:nvPr>
             <p:ph type="title"/>
@@ -21593,7 +21691,7 @@
       </p:sp>
       <p:sp>
         <p:nvSpPr>
-          <p:cNvPr id="633" name="Google Shape;363;p30"/>
+          <p:cNvPr id="635" name="Google Shape;363;p30"/>
           <p:cNvSpPr/>
           <p:nvPr/>
         </p:nvSpPr>
@@ -21665,7 +21763,7 @@
       </p:grpSpPr>
       <p:sp>
         <p:nvSpPr>
-          <p:cNvPr id="635" name="Google Shape;452;p36"/>
+          <p:cNvPr id="637" name="Google Shape;452;p36"/>
           <p:cNvSpPr txBox="1"/>
           <p:nvPr>
             <p:ph type="title"/>
@@ -21693,7 +21791,7 @@
       </p:sp>
       <p:sp>
         <p:nvSpPr>
-          <p:cNvPr id="636" name="Google Shape;453;p36"/>
+          <p:cNvPr id="638" name="Google Shape;453;p36"/>
           <p:cNvSpPr txBox="1"/>
           <p:nvPr>
             <p:ph type="body" idx="1"/>
@@ -22013,7 +22111,7 @@
       </p:grpSpPr>
       <p:sp>
         <p:nvSpPr>
-          <p:cNvPr id="638" name="Google Shape;361;p30"/>
+          <p:cNvPr id="640" name="Google Shape;361;p30"/>
           <p:cNvSpPr txBox="1"/>
           <p:nvPr>
             <p:ph type="body" sz="half" idx="1"/>
@@ -22062,7 +22160,7 @@
       </p:sp>
       <p:sp>
         <p:nvSpPr>
-          <p:cNvPr id="639" name="Google Shape;362;p30"/>
+          <p:cNvPr id="641" name="Google Shape;362;p30"/>
           <p:cNvSpPr txBox="1"/>
           <p:nvPr>
             <p:ph type="title"/>
@@ -22090,7 +22188,7 @@
       </p:sp>
       <p:sp>
         <p:nvSpPr>
-          <p:cNvPr id="640" name="Google Shape;363;p30"/>
+          <p:cNvPr id="642" name="Google Shape;363;p30"/>
           <p:cNvSpPr/>
           <p:nvPr/>
         </p:nvSpPr>
@@ -22125,7 +22223,7 @@
       </p:sp>
       <p:grpSp>
         <p:nvGrpSpPr>
-          <p:cNvPr id="643" name="Google Shape;452;p36"/>
+          <p:cNvPr id="645" name="Google Shape;452;p36"/>
           <p:cNvGrpSpPr/>
           <p:nvPr/>
         </p:nvGrpSpPr>
@@ -22139,7 +22237,7 @@
         </p:grpSpPr>
         <p:sp>
           <p:nvSpPr>
-            <p:cNvPr id="641" name="Rectangle"/>
+            <p:cNvPr id="643" name="Rectangle"/>
             <p:cNvSpPr/>
             <p:nvPr/>
           </p:nvSpPr>
@@ -22182,7 +22280,7 @@
         </p:sp>
         <p:sp>
           <p:nvSpPr>
-            <p:cNvPr id="642" name="Particularités"/>
+            <p:cNvPr id="644" name="Particularités"/>
             <p:cNvSpPr txBox="1"/>
             <p:nvPr/>
           </p:nvSpPr>
@@ -22268,7 +22366,7 @@
       </p:grpSpPr>
       <p:sp>
         <p:nvSpPr>
-          <p:cNvPr id="645" name="Google Shape;452;p36"/>
+          <p:cNvPr id="647" name="Google Shape;452;p36"/>
           <p:cNvSpPr txBox="1"/>
           <p:nvPr>
             <p:ph type="title"/>
@@ -22300,7 +22398,7 @@
       </p:sp>
       <p:sp>
         <p:nvSpPr>
-          <p:cNvPr id="646" name="Google Shape;453;p36"/>
+          <p:cNvPr id="648" name="Google Shape;453;p36"/>
           <p:cNvSpPr txBox="1"/>
           <p:nvPr>
             <p:ph type="body" idx="1"/>
@@ -22778,7 +22876,7 @@
       </p:grpSpPr>
       <p:sp>
         <p:nvSpPr>
-          <p:cNvPr id="648" name="Google Shape;507;p38"/>
+          <p:cNvPr id="650" name="Google Shape;507;p38"/>
           <p:cNvSpPr txBox="1"/>
           <p:nvPr>
             <p:ph type="title"/>
@@ -22847,7 +22945,7 @@
       </p:grpSpPr>
       <p:sp>
         <p:nvSpPr>
-          <p:cNvPr id="650" name="Google Shape;507;p38"/>
+          <p:cNvPr id="652" name="Google Shape;507;p38"/>
           <p:cNvSpPr txBox="1"/>
           <p:nvPr>
             <p:ph type="title"/>
@@ -22916,7 +23014,7 @@
       </p:grpSpPr>
       <p:sp>
         <p:nvSpPr>
-          <p:cNvPr id="652" name="Google Shape;363;p30"/>
+          <p:cNvPr id="654" name="Google Shape;363;p30"/>
           <p:cNvSpPr/>
           <p:nvPr/>
         </p:nvSpPr>
@@ -22951,7 +23049,7 @@
       </p:sp>
       <p:sp>
         <p:nvSpPr>
-          <p:cNvPr id="653" name="Google Shape;361;p30"/>
+          <p:cNvPr id="655" name="Google Shape;361;p30"/>
           <p:cNvSpPr txBox="1"/>
           <p:nvPr>
             <p:ph type="body" idx="1"/>
@@ -23541,7 +23639,7 @@
       </p:sp>
       <p:sp>
         <p:nvSpPr>
-          <p:cNvPr id="654" name="Aller plus loin"/>
+          <p:cNvPr id="656" name="Aller plus loin"/>
           <p:cNvSpPr txBox="1"/>
           <p:nvPr>
             <p:ph type="title"/>
@@ -23617,7 +23715,242 @@
       </p:grpSpPr>
       <p:sp>
         <p:nvSpPr>
-          <p:cNvPr id="656" name="Google Shape;898;p52"/>
+          <p:cNvPr id="658" name="Google Shape;363;p30"/>
+          <p:cNvSpPr/>
+          <p:nvPr/>
+        </p:nvSpPr>
+        <p:spPr>
+          <a:xfrm>
+            <a:off x="7524760" y="3887591"/>
+            <a:ext cx="1619277" cy="241322"/>
+          </a:xfrm>
+          <a:prstGeom prst="rect">
+            <a:avLst/>
+          </a:prstGeom>
+          <a:solidFill>
+            <a:schemeClr val="accent2"/>
+          </a:solidFill>
+          <a:ln w="12700">
+            <a:miter lim="400000"/>
+          </a:ln>
+        </p:spPr>
+        <p:txBody>
+          <a:bodyPr lIns="45718" tIns="45718" rIns="45718" bIns="45718" anchor="ctr"/>
+          <a:lstStyle/>
+          <a:p>
+            <a:pPr>
+              <a:defRPr sz="1400">
+                <a:solidFill>
+                  <a:srgbClr val="000000"/>
+                </a:solidFill>
+              </a:defRPr>
+            </a:pPr>
+          </a:p>
+        </p:txBody>
+      </p:sp>
+      <p:sp>
+        <p:nvSpPr>
+          <p:cNvPr id="659" name="Google Shape;361;p30"/>
+          <p:cNvSpPr txBox="1"/>
+          <p:nvPr>
+            <p:ph type="body" idx="1"/>
+          </p:nvPr>
+        </p:nvSpPr>
+        <p:spPr>
+          <a:xfrm>
+            <a:off x="126596" y="1142199"/>
+            <a:ext cx="8890808" cy="3756254"/>
+          </a:xfrm>
+          <a:prstGeom prst="rect">
+            <a:avLst/>
+          </a:prstGeom>
+        </p:spPr>
+        <p:txBody>
+          <a:bodyPr/>
+          <a:lstStyle/>
+          <a:p>
+            <a:pPr marL="0" indent="127000">
+              <a:buSzTx/>
+              <a:buNone/>
+              <a:defRPr sz="2600"/>
+            </a:pPr>
+            <a:r>
+              <a:rPr>
+                <a:solidFill>
+                  <a:srgbClr val="FFF400"/>
+                </a:solidFill>
+              </a:rPr>
+              <a:t>fork</a:t>
+            </a:r>
+            <a:r>
+              <a:t>() est vieux, mais encore utilisé également pour être </a:t>
+            </a:r>
+            <a:r>
+              <a:rPr>
+                <a:solidFill>
+                  <a:srgbClr val="FFF400"/>
+                </a:solidFill>
+              </a:rPr>
+              <a:t>enveloppé</a:t>
+            </a:r>
+            <a:r>
+              <a:t> par des fonctions comme </a:t>
+            </a:r>
+            <a:r>
+              <a:rPr>
+                <a:solidFill>
+                  <a:srgbClr val="FFF400"/>
+                </a:solidFill>
+              </a:rPr>
+              <a:t>posix_spawn</a:t>
+            </a:r>
+            <a:r>
+              <a:t>() qui fait un </a:t>
+            </a:r>
+            <a:r>
+              <a:rPr>
+                <a:solidFill>
+                  <a:srgbClr val="FFF400"/>
+                </a:solidFill>
+              </a:rPr>
+              <a:t>fork</a:t>
+            </a:r>
+            <a:r>
+              <a:t>()</a:t>
+            </a:r>
+            <a:r>
+              <a:rPr>
+                <a:solidFill>
+                  <a:srgbClr val="FFF400"/>
+                </a:solidFill>
+              </a:rPr>
+              <a:t>+exec</a:t>
+            </a:r>
+            <a:r>
+              <a:t>()</a:t>
+            </a:r>
+          </a:p>
+          <a:p>
+            <a:pPr marL="0" indent="127000">
+              <a:buSzTx/>
+              <a:buNone/>
+              <a:defRPr sz="2600"/>
+            </a:pPr>
+          </a:p>
+          <a:p>
+            <a:pPr marL="0" indent="127000">
+              <a:buSzTx/>
+              <a:buNone/>
+              <a:defRPr sz="2600"/>
+            </a:pPr>
+            <a:r>
+              <a:rPr>
+                <a:solidFill>
+                  <a:srgbClr val="FFF400"/>
+                </a:solidFill>
+              </a:rPr>
+              <a:t>vfork</a:t>
+            </a:r>
+            <a:r>
+              <a:t>() est </a:t>
+            </a:r>
+            <a:r>
+              <a:rPr>
+                <a:solidFill>
+                  <a:srgbClr val="FFF400"/>
+                </a:solidFill>
+              </a:rPr>
+              <a:t>dangereux</a:t>
+            </a:r>
+            <a:r>
+              <a:t> et donc, de nouveau </a:t>
+            </a:r>
+            <a:r>
+              <a:rPr>
+                <a:solidFill>
+                  <a:srgbClr val="FFF400"/>
+                </a:solidFill>
+              </a:rPr>
+              <a:t>synonyme</a:t>
+            </a:r>
+            <a:r>
+              <a:t> de </a:t>
+            </a:r>
+            <a:r>
+              <a:rPr>
+                <a:solidFill>
+                  <a:srgbClr val="FFF400"/>
+                </a:solidFill>
+              </a:rPr>
+              <a:t>fork</a:t>
+            </a:r>
+            <a:r>
+              <a:t>()</a:t>
+            </a:r>
+          </a:p>
+          <a:p>
+            <a:pPr marL="0" indent="127000">
+              <a:buSzTx/>
+              <a:buNone/>
+              <a:defRPr sz="2600"/>
+            </a:pPr>
+          </a:p>
+          <a:p>
+            <a:pPr marL="0" indent="127000">
+              <a:buSzTx/>
+              <a:buNone/>
+              <a:defRPr sz="2600"/>
+            </a:pPr>
+            <a:r>
+              <a:rPr>
+                <a:solidFill>
+                  <a:srgbClr val="FFF400"/>
+                </a:solidFill>
+              </a:rPr>
+              <a:t>clone</a:t>
+            </a:r>
+            <a:r>
+              <a:t>() est </a:t>
+            </a:r>
+            <a:r>
+              <a:rPr>
+                <a:solidFill>
+                  <a:srgbClr val="FFF400"/>
+                </a:solidFill>
+              </a:rPr>
+              <a:t>puissant</a:t>
+            </a:r>
+            <a:r>
+              <a:t> car il permet de </a:t>
+            </a:r>
+            <a:r>
+              <a:rPr>
+                <a:solidFill>
+                  <a:srgbClr val="FFF400"/>
+                </a:solidFill>
+              </a:rPr>
+              <a:t>moduler</a:t>
+            </a:r>
+            <a:r>
+              <a:t> la </a:t>
+            </a:r>
+            <a:r>
+              <a:rPr>
+                <a:solidFill>
+                  <a:srgbClr val="FFF400"/>
+                </a:solidFill>
+              </a:rPr>
+              <a:t>duplication</a:t>
+            </a:r>
+            <a:r>
+              <a:t> de processus</a:t>
+            </a:r>
+          </a:p>
+        </p:txBody>
+      </p:sp>
+      <p:sp>
+        <p:nvSpPr>
+          <p:cNvPr id="660" name="Conclusion"/>
           <p:cNvSpPr txBox="1"/>
           <p:nvPr>
             <p:ph type="title"/>
@@ -23625,8 +23958,84 @@
         </p:nvSpPr>
         <p:spPr>
           <a:xfrm>
-            <a:off x="1797393" y="766113"/>
-            <a:ext cx="5549214" cy="1825415"/>
+            <a:off x="3227937" y="371138"/>
+            <a:ext cx="2688127" cy="538302"/>
+          </a:xfrm>
+          <a:prstGeom prst="rect">
+            <a:avLst/>
+          </a:prstGeom>
+          <a:solidFill>
+            <a:schemeClr val="accent2"/>
+          </a:solidFill>
+        </p:spPr>
+        <p:txBody>
+          <a:bodyPr anchor="ctr"/>
+          <a:lstStyle>
+            <a:lvl1pPr algn="ctr" defTabSz="813816">
+              <a:defRPr sz="1900">
+                <a:solidFill>
+                  <a:schemeClr val="accent1"/>
+                </a:solidFill>
+              </a:defRPr>
+            </a:lvl1pPr>
+          </a:lstStyle>
+          <a:p>
+            <a:pPr/>
+            <a:r>
+              <a:t>Conclusion</a:t>
+            </a:r>
+          </a:p>
+        </p:txBody>
+      </p:sp>
+    </p:spTree>
+  </p:cSld>
+  <p:clrMapOvr>
+    <a:masterClrMapping/>
+  </p:clrMapOvr>
+  <mc:AlternateContent xmlns:mc="http://schemas.openxmlformats.org/markup-compatibility/2006">
+    <mc:Choice xmlns:p14="http://schemas.microsoft.com/office/powerpoint/2010/main" Requires="p14">
+      <p:transition spd="slow" advClick="1" p14:dur="2000">
+        <p:dissolve/>
+      </p:transition>
+    </mc:Choice>
+    <mc:Fallback>
+      <p:transition spd="slow">
+        <p:fade/>
+      </p:transition>
+    </mc:Fallback>
+  </mc:AlternateContent>
+</p:sld>
+</file>
+
+<file path=ppt/slides/slide29.xml><?xml version="1.0" encoding="utf-8"?>
+<p:sld xmlns:a="http://schemas.openxmlformats.org/drawingml/2006/main" xmlns:r="http://schemas.openxmlformats.org/officeDocument/2006/relationships" xmlns:p="http://schemas.openxmlformats.org/presentationml/2006/main" xmlns:m="http://schemas.openxmlformats.org/officeDocument/2006/math" xmlns:a14="http://schemas.microsoft.com/office/drawing/2010/main" showMasterSp="1" showMasterPhAnim="1">
+  <p:cSld>
+    <p:spTree>
+      <p:nvGrpSpPr>
+        <p:cNvPr id="1" name=""/>
+        <p:cNvGrpSpPr/>
+        <p:nvPr/>
+      </p:nvGrpSpPr>
+      <p:grpSpPr>
+        <a:xfrm>
+          <a:off x="0" y="0"/>
+          <a:ext cx="0" cy="0"/>
+          <a:chOff x="0" y="0"/>
+          <a:chExt cx="0" cy="0"/>
+        </a:xfrm>
+      </p:grpSpPr>
+      <p:sp>
+        <p:nvSpPr>
+          <p:cNvPr id="662" name="Google Shape;507;p38"/>
+          <p:cNvSpPr txBox="1"/>
+          <p:nvPr>
+            <p:ph type="title"/>
+          </p:nvPr>
+        </p:nvSpPr>
+        <p:spPr>
+          <a:xfrm>
+            <a:off x="311699" y="1847849"/>
+            <a:ext cx="8520602" cy="1382703"/>
           </a:xfrm>
           <a:prstGeom prst="rect">
             <a:avLst/>
@@ -23634,21 +24043,15 @@
         </p:spPr>
         <p:txBody>
           <a:bodyPr/>
-          <a:lstStyle/>
-          <a:p>
-            <a:pPr defTabSz="777240">
-              <a:defRPr sz="3600"/>
-            </a:pPr>
-            <a:r>
-              <a:t>Merci pour l’écoute !</a:t>
-            </a:r>
-            <a:br/>
-            <a:r>
-              <a:t>Léopold Mols</a:t>
-            </a:r>
-            <a:br/>
-            <a:r>
-              <a:t>53212</a:t>
+          <a:lstStyle>
+            <a:lvl1pPr defTabSz="694943">
+              <a:defRPr sz="8645"/>
+            </a:lvl1pPr>
+          </a:lstStyle>
+          <a:p>
+            <a:pPr/>
+            <a:r>
+              <a:t>Des questions ?</a:t>
             </a:r>
           </a:p>
         </p:txBody>
@@ -23692,7 +24095,7 @@
       </p:grpSpPr>
       <p:sp>
         <p:nvSpPr>
-          <p:cNvPr id="442" name="Google Shape;374;p32"/>
+          <p:cNvPr id="444" name="Google Shape;374;p32"/>
           <p:cNvSpPr txBox="1"/>
           <p:nvPr>
             <p:ph type="title"/>
@@ -23724,7 +24127,7 @@
       </p:sp>
       <p:sp>
         <p:nvSpPr>
-          <p:cNvPr id="443" name="Google Shape;375;p32"/>
+          <p:cNvPr id="445" name="Google Shape;375;p32"/>
           <p:cNvSpPr txBox="1"/>
           <p:nvPr/>
         </p:nvSpPr>
@@ -23766,6 +24169,81 @@
             <a:pPr/>
             <a:r>
               <a:t>01</a:t>
+            </a:r>
+          </a:p>
+        </p:txBody>
+      </p:sp>
+    </p:spTree>
+  </p:cSld>
+  <p:clrMapOvr>
+    <a:masterClrMapping/>
+  </p:clrMapOvr>
+  <mc:AlternateContent xmlns:mc="http://schemas.openxmlformats.org/markup-compatibility/2006">
+    <mc:Choice xmlns:p14="http://schemas.microsoft.com/office/powerpoint/2010/main" Requires="p14">
+      <p:transition spd="slow" advClick="1" p14:dur="2000">
+        <p:dissolve/>
+      </p:transition>
+    </mc:Choice>
+    <mc:Fallback>
+      <p:transition spd="slow">
+        <p:fade/>
+      </p:transition>
+    </mc:Fallback>
+  </mc:AlternateContent>
+</p:sld>
+</file>
+
+<file path=ppt/slides/slide30.xml><?xml version="1.0" encoding="utf-8"?>
+<p:sld xmlns:a="http://schemas.openxmlformats.org/drawingml/2006/main" xmlns:r="http://schemas.openxmlformats.org/officeDocument/2006/relationships" xmlns:p="http://schemas.openxmlformats.org/presentationml/2006/main" xmlns:m="http://schemas.openxmlformats.org/officeDocument/2006/math" xmlns:a14="http://schemas.microsoft.com/office/drawing/2010/main" showMasterSp="1" showMasterPhAnim="1">
+  <p:cSld>
+    <p:spTree>
+      <p:nvGrpSpPr>
+        <p:cNvPr id="1" name=""/>
+        <p:cNvGrpSpPr/>
+        <p:nvPr/>
+      </p:nvGrpSpPr>
+      <p:grpSpPr>
+        <a:xfrm>
+          <a:off x="0" y="0"/>
+          <a:ext cx="0" cy="0"/>
+          <a:chOff x="0" y="0"/>
+          <a:chExt cx="0" cy="0"/>
+        </a:xfrm>
+      </p:grpSpPr>
+      <p:sp>
+        <p:nvSpPr>
+          <p:cNvPr id="664" name="Google Shape;898;p52"/>
+          <p:cNvSpPr txBox="1"/>
+          <p:nvPr>
+            <p:ph type="title"/>
+          </p:nvPr>
+        </p:nvSpPr>
+        <p:spPr>
+          <a:xfrm>
+            <a:off x="1797393" y="766113"/>
+            <a:ext cx="5549214" cy="1825415"/>
+          </a:xfrm>
+          <a:prstGeom prst="rect">
+            <a:avLst/>
+          </a:prstGeom>
+        </p:spPr>
+        <p:txBody>
+          <a:bodyPr/>
+          <a:lstStyle/>
+          <a:p>
+            <a:pPr defTabSz="777240">
+              <a:defRPr sz="3600"/>
+            </a:pPr>
+            <a:r>
+              <a:t>Merci pour l’écoute !</a:t>
+            </a:r>
+            <a:br/>
+            <a:r>
+              <a:t>Léopold Mols</a:t>
+            </a:r>
+            <a:br/>
+            <a:r>
+              <a:t>53212</a:t>
             </a:r>
           </a:p>
         </p:txBody>
@@ -23809,7 +24287,7 @@
       </p:grpSpPr>
       <p:pic>
         <p:nvPicPr>
-          <p:cNvPr id="445" name="Google Shape;360;p30" descr="Google Shape;360;p30"/>
+          <p:cNvPr id="447" name="Google Shape;360;p30" descr="Google Shape;360;p30"/>
           <p:cNvPicPr>
             <a:picLocks noChangeAspect="1"/>
           </p:cNvPicPr>
@@ -23839,7 +24317,7 @@
       </p:pic>
       <p:sp>
         <p:nvSpPr>
-          <p:cNvPr id="446" name="Google Shape;361;p30"/>
+          <p:cNvPr id="448" name="Google Shape;361;p30"/>
           <p:cNvSpPr txBox="1"/>
           <p:nvPr>
             <p:ph type="body" idx="1"/>
@@ -23915,7 +24393,7 @@
       </p:sp>
       <p:sp>
         <p:nvSpPr>
-          <p:cNvPr id="447" name="Google Shape;362;p30"/>
+          <p:cNvPr id="449" name="Google Shape;362;p30"/>
           <p:cNvSpPr txBox="1"/>
           <p:nvPr>
             <p:ph type="title"/>
@@ -23943,7 +24421,7 @@
       </p:sp>
       <p:sp>
         <p:nvSpPr>
-          <p:cNvPr id="448" name="Google Shape;363;p30"/>
+          <p:cNvPr id="450" name="Google Shape;363;p30"/>
           <p:cNvSpPr/>
           <p:nvPr/>
         </p:nvSpPr>
@@ -24015,7 +24493,7 @@
       </p:grpSpPr>
       <p:sp>
         <p:nvSpPr>
-          <p:cNvPr id="450" name="Google Shape;386;p34"/>
+          <p:cNvPr id="452" name="Google Shape;386;p34"/>
           <p:cNvSpPr txBox="1"/>
           <p:nvPr>
             <p:ph type="title"/>
@@ -24051,7 +24529,7 @@
       </p:sp>
       <p:sp>
         <p:nvSpPr>
-          <p:cNvPr id="451" name="Google Shape;387;p34"/>
+          <p:cNvPr id="453" name="Google Shape;387;p34"/>
           <p:cNvSpPr/>
           <p:nvPr/>
         </p:nvSpPr>
@@ -24088,7 +24566,7 @@
       </p:sp>
       <p:sp>
         <p:nvSpPr>
-          <p:cNvPr id="452" name="Google Shape;388;p34"/>
+          <p:cNvPr id="454" name="Google Shape;388;p34"/>
           <p:cNvSpPr/>
           <p:nvPr/>
         </p:nvSpPr>
@@ -24125,7 +24603,7 @@
       </p:sp>
       <p:sp>
         <p:nvSpPr>
-          <p:cNvPr id="453" name="Google Shape;389;p34"/>
+          <p:cNvPr id="455" name="Google Shape;389;p34"/>
           <p:cNvSpPr/>
           <p:nvPr/>
         </p:nvSpPr>
@@ -24160,7 +24638,7 @@
       </p:sp>
       <p:sp>
         <p:nvSpPr>
-          <p:cNvPr id="454" name="Google Shape;390;p34"/>
+          <p:cNvPr id="456" name="Google Shape;390;p34"/>
           <p:cNvSpPr/>
           <p:nvPr/>
         </p:nvSpPr>
@@ -24197,7 +24675,7 @@
       </p:sp>
       <p:sp>
         <p:nvSpPr>
-          <p:cNvPr id="455" name="Google Shape;391;p34"/>
+          <p:cNvPr id="457" name="Google Shape;391;p34"/>
           <p:cNvSpPr/>
           <p:nvPr/>
         </p:nvSpPr>
@@ -24232,7 +24710,7 @@
       </p:sp>
       <p:sp>
         <p:nvSpPr>
-          <p:cNvPr id="456" name="Google Shape;392;p34"/>
+          <p:cNvPr id="458" name="Google Shape;392;p34"/>
           <p:cNvSpPr/>
           <p:nvPr/>
         </p:nvSpPr>
@@ -24269,7 +24747,7 @@
       </p:sp>
       <p:sp>
         <p:nvSpPr>
-          <p:cNvPr id="457" name="Google Shape;393;p34"/>
+          <p:cNvPr id="459" name="Google Shape;393;p34"/>
           <p:cNvSpPr/>
           <p:nvPr/>
         </p:nvSpPr>
@@ -24304,7 +24782,7 @@
       </p:sp>
       <p:sp>
         <p:nvSpPr>
-          <p:cNvPr id="458" name="Google Shape;394;p34"/>
+          <p:cNvPr id="460" name="Google Shape;394;p34"/>
           <p:cNvSpPr txBox="1"/>
           <p:nvPr/>
         </p:nvSpPr>
@@ -24352,7 +24830,7 @@
       </p:sp>
       <p:sp>
         <p:nvSpPr>
-          <p:cNvPr id="459" name="Google Shape;395;p34"/>
+          <p:cNvPr id="461" name="Google Shape;395;p34"/>
           <p:cNvSpPr txBox="1"/>
           <p:nvPr/>
         </p:nvSpPr>
@@ -24400,7 +24878,7 @@
       </p:sp>
       <p:sp>
         <p:nvSpPr>
-          <p:cNvPr id="460" name="Google Shape;396;p34"/>
+          <p:cNvPr id="462" name="Google Shape;396;p34"/>
           <p:cNvSpPr txBox="1"/>
           <p:nvPr>
             <p:ph type="body" sz="quarter" idx="1"/>
@@ -24438,7 +24916,7 @@
       </p:sp>
       <p:sp>
         <p:nvSpPr>
-          <p:cNvPr id="461" name="Google Shape;397;p34"/>
+          <p:cNvPr id="463" name="Google Shape;397;p34"/>
           <p:cNvSpPr txBox="1"/>
           <p:nvPr/>
         </p:nvSpPr>
@@ -24486,7 +24964,7 @@
       </p:sp>
       <p:sp>
         <p:nvSpPr>
-          <p:cNvPr id="462" name="Google Shape;398;p34"/>
+          <p:cNvPr id="464" name="Google Shape;398;p34"/>
           <p:cNvSpPr txBox="1"/>
           <p:nvPr/>
         </p:nvSpPr>
@@ -24548,7 +25026,7 @@
       </p:sp>
       <p:sp>
         <p:nvSpPr>
-          <p:cNvPr id="463" name="Google Shape;399;p34"/>
+          <p:cNvPr id="465" name="Google Shape;399;p34"/>
           <p:cNvSpPr txBox="1"/>
           <p:nvPr/>
         </p:nvSpPr>
@@ -24596,7 +25074,7 @@
       </p:sp>
       <p:sp>
         <p:nvSpPr>
-          <p:cNvPr id="464" name="Google Shape;400;p34"/>
+          <p:cNvPr id="466" name="Google Shape;400;p34"/>
           <p:cNvSpPr txBox="1"/>
           <p:nvPr/>
         </p:nvSpPr>
@@ -24644,7 +25122,7 @@
       </p:sp>
       <p:sp>
         <p:nvSpPr>
-          <p:cNvPr id="465" name="Google Shape;401;p34"/>
+          <p:cNvPr id="467" name="Google Shape;401;p34"/>
           <p:cNvSpPr/>
           <p:nvPr/>
         </p:nvSpPr>
@@ -24679,7 +25157,7 @@
       </p:sp>
       <p:sp>
         <p:nvSpPr>
-          <p:cNvPr id="466" name="Google Shape;402;p34"/>
+          <p:cNvPr id="468" name="Google Shape;402;p34"/>
           <p:cNvSpPr/>
           <p:nvPr/>
         </p:nvSpPr>
@@ -24714,7 +25192,7 @@
       </p:sp>
       <p:sp>
         <p:nvSpPr>
-          <p:cNvPr id="467" name="Google Shape;403;p34"/>
+          <p:cNvPr id="469" name="Google Shape;403;p34"/>
           <p:cNvSpPr/>
           <p:nvPr/>
         </p:nvSpPr>
@@ -24749,7 +25227,7 @@
       </p:sp>
       <p:sp>
         <p:nvSpPr>
-          <p:cNvPr id="468" name="Google Shape;404;p34"/>
+          <p:cNvPr id="470" name="Google Shape;404;p34"/>
           <p:cNvSpPr/>
           <p:nvPr/>
         </p:nvSpPr>
@@ -24784,7 +25262,7 @@
       </p:sp>
       <p:sp>
         <p:nvSpPr>
-          <p:cNvPr id="469" name="Google Shape;405;p34"/>
+          <p:cNvPr id="471" name="Google Shape;405;p34"/>
           <p:cNvSpPr/>
           <p:nvPr/>
         </p:nvSpPr>
@@ -24819,7 +25297,7 @@
       </p:sp>
       <p:sp>
         <p:nvSpPr>
-          <p:cNvPr id="470" name="Google Shape;406;p34"/>
+          <p:cNvPr id="472" name="Google Shape;406;p34"/>
           <p:cNvSpPr/>
           <p:nvPr/>
         </p:nvSpPr>
@@ -24854,7 +25332,7 @@
       </p:sp>
       <p:sp>
         <p:nvSpPr>
-          <p:cNvPr id="471" name="Google Shape;407;p34"/>
+          <p:cNvPr id="473" name="Google Shape;407;p34"/>
           <p:cNvSpPr/>
           <p:nvPr/>
         </p:nvSpPr>
@@ -24889,7 +25367,7 @@
       </p:sp>
       <p:sp>
         <p:nvSpPr>
-          <p:cNvPr id="472" name="Google Shape;408;p34"/>
+          <p:cNvPr id="474" name="Google Shape;408;p34"/>
           <p:cNvSpPr/>
           <p:nvPr/>
         </p:nvSpPr>
@@ -24924,7 +25402,7 @@
       </p:sp>
       <p:sp>
         <p:nvSpPr>
-          <p:cNvPr id="473" name="Google Shape;409;p34"/>
+          <p:cNvPr id="475" name="Google Shape;409;p34"/>
           <p:cNvSpPr/>
           <p:nvPr/>
         </p:nvSpPr>
@@ -24959,7 +25437,7 @@
       </p:sp>
       <p:sp>
         <p:nvSpPr>
-          <p:cNvPr id="474" name="Google Shape;410;p34"/>
+          <p:cNvPr id="476" name="Google Shape;410;p34"/>
           <p:cNvSpPr/>
           <p:nvPr/>
         </p:nvSpPr>
@@ -24994,7 +25472,7 @@
       </p:sp>
       <p:sp>
         <p:nvSpPr>
-          <p:cNvPr id="475" name="Google Shape;411;p34"/>
+          <p:cNvPr id="477" name="Google Shape;411;p34"/>
           <p:cNvSpPr/>
           <p:nvPr/>
         </p:nvSpPr>
@@ -25029,7 +25507,7 @@
       </p:sp>
       <p:sp>
         <p:nvSpPr>
-          <p:cNvPr id="476" name="Google Shape;412;p34"/>
+          <p:cNvPr id="478" name="Google Shape;412;p34"/>
           <p:cNvSpPr/>
           <p:nvPr/>
         </p:nvSpPr>
@@ -25064,7 +25542,7 @@
       </p:sp>
       <p:sp>
         <p:nvSpPr>
-          <p:cNvPr id="477" name="Google Shape;413;p34"/>
+          <p:cNvPr id="479" name="Google Shape;413;p34"/>
           <p:cNvSpPr/>
           <p:nvPr/>
         </p:nvSpPr>
@@ -25101,7 +25579,7 @@
       </p:sp>
       <p:sp>
         <p:nvSpPr>
-          <p:cNvPr id="478" name="Google Shape;414;p34"/>
+          <p:cNvPr id="480" name="Google Shape;414;p34"/>
           <p:cNvSpPr txBox="1"/>
           <p:nvPr/>
         </p:nvSpPr>
@@ -25149,7 +25627,7 @@
       </p:sp>
       <p:sp>
         <p:nvSpPr>
-          <p:cNvPr id="479" name="Google Shape;415;p34"/>
+          <p:cNvPr id="481" name="Google Shape;415;p34"/>
           <p:cNvSpPr/>
           <p:nvPr/>
         </p:nvSpPr>
@@ -25502,7 +25980,7 @@
       </p:sp>
       <p:grpSp>
         <p:nvGrpSpPr>
-          <p:cNvPr id="484" name="Google Shape;416;p34"/>
+          <p:cNvPr id="486" name="Google Shape;416;p34"/>
           <p:cNvGrpSpPr/>
           <p:nvPr/>
         </p:nvGrpSpPr>
@@ -25516,7 +25994,7 @@
         </p:grpSpPr>
         <p:sp>
           <p:nvSpPr>
-            <p:cNvPr id="480" name="Google Shape;417;p34"/>
+            <p:cNvPr id="482" name="Google Shape;417;p34"/>
             <p:cNvSpPr/>
             <p:nvPr/>
           </p:nvSpPr>
@@ -25598,7 +26076,7 @@
         </p:sp>
         <p:sp>
           <p:nvSpPr>
-            <p:cNvPr id="481" name="Google Shape;418;p34"/>
+            <p:cNvPr id="483" name="Google Shape;418;p34"/>
             <p:cNvSpPr/>
             <p:nvPr/>
           </p:nvSpPr>
@@ -25680,7 +26158,7 @@
         </p:sp>
         <p:sp>
           <p:nvSpPr>
-            <p:cNvPr id="482" name="Google Shape;419;p34"/>
+            <p:cNvPr id="484" name="Google Shape;419;p34"/>
             <p:cNvSpPr/>
             <p:nvPr/>
           </p:nvSpPr>
@@ -25835,7 +26313,7 @@
         </p:sp>
         <p:sp>
           <p:nvSpPr>
-            <p:cNvPr id="483" name="Google Shape;421;p34"/>
+            <p:cNvPr id="485" name="Google Shape;421;p34"/>
             <p:cNvSpPr/>
             <p:nvPr/>
           </p:nvSpPr>
@@ -25992,7 +26470,7 @@
       </p:grpSp>
       <p:sp>
         <p:nvSpPr>
-          <p:cNvPr id="485" name="Google Shape;422;p34"/>
+          <p:cNvPr id="487" name="Google Shape;422;p34"/>
           <p:cNvSpPr/>
           <p:nvPr/>
         </p:nvSpPr>
@@ -26307,7 +26785,7 @@
       </p:sp>
       <p:grpSp>
         <p:nvGrpSpPr>
-          <p:cNvPr id="490" name="Google Shape;423;p34"/>
+          <p:cNvPr id="492" name="Google Shape;423;p34"/>
           <p:cNvGrpSpPr/>
           <p:nvPr/>
         </p:nvGrpSpPr>
@@ -26321,7 +26799,7 @@
         </p:grpSpPr>
         <p:sp>
           <p:nvSpPr>
-            <p:cNvPr id="486" name="Google Shape;424;p34"/>
+            <p:cNvPr id="488" name="Google Shape;424;p34"/>
             <p:cNvSpPr/>
             <p:nvPr/>
           </p:nvSpPr>
@@ -26445,7 +26923,7 @@
         </p:sp>
         <p:sp>
           <p:nvSpPr>
-            <p:cNvPr id="487" name="Google Shape;425;p34"/>
+            <p:cNvPr id="489" name="Google Shape;425;p34"/>
             <p:cNvSpPr/>
             <p:nvPr/>
           </p:nvSpPr>
@@ -26539,7 +27017,7 @@
         </p:sp>
         <p:sp>
           <p:nvSpPr>
-            <p:cNvPr id="488" name="Google Shape;426;p34"/>
+            <p:cNvPr id="490" name="Google Shape;426;p34"/>
             <p:cNvSpPr/>
             <p:nvPr/>
           </p:nvSpPr>
@@ -26820,7 +27298,7 @@
         </p:sp>
         <p:sp>
           <p:nvSpPr>
-            <p:cNvPr id="489" name="Google Shape;427;p34"/>
+            <p:cNvPr id="491" name="Google Shape;427;p34"/>
             <p:cNvSpPr/>
             <p:nvPr/>
           </p:nvSpPr>
@@ -26980,7 +27458,7 @@
       </p:grpSpPr>
       <p:sp>
         <p:nvSpPr>
-          <p:cNvPr id="492" name="Google Shape;452;p36"/>
+          <p:cNvPr id="494" name="Google Shape;452;p36"/>
           <p:cNvSpPr txBox="1"/>
           <p:nvPr>
             <p:ph type="title"/>
@@ -27012,7 +27490,7 @@
       </p:sp>
       <p:sp>
         <p:nvSpPr>
-          <p:cNvPr id="493" name="Google Shape;453;p36"/>
+          <p:cNvPr id="495" name="Google Shape;453;p36"/>
           <p:cNvSpPr txBox="1"/>
           <p:nvPr>
             <p:ph type="body" sz="quarter" idx="1"/>
@@ -27098,7 +27576,7 @@
       </p:grpSpPr>
       <p:sp>
         <p:nvSpPr>
-          <p:cNvPr id="495" name="Google Shape;361;p30"/>
+          <p:cNvPr id="497" name="Google Shape;361;p30"/>
           <p:cNvSpPr txBox="1"/>
           <p:nvPr>
             <p:ph type="body" idx="1"/>
@@ -27246,7 +27724,7 @@
       </p:sp>
       <p:sp>
         <p:nvSpPr>
-          <p:cNvPr id="496" name="Google Shape;362;p30"/>
+          <p:cNvPr id="498" name="Google Shape;362;p30"/>
           <p:cNvSpPr txBox="1"/>
           <p:nvPr>
             <p:ph type="title"/>
@@ -27274,7 +27752,7 @@
       </p:sp>
       <p:sp>
         <p:nvSpPr>
-          <p:cNvPr id="497" name="Google Shape;363;p30"/>
+          <p:cNvPr id="499" name="Google Shape;363;p30"/>
           <p:cNvSpPr/>
           <p:nvPr/>
         </p:nvSpPr>
@@ -27346,7 +27824,7 @@
       </p:grpSpPr>
       <p:sp>
         <p:nvSpPr>
-          <p:cNvPr id="499" name="Google Shape;361;p30"/>
+          <p:cNvPr id="501" name="Google Shape;361;p30"/>
           <p:cNvSpPr txBox="1"/>
           <p:nvPr>
             <p:ph type="body" sz="half" idx="1"/>
@@ -27412,7 +27890,7 @@
       </p:sp>
       <p:sp>
         <p:nvSpPr>
-          <p:cNvPr id="500" name="Google Shape;362;p30"/>
+          <p:cNvPr id="502" name="Google Shape;362;p30"/>
           <p:cNvSpPr txBox="1"/>
           <p:nvPr>
             <p:ph type="title"/>
@@ -27444,7 +27922,7 @@
       </p:sp>
       <p:sp>
         <p:nvSpPr>
-          <p:cNvPr id="501" name="Google Shape;363;p30"/>
+          <p:cNvPr id="503" name="Google Shape;363;p30"/>
           <p:cNvSpPr/>
           <p:nvPr/>
         </p:nvSpPr>
@@ -27479,7 +27957,7 @@
       </p:sp>
       <p:grpSp>
         <p:nvGrpSpPr>
-          <p:cNvPr id="504" name="Google Shape;452;p36"/>
+          <p:cNvPr id="506" name="Google Shape;452;p36"/>
           <p:cNvGrpSpPr/>
           <p:nvPr/>
         </p:nvGrpSpPr>
@@ -27493,7 +27971,7 @@
         </p:grpSpPr>
         <p:sp>
           <p:nvSpPr>
-            <p:cNvPr id="502" name="Rectangle"/>
+            <p:cNvPr id="504" name="Rectangle"/>
             <p:cNvSpPr/>
             <p:nvPr/>
           </p:nvSpPr>
@@ -27536,7 +28014,7 @@
         </p:sp>
         <p:sp>
           <p:nvSpPr>
-            <p:cNvPr id="503" name="Particularités"/>
+            <p:cNvPr id="505" name="Particularités"/>
             <p:cNvSpPr txBox="1"/>
             <p:nvPr/>
           </p:nvSpPr>
@@ -27588,7 +28066,7 @@
       </p:grpSp>
       <p:sp>
         <p:nvSpPr>
-          <p:cNvPr id="505" name="Google Shape;362;p30"/>
+          <p:cNvPr id="507" name="Google Shape;362;p30"/>
           <p:cNvSpPr txBox="1"/>
           <p:nvPr/>
         </p:nvSpPr>
@@ -27636,7 +28114,7 @@
       </p:sp>
       <p:sp>
         <p:nvSpPr>
-          <p:cNvPr id="506" name="Google Shape;361;p30"/>
+          <p:cNvPr id="508" name="Google Shape;361;p30"/>
           <p:cNvSpPr txBox="1"/>
           <p:nvPr/>
         </p:nvSpPr>
@@ -27762,7 +28240,7 @@
       </p:grpSpPr>
       <p:sp>
         <p:nvSpPr>
-          <p:cNvPr id="508" name="Google Shape;363;p30"/>
+          <p:cNvPr id="510" name="Google Shape;363;p30"/>
           <p:cNvSpPr/>
           <p:nvPr/>
         </p:nvSpPr>
@@ -27797,7 +28275,7 @@
       </p:sp>
       <p:grpSp>
         <p:nvGrpSpPr>
-          <p:cNvPr id="511" name="Google Shape;452;p36"/>
+          <p:cNvPr id="513" name="Google Shape;452;p36"/>
           <p:cNvGrpSpPr/>
           <p:nvPr/>
         </p:nvGrpSpPr>
@@ -27811,7 +28289,7 @@
         </p:grpSpPr>
         <p:sp>
           <p:nvSpPr>
-            <p:cNvPr id="509" name="Rectangle"/>
+            <p:cNvPr id="511" name="Rectangle"/>
             <p:cNvSpPr/>
             <p:nvPr/>
           </p:nvSpPr>
@@ -27854,7 +28332,7 @@
         </p:sp>
         <p:sp>
           <p:nvSpPr>
-            <p:cNvPr id="510" name="COW"/>
+            <p:cNvPr id="512" name="COW"/>
             <p:cNvSpPr txBox="1"/>
             <p:nvPr/>
           </p:nvSpPr>
@@ -27906,7 +28384,7 @@
       </p:grpSp>
       <p:sp>
         <p:nvSpPr>
-          <p:cNvPr id="512" name="Google Shape;362;p30"/>
+          <p:cNvPr id="514" name="Google Shape;362;p30"/>
           <p:cNvSpPr txBox="1"/>
           <p:nvPr/>
         </p:nvSpPr>
@@ -27954,7 +28432,7 @@
       </p:sp>
       <p:sp>
         <p:nvSpPr>
-          <p:cNvPr id="513" name="Google Shape;361;p30"/>
+          <p:cNvPr id="515" name="Google Shape;361;p30"/>
           <p:cNvSpPr txBox="1"/>
           <p:nvPr/>
         </p:nvSpPr>
